--- a/1-Monday/Intro-to-Git/WASTC2024-vFDW-Intro-to-Git.pptx
+++ b/1-Monday/Intro-to-Git/WASTC2024-vFDW-Intro-to-Git.pptx
@@ -5,10 +5,10 @@
     <p:sldMasterId id="2147483648" r:id="rId1"/>
   </p:sldMasterIdLst>
   <p:notesMasterIdLst>
-    <p:notesMasterId r:id="rId32"/>
+    <p:notesMasterId r:id="rId21"/>
   </p:notesMasterIdLst>
   <p:handoutMasterIdLst>
-    <p:handoutMasterId r:id="rId33"/>
+    <p:handoutMasterId r:id="rId22"/>
   </p:handoutMasterIdLst>
   <p:sldIdLst>
     <p:sldId id="256" r:id="rId2"/>
@@ -30,17 +30,6 @@
     <p:sldId id="286" r:id="rId18"/>
     <p:sldId id="287" r:id="rId19"/>
     <p:sldId id="270" r:id="rId20"/>
-    <p:sldId id="260" r:id="rId21"/>
-    <p:sldId id="272" r:id="rId22"/>
-    <p:sldId id="273" r:id="rId23"/>
-    <p:sldId id="264" r:id="rId24"/>
-    <p:sldId id="265" r:id="rId25"/>
-    <p:sldId id="274" r:id="rId26"/>
-    <p:sldId id="266" r:id="rId27"/>
-    <p:sldId id="267" r:id="rId28"/>
-    <p:sldId id="275" r:id="rId29"/>
-    <p:sldId id="268" r:id="rId30"/>
-    <p:sldId id="269" r:id="rId31"/>
   </p:sldIdLst>
   <p:sldSz cx="12192000" cy="6858000"/>
   <p:notesSz cx="6858000" cy="9144000"/>
@@ -1015,342 +1004,6 @@
     <p:extLst>
       <p:ext uri="{BB962C8B-B14F-4D97-AF65-F5344CB8AC3E}">
         <p14:creationId xmlns:p14="http://schemas.microsoft.com/office/powerpoint/2010/main" val="3497501522"/>
-      </p:ext>
-    </p:extLst>
-  </p:cSld>
-  <p:clrMapOvr>
-    <a:masterClrMapping/>
-  </p:clrMapOvr>
-</p:notes>
-</file>
-
-<file path=ppt/notesSlides/notesSlide5.xml><?xml version="1.0" encoding="utf-8"?>
-<p:notes xmlns:a="http://schemas.openxmlformats.org/drawingml/2006/main" xmlns:r="http://schemas.openxmlformats.org/officeDocument/2006/relationships" xmlns:p="http://schemas.openxmlformats.org/presentationml/2006/main">
-  <p:cSld>
-    <p:spTree>
-      <p:nvGrpSpPr>
-        <p:cNvPr id="1" name=""/>
-        <p:cNvGrpSpPr/>
-        <p:nvPr/>
-      </p:nvGrpSpPr>
-      <p:grpSpPr>
-        <a:xfrm>
-          <a:off x="0" y="0"/>
-          <a:ext cx="0" cy="0"/>
-          <a:chOff x="0" y="0"/>
-          <a:chExt cx="0" cy="0"/>
-        </a:xfrm>
-      </p:grpSpPr>
-      <p:sp>
-        <p:nvSpPr>
-          <p:cNvPr id="2" name="Slide Image Placeholder 1"/>
-          <p:cNvSpPr>
-            <a:spLocks noGrp="1" noRot="1" noChangeAspect="1"/>
-          </p:cNvSpPr>
-          <p:nvPr>
-            <p:ph type="sldImg"/>
-          </p:nvPr>
-        </p:nvSpPr>
-        <p:spPr/>
-      </p:sp>
-      <p:sp>
-        <p:nvSpPr>
-          <p:cNvPr id="3" name="Notes Placeholder 2"/>
-          <p:cNvSpPr>
-            <a:spLocks noGrp="1"/>
-          </p:cNvSpPr>
-          <p:nvPr>
-            <p:ph type="body" idx="1"/>
-          </p:nvPr>
-        </p:nvSpPr>
-        <p:spPr/>
-        <p:txBody>
-          <a:bodyPr/>
-          <a:lstStyle/>
-          <a:p>
-            <a:endParaRPr lang="en-US" dirty="0"/>
-          </a:p>
-        </p:txBody>
-      </p:sp>
-      <p:sp>
-        <p:nvSpPr>
-          <p:cNvPr id="4" name="Slide Number Placeholder 3"/>
-          <p:cNvSpPr>
-            <a:spLocks noGrp="1"/>
-          </p:cNvSpPr>
-          <p:nvPr>
-            <p:ph type="sldNum" sz="quarter" idx="5"/>
-          </p:nvPr>
-        </p:nvSpPr>
-        <p:spPr/>
-        <p:txBody>
-          <a:bodyPr/>
-          <a:lstStyle/>
-          <a:p>
-            <a:fld id="{A6590377-9AB7-BE4E-B5A4-7BC5E2C22E46}" type="slidenum">
-              <a:rPr lang="en-US" smtClean="0"/>
-              <a:t>21</a:t>
-            </a:fld>
-            <a:endParaRPr lang="en-US"/>
-          </a:p>
-        </p:txBody>
-      </p:sp>
-    </p:spTree>
-    <p:extLst>
-      <p:ext uri="{BB962C8B-B14F-4D97-AF65-F5344CB8AC3E}">
-        <p14:creationId xmlns:p14="http://schemas.microsoft.com/office/powerpoint/2010/main" val="1065210726"/>
-      </p:ext>
-    </p:extLst>
-  </p:cSld>
-  <p:clrMapOvr>
-    <a:masterClrMapping/>
-  </p:clrMapOvr>
-</p:notes>
-</file>
-
-<file path=ppt/notesSlides/notesSlide6.xml><?xml version="1.0" encoding="utf-8"?>
-<p:notes xmlns:a="http://schemas.openxmlformats.org/drawingml/2006/main" xmlns:r="http://schemas.openxmlformats.org/officeDocument/2006/relationships" xmlns:p="http://schemas.openxmlformats.org/presentationml/2006/main">
-  <p:cSld>
-    <p:spTree>
-      <p:nvGrpSpPr>
-        <p:cNvPr id="1" name=""/>
-        <p:cNvGrpSpPr/>
-        <p:nvPr/>
-      </p:nvGrpSpPr>
-      <p:grpSpPr>
-        <a:xfrm>
-          <a:off x="0" y="0"/>
-          <a:ext cx="0" cy="0"/>
-          <a:chOff x="0" y="0"/>
-          <a:chExt cx="0" cy="0"/>
-        </a:xfrm>
-      </p:grpSpPr>
-      <p:sp>
-        <p:nvSpPr>
-          <p:cNvPr id="2" name="Slide Image Placeholder 1"/>
-          <p:cNvSpPr>
-            <a:spLocks noGrp="1" noRot="1" noChangeAspect="1"/>
-          </p:cNvSpPr>
-          <p:nvPr>
-            <p:ph type="sldImg"/>
-          </p:nvPr>
-        </p:nvSpPr>
-        <p:spPr/>
-      </p:sp>
-      <p:sp>
-        <p:nvSpPr>
-          <p:cNvPr id="3" name="Notes Placeholder 2"/>
-          <p:cNvSpPr>
-            <a:spLocks noGrp="1"/>
-          </p:cNvSpPr>
-          <p:nvPr>
-            <p:ph type="body" idx="1"/>
-          </p:nvPr>
-        </p:nvSpPr>
-        <p:spPr/>
-        <p:txBody>
-          <a:bodyPr/>
-          <a:lstStyle/>
-          <a:p>
-            <a:endParaRPr lang="en-US" dirty="0"/>
-          </a:p>
-        </p:txBody>
-      </p:sp>
-      <p:sp>
-        <p:nvSpPr>
-          <p:cNvPr id="4" name="Slide Number Placeholder 3"/>
-          <p:cNvSpPr>
-            <a:spLocks noGrp="1"/>
-          </p:cNvSpPr>
-          <p:nvPr>
-            <p:ph type="sldNum" sz="quarter" idx="5"/>
-          </p:nvPr>
-        </p:nvSpPr>
-        <p:spPr/>
-        <p:txBody>
-          <a:bodyPr/>
-          <a:lstStyle/>
-          <a:p>
-            <a:fld id="{A6590377-9AB7-BE4E-B5A4-7BC5E2C22E46}" type="slidenum">
-              <a:rPr lang="en-US" smtClean="0"/>
-              <a:t>22</a:t>
-            </a:fld>
-            <a:endParaRPr lang="en-US"/>
-          </a:p>
-        </p:txBody>
-      </p:sp>
-    </p:spTree>
-    <p:extLst>
-      <p:ext uri="{BB962C8B-B14F-4D97-AF65-F5344CB8AC3E}">
-        <p14:creationId xmlns:p14="http://schemas.microsoft.com/office/powerpoint/2010/main" val="737303357"/>
-      </p:ext>
-    </p:extLst>
-  </p:cSld>
-  <p:clrMapOvr>
-    <a:masterClrMapping/>
-  </p:clrMapOvr>
-</p:notes>
-</file>
-
-<file path=ppt/notesSlides/notesSlide7.xml><?xml version="1.0" encoding="utf-8"?>
-<p:notes xmlns:a="http://schemas.openxmlformats.org/drawingml/2006/main" xmlns:r="http://schemas.openxmlformats.org/officeDocument/2006/relationships" xmlns:p="http://schemas.openxmlformats.org/presentationml/2006/main">
-  <p:cSld>
-    <p:spTree>
-      <p:nvGrpSpPr>
-        <p:cNvPr id="1" name=""/>
-        <p:cNvGrpSpPr/>
-        <p:nvPr/>
-      </p:nvGrpSpPr>
-      <p:grpSpPr>
-        <a:xfrm>
-          <a:off x="0" y="0"/>
-          <a:ext cx="0" cy="0"/>
-          <a:chOff x="0" y="0"/>
-          <a:chExt cx="0" cy="0"/>
-        </a:xfrm>
-      </p:grpSpPr>
-      <p:sp>
-        <p:nvSpPr>
-          <p:cNvPr id="2" name="Slide Image Placeholder 1"/>
-          <p:cNvSpPr>
-            <a:spLocks noGrp="1" noRot="1" noChangeAspect="1"/>
-          </p:cNvSpPr>
-          <p:nvPr>
-            <p:ph type="sldImg"/>
-          </p:nvPr>
-        </p:nvSpPr>
-        <p:spPr/>
-      </p:sp>
-      <p:sp>
-        <p:nvSpPr>
-          <p:cNvPr id="3" name="Notes Placeholder 2"/>
-          <p:cNvSpPr>
-            <a:spLocks noGrp="1"/>
-          </p:cNvSpPr>
-          <p:nvPr>
-            <p:ph type="body" idx="1"/>
-          </p:nvPr>
-        </p:nvSpPr>
-        <p:spPr/>
-        <p:txBody>
-          <a:bodyPr/>
-          <a:lstStyle/>
-          <a:p>
-            <a:endParaRPr lang="en-US" dirty="0"/>
-          </a:p>
-        </p:txBody>
-      </p:sp>
-      <p:sp>
-        <p:nvSpPr>
-          <p:cNvPr id="4" name="Slide Number Placeholder 3"/>
-          <p:cNvSpPr>
-            <a:spLocks noGrp="1"/>
-          </p:cNvSpPr>
-          <p:nvPr>
-            <p:ph type="sldNum" sz="quarter" idx="5"/>
-          </p:nvPr>
-        </p:nvSpPr>
-        <p:spPr/>
-        <p:txBody>
-          <a:bodyPr/>
-          <a:lstStyle/>
-          <a:p>
-            <a:fld id="{A6590377-9AB7-BE4E-B5A4-7BC5E2C22E46}" type="slidenum">
-              <a:rPr lang="en-US" smtClean="0"/>
-              <a:t>25</a:t>
-            </a:fld>
-            <a:endParaRPr lang="en-US"/>
-          </a:p>
-        </p:txBody>
-      </p:sp>
-    </p:spTree>
-    <p:extLst>
-      <p:ext uri="{BB962C8B-B14F-4D97-AF65-F5344CB8AC3E}">
-        <p14:creationId xmlns:p14="http://schemas.microsoft.com/office/powerpoint/2010/main" val="2394685018"/>
-      </p:ext>
-    </p:extLst>
-  </p:cSld>
-  <p:clrMapOvr>
-    <a:masterClrMapping/>
-  </p:clrMapOvr>
-</p:notes>
-</file>
-
-<file path=ppt/notesSlides/notesSlide8.xml><?xml version="1.0" encoding="utf-8"?>
-<p:notes xmlns:a="http://schemas.openxmlformats.org/drawingml/2006/main" xmlns:r="http://schemas.openxmlformats.org/officeDocument/2006/relationships" xmlns:p="http://schemas.openxmlformats.org/presentationml/2006/main">
-  <p:cSld>
-    <p:spTree>
-      <p:nvGrpSpPr>
-        <p:cNvPr id="1" name=""/>
-        <p:cNvGrpSpPr/>
-        <p:nvPr/>
-      </p:nvGrpSpPr>
-      <p:grpSpPr>
-        <a:xfrm>
-          <a:off x="0" y="0"/>
-          <a:ext cx="0" cy="0"/>
-          <a:chOff x="0" y="0"/>
-          <a:chExt cx="0" cy="0"/>
-        </a:xfrm>
-      </p:grpSpPr>
-      <p:sp>
-        <p:nvSpPr>
-          <p:cNvPr id="2" name="Slide Image Placeholder 1"/>
-          <p:cNvSpPr>
-            <a:spLocks noGrp="1" noRot="1" noChangeAspect="1"/>
-          </p:cNvSpPr>
-          <p:nvPr>
-            <p:ph type="sldImg"/>
-          </p:nvPr>
-        </p:nvSpPr>
-        <p:spPr/>
-      </p:sp>
-      <p:sp>
-        <p:nvSpPr>
-          <p:cNvPr id="3" name="Notes Placeholder 2"/>
-          <p:cNvSpPr>
-            <a:spLocks noGrp="1"/>
-          </p:cNvSpPr>
-          <p:nvPr>
-            <p:ph type="body" idx="1"/>
-          </p:nvPr>
-        </p:nvSpPr>
-        <p:spPr/>
-        <p:txBody>
-          <a:bodyPr/>
-          <a:lstStyle/>
-          <a:p>
-            <a:endParaRPr lang="en-US" dirty="0"/>
-          </a:p>
-        </p:txBody>
-      </p:sp>
-      <p:sp>
-        <p:nvSpPr>
-          <p:cNvPr id="4" name="Slide Number Placeholder 3"/>
-          <p:cNvSpPr>
-            <a:spLocks noGrp="1"/>
-          </p:cNvSpPr>
-          <p:nvPr>
-            <p:ph type="sldNum" sz="quarter" idx="5"/>
-          </p:nvPr>
-        </p:nvSpPr>
-        <p:spPr/>
-        <p:txBody>
-          <a:bodyPr/>
-          <a:lstStyle/>
-          <a:p>
-            <a:fld id="{A6590377-9AB7-BE4E-B5A4-7BC5E2C22E46}" type="slidenum">
-              <a:rPr lang="en-US" smtClean="0"/>
-              <a:t>28</a:t>
-            </a:fld>
-            <a:endParaRPr lang="en-US"/>
-          </a:p>
-        </p:txBody>
-      </p:sp>
-    </p:spTree>
-    <p:extLst>
-      <p:ext uri="{BB962C8B-B14F-4D97-AF65-F5344CB8AC3E}">
-        <p14:creationId xmlns:p14="http://schemas.microsoft.com/office/powerpoint/2010/main" val="2563840373"/>
       </p:ext>
     </p:extLst>
   </p:cSld>
@@ -8578,7 +8231,7 @@
         </p:nvSpPr>
         <p:spPr>
           <a:xfrm>
-            <a:off x="1633262" y="345662"/>
+            <a:off x="1967484" y="618931"/>
             <a:ext cx="8257032" cy="731520"/>
           </a:xfrm>
         </p:spPr>
@@ -8623,7 +8276,7 @@
         </p:nvSpPr>
         <p:spPr>
           <a:xfrm>
-            <a:off x="9692196" y="5311816"/>
+            <a:off x="10026418" y="5585085"/>
             <a:ext cx="359666" cy="274637"/>
           </a:xfrm>
           <a:prstGeom prst="rect">
@@ -8734,10 +8387,10 @@
       </p:sp>
       <p:sp>
         <p:nvSpPr>
-          <p:cNvPr id="7" name="Text Placeholder 1">
+          <p:cNvPr id="10" name="Text Placeholder 3">
             <a:extLst>
               <a:ext uri="{FF2B5EF4-FFF2-40B4-BE49-F238E27FC236}">
-                <a16:creationId xmlns:a16="http://schemas.microsoft.com/office/drawing/2014/main" id="{37227558-25DF-1BDD-0DCF-9125A6CA5C53}"/>
+                <a16:creationId xmlns:a16="http://schemas.microsoft.com/office/drawing/2014/main" id="{533AE5FE-35A8-01BC-C529-B8C0524B411A}"/>
               </a:ext>
             </a:extLst>
           </p:cNvPr>
@@ -8748,8 +8401,8 @@
         </p:nvSpPr>
         <p:spPr>
           <a:xfrm>
-            <a:off x="1633262" y="2749901"/>
-            <a:ext cx="2769222" cy="3219450"/>
+            <a:off x="2537371" y="3019619"/>
+            <a:ext cx="7061350" cy="3219450"/>
           </a:xfrm>
           <a:prstGeom prst="rect">
             <a:avLst/>
@@ -8937,12 +8590,8 @@
               <a:buNone/>
             </a:pPr>
             <a:r>
-              <a:rPr lang="en-US" sz="2000" dirty="0">
-                <a:solidFill>
-                  <a:schemeClr val="accent5"/>
-                </a:solidFill>
-              </a:rPr>
-              <a:t>Introduction to Version Control Systems</a:t>
+              <a:rPr lang="en-US" sz="2000" dirty="0"/>
+              <a:t>Git Branching</a:t>
             </a:r>
           </a:p>
           <a:p>
@@ -8950,26 +8599,41 @@
               <a:buFont typeface="Arial" charset="0"/>
               <a:buNone/>
             </a:pPr>
-            <a:br>
+            <a:endParaRPr lang="en-US" sz="2000" dirty="0"/>
+          </a:p>
+          <a:p>
+            <a:pPr marL="0" indent="0" algn="ctr">
+              <a:buFont typeface="Arial" charset="0"/>
+              <a:buNone/>
+            </a:pPr>
+            <a:r>
               <a:rPr lang="en-US" sz="2000" dirty="0"/>
-            </a:br>
-            <a:r>
-              <a:rPr lang="en-US" sz="2000" dirty="0">
-                <a:solidFill>
-                  <a:schemeClr val="accent5"/>
-                </a:solidFill>
-              </a:rPr>
-              <a:t>Learn how to use Git for version control including configuration, commits, and differences.</a:t>
-            </a:r>
-          </a:p>
-        </p:txBody>
-      </p:sp>
-      <p:sp>
-        <p:nvSpPr>
-          <p:cNvPr id="8" name="Circle">
+              <a:t>Learn the basics of Git branching so that you can diverge from the main code base.</a:t>
+            </a:r>
+          </a:p>
+          <a:p>
+            <a:pPr marL="0" indent="0" algn="ctr">
+              <a:buFont typeface="Arial" charset="0"/>
+              <a:buNone/>
+            </a:pPr>
+            <a:r>
+              <a:rPr lang="en-US" sz="2670" dirty="0"/>
+              <a:t>https://</a:t>
+            </a:r>
+            <a:r>
+              <a:rPr lang="en-US" sz="2670" dirty="0" err="1"/>
+              <a:t>learngitbranching.js.org</a:t>
+            </a:r>
+            <a:endParaRPr lang="en-US" sz="2670" dirty="0"/>
+          </a:p>
+        </p:txBody>
+      </p:sp>
+      <p:sp>
+        <p:nvSpPr>
+          <p:cNvPr id="11" name="Circle">
             <a:extLst>
               <a:ext uri="{FF2B5EF4-FFF2-40B4-BE49-F238E27FC236}">
-                <a16:creationId xmlns:a16="http://schemas.microsoft.com/office/drawing/2014/main" id="{3F78A245-7119-464E-6F31-91068C96E1AF}"/>
+                <a16:creationId xmlns:a16="http://schemas.microsoft.com/office/drawing/2014/main" id="{EFA697D4-B39F-2CF7-8223-4E92D77AC977}"/>
               </a:ext>
             </a:extLst>
           </p:cNvPr>
@@ -8978,14 +8642,14 @@
         </p:nvSpPr>
         <p:spPr>
           <a:xfrm>
-            <a:off x="2588538" y="1807729"/>
-            <a:ext cx="858673" cy="858897"/>
+            <a:off x="5641951" y="1965384"/>
+            <a:ext cx="855375" cy="855597"/>
           </a:xfrm>
           <a:prstGeom prst="ellipse">
             <a:avLst/>
           </a:prstGeom>
           <a:solidFill>
-            <a:srgbClr val="0076D5"/>
+            <a:srgbClr val="74BF4B"/>
           </a:solidFill>
           <a:ln w="12700">
             <a:miter lim="400000"/>
@@ -9012,10 +8676,10 @@
       </p:sp>
       <p:sp>
         <p:nvSpPr>
-          <p:cNvPr id="9" name="1">
+          <p:cNvPr id="12" name="2">
             <a:extLst>
               <a:ext uri="{FF2B5EF4-FFF2-40B4-BE49-F238E27FC236}">
-                <a16:creationId xmlns:a16="http://schemas.microsoft.com/office/drawing/2014/main" id="{7306C8EF-E6CA-5ACB-1C8B-C93235425DBB}"/>
+                <a16:creationId xmlns:a16="http://schemas.microsoft.com/office/drawing/2014/main" id="{4E09075F-3C40-3BAC-EFCB-A8AEDADAE657}"/>
               </a:ext>
             </a:extLst>
           </p:cNvPr>
@@ -9024,7 +8688,7 @@
         </p:nvSpPr>
         <p:spPr>
           <a:xfrm>
-            <a:off x="2775660" y="1827773"/>
+            <a:off x="5825833" y="1955566"/>
             <a:ext cx="484427" cy="692345"/>
           </a:xfrm>
           <a:prstGeom prst="rect">
@@ -9062,7 +8726,7 @@
           </a:lstStyle>
           <a:p>
             <a:r>
-              <a:rPr sz="3899" dirty="0">
+              <a:rPr lang="en-US" sz="3899" dirty="0">
                 <a:solidFill>
                   <a:schemeClr val="bg1"/>
                 </a:solidFill>
@@ -9070,693 +8734,12 @@
               </a:rPr>
               <a:t>1</a:t>
             </a:r>
-          </a:p>
-        </p:txBody>
-      </p:sp>
-      <p:sp>
-        <p:nvSpPr>
-          <p:cNvPr id="10" name="Text Placeholder 3">
-            <a:extLst>
-              <a:ext uri="{FF2B5EF4-FFF2-40B4-BE49-F238E27FC236}">
-                <a16:creationId xmlns:a16="http://schemas.microsoft.com/office/drawing/2014/main" id="{533AE5FE-35A8-01BC-C529-B8C0524B411A}"/>
-              </a:ext>
-            </a:extLst>
-          </p:cNvPr>
-          <p:cNvSpPr txBox="1">
-            <a:spLocks/>
-          </p:cNvSpPr>
-          <p:nvPr/>
-        </p:nvSpPr>
-        <p:spPr>
-          <a:xfrm>
-            <a:off x="4387305" y="2749901"/>
-            <a:ext cx="2696519" cy="3219450"/>
-          </a:xfrm>
-          <a:prstGeom prst="rect">
-            <a:avLst/>
-          </a:prstGeom>
-        </p:spPr>
-        <p:txBody>
-          <a:bodyPr/>
-          <a:lstStyle>
-            <a:lvl1pPr marL="169863" indent="-169863" algn="l" defTabSz="684213" rtl="0" eaLnBrk="1" fontAlgn="base" hangingPunct="1">
-              <a:lnSpc>
-                <a:spcPct val="95000"/>
-              </a:lnSpc>
-              <a:spcBef>
-                <a:spcPts val="1075"/>
-              </a:spcBef>
-              <a:spcAft>
-                <a:spcPct val="0"/>
-              </a:spcAft>
-              <a:buClr>
-                <a:schemeClr val="tx2"/>
-              </a:buClr>
-              <a:buSzPct val="90000"/>
-              <a:buFont typeface="Arial" charset="0"/>
-              <a:buChar char="•"/>
-              <a:defRPr lang="en-US" sz="1500" kern="1200" dirty="0">
-                <a:solidFill>
-                  <a:schemeClr val="tx1"/>
-                </a:solidFill>
-                <a:latin typeface="+mn-lt"/>
-                <a:ea typeface="ＭＳ Ｐゴシック" charset="0"/>
-                <a:cs typeface="CiscoSans"/>
-              </a:defRPr>
-            </a:lvl1pPr>
-            <a:lvl2pPr marL="358775" indent="-215900" algn="l" defTabSz="684213" rtl="0" eaLnBrk="1" fontAlgn="base" hangingPunct="1">
-              <a:lnSpc>
-                <a:spcPct val="95000"/>
-              </a:lnSpc>
-              <a:spcBef>
-                <a:spcPts val="600"/>
-              </a:spcBef>
-              <a:spcAft>
-                <a:spcPct val="0"/>
-              </a:spcAft>
-              <a:buClr>
-                <a:schemeClr val="tx2"/>
-              </a:buClr>
-              <a:buFont typeface="Arial" charset="0"/>
-              <a:buChar char="•"/>
-              <a:defRPr lang="en-US" sz="1400" kern="1200" dirty="0">
-                <a:solidFill>
-                  <a:schemeClr val="tx1"/>
-                </a:solidFill>
-                <a:latin typeface="+mn-lt"/>
-                <a:ea typeface="ＭＳ Ｐゴシック" charset="0"/>
-                <a:cs typeface="CiscoSans"/>
-              </a:defRPr>
-            </a:lvl2pPr>
-            <a:lvl3pPr marL="431800" indent="-169863" algn="l" defTabSz="684213" rtl="0" eaLnBrk="1" fontAlgn="base" hangingPunct="1">
-              <a:lnSpc>
-                <a:spcPct val="95000"/>
-              </a:lnSpc>
-              <a:spcBef>
-                <a:spcPts val="625"/>
-              </a:spcBef>
-              <a:spcAft>
-                <a:spcPct val="0"/>
-              </a:spcAft>
-              <a:buFont typeface="Arial" charset="0"/>
-              <a:buChar char="•"/>
-              <a:defRPr lang="en-US" sz="1200" kern="1200" dirty="0">
-                <a:solidFill>
-                  <a:schemeClr val="tx1"/>
-                </a:solidFill>
-                <a:latin typeface="+mn-lt"/>
-                <a:ea typeface="ＭＳ Ｐゴシック" charset="0"/>
-                <a:cs typeface="CiscoSans"/>
-              </a:defRPr>
-            </a:lvl3pPr>
-            <a:lvl4pPr marL="503238" indent="-169863" algn="l" defTabSz="684213" rtl="0" eaLnBrk="1" fontAlgn="base" hangingPunct="1">
-              <a:lnSpc>
-                <a:spcPct val="95000"/>
-              </a:lnSpc>
-              <a:spcBef>
-                <a:spcPts val="625"/>
-              </a:spcBef>
-              <a:spcAft>
-                <a:spcPct val="0"/>
-              </a:spcAft>
-              <a:buFont typeface="Arial" charset="0"/>
-              <a:buChar char="•"/>
-              <a:defRPr lang="en-US" sz="1100" kern="1200" dirty="0">
-                <a:solidFill>
-                  <a:schemeClr val="tx1"/>
-                </a:solidFill>
-                <a:latin typeface="+mn-lt"/>
-                <a:ea typeface="ＭＳ Ｐゴシック" charset="0"/>
-                <a:cs typeface="CiscoSans"/>
-              </a:defRPr>
-            </a:lvl4pPr>
-            <a:lvl5pPr marL="574675" indent="-169863" algn="l" defTabSz="684213" rtl="0" eaLnBrk="1" fontAlgn="base" hangingPunct="1">
-              <a:lnSpc>
-                <a:spcPct val="95000"/>
-              </a:lnSpc>
-              <a:spcBef>
-                <a:spcPts val="625"/>
-              </a:spcBef>
-              <a:spcAft>
-                <a:spcPct val="0"/>
-              </a:spcAft>
-              <a:buFont typeface="Arial" charset="0"/>
-              <a:buChar char="•"/>
-              <a:defRPr lang="en-US" sz="1100" kern="1200" dirty="0">
-                <a:solidFill>
-                  <a:schemeClr val="tx1"/>
-                </a:solidFill>
-                <a:latin typeface="+mn-lt"/>
-                <a:ea typeface="ＭＳ Ｐゴシック" charset="0"/>
-                <a:cs typeface="CiscoSans"/>
-              </a:defRPr>
-            </a:lvl5pPr>
-            <a:lvl6pPr marL="863856" indent="-171445" algn="l" defTabSz="685777" rtl="0" eaLnBrk="1" latinLnBrk="0" hangingPunct="1">
-              <a:spcBef>
-                <a:spcPts val="600"/>
-              </a:spcBef>
-              <a:buFont typeface="Arial" pitchFamily="34" charset="0"/>
-              <a:buChar char="•"/>
-              <a:defRPr sz="900" kern="1200" baseline="0">
-                <a:solidFill>
-                  <a:schemeClr val="tx1"/>
-                </a:solidFill>
-                <a:latin typeface="+mn-lt"/>
-                <a:ea typeface="+mn-ea"/>
-                <a:cs typeface="+mn-cs"/>
-              </a:defRPr>
-            </a:lvl6pPr>
-            <a:lvl7pPr marL="935844" indent="-171422" algn="l" defTabSz="685777" rtl="0" eaLnBrk="1" latinLnBrk="0" hangingPunct="1">
-              <a:spcBef>
-                <a:spcPts val="600"/>
-              </a:spcBef>
-              <a:buFont typeface="Arial" pitchFamily="34" charset="0"/>
-              <a:buChar char="•"/>
-              <a:defRPr sz="800" kern="1200" baseline="0">
-                <a:solidFill>
-                  <a:schemeClr val="tx1"/>
-                </a:solidFill>
-                <a:latin typeface="+mn-lt"/>
-                <a:ea typeface="+mn-ea"/>
-                <a:cs typeface="+mn-cs"/>
-              </a:defRPr>
-            </a:lvl7pPr>
-            <a:lvl8pPr marL="2400220" indent="0" algn="l" defTabSz="685777" rtl="0" eaLnBrk="1" latinLnBrk="0" hangingPunct="1">
-              <a:spcBef>
-                <a:spcPct val="20000"/>
-              </a:spcBef>
-              <a:buFont typeface="Arial" pitchFamily="34" charset="0"/>
-              <a:buNone/>
-              <a:defRPr sz="1500" kern="1200">
-                <a:solidFill>
-                  <a:schemeClr val="tx1"/>
-                </a:solidFill>
-                <a:latin typeface="+mn-lt"/>
-                <a:ea typeface="+mn-ea"/>
-                <a:cs typeface="+mn-cs"/>
-              </a:defRPr>
-            </a:lvl8pPr>
-            <a:lvl9pPr marL="2914553" indent="-171445" algn="l" defTabSz="685777" rtl="0" eaLnBrk="1" latinLnBrk="0" hangingPunct="1">
-              <a:spcBef>
-                <a:spcPct val="20000"/>
-              </a:spcBef>
-              <a:buFont typeface="Arial" pitchFamily="34" charset="0"/>
-              <a:buChar char="•"/>
-              <a:defRPr sz="1500" kern="1200">
-                <a:solidFill>
-                  <a:schemeClr val="tx1"/>
-                </a:solidFill>
-                <a:latin typeface="+mn-lt"/>
-                <a:ea typeface="+mn-ea"/>
-                <a:cs typeface="+mn-cs"/>
-              </a:defRPr>
-            </a:lvl9pPr>
-          </a:lstStyle>
-          <a:p>
-            <a:pPr marL="0" indent="0" algn="ctr">
-              <a:buFont typeface="Arial" charset="0"/>
-              <a:buNone/>
-            </a:pPr>
-            <a:r>
-              <a:rPr lang="en-US" sz="2000" dirty="0"/>
-              <a:t>Git Branching</a:t>
-            </a:r>
-          </a:p>
-          <a:p>
-            <a:pPr marL="0" indent="0" algn="ctr">
-              <a:buFont typeface="Arial" charset="0"/>
-              <a:buNone/>
-            </a:pPr>
-            <a:endParaRPr lang="en-US" sz="2000" dirty="0"/>
-          </a:p>
-          <a:p>
-            <a:pPr marL="0" indent="0" algn="ctr">
-              <a:buFont typeface="Arial" charset="0"/>
-              <a:buNone/>
-            </a:pPr>
-            <a:r>
-              <a:rPr lang="en-US" sz="2000" dirty="0"/>
-              <a:t>Learn the basics of Git branching so that you can diverge from the main code base.</a:t>
-            </a:r>
-            <a:endParaRPr lang="en-US" sz="2670" dirty="0"/>
-          </a:p>
-        </p:txBody>
-      </p:sp>
-      <p:sp>
-        <p:nvSpPr>
-          <p:cNvPr id="11" name="Circle">
-            <a:extLst>
-              <a:ext uri="{FF2B5EF4-FFF2-40B4-BE49-F238E27FC236}">
-                <a16:creationId xmlns:a16="http://schemas.microsoft.com/office/drawing/2014/main" id="{EFA697D4-B39F-2CF7-8223-4E92D77AC977}"/>
-              </a:ext>
-            </a:extLst>
-          </p:cNvPr>
-          <p:cNvSpPr/>
-          <p:nvPr/>
-        </p:nvSpPr>
-        <p:spPr>
-          <a:xfrm>
-            <a:off x="5340041" y="1807729"/>
-            <a:ext cx="855375" cy="855597"/>
-          </a:xfrm>
-          <a:prstGeom prst="ellipse">
-            <a:avLst/>
-          </a:prstGeom>
-          <a:solidFill>
-            <a:srgbClr val="74BF4B"/>
-          </a:solidFill>
-          <a:ln w="12700">
-            <a:miter lim="400000"/>
-          </a:ln>
-        </p:spPr>
-        <p:txBody>
-          <a:bodyPr tIns="45708" bIns="45708" anchor="ctr"/>
-          <a:lstStyle/>
-          <a:p>
-            <a:pPr defTabSz="911873">
-              <a:defRPr sz="5000">
-                <a:solidFill>
-                  <a:schemeClr val="accent3">
-                    <a:hueOff val="937500"/>
-                    <a:satOff val="68855"/>
-                    <a:lumOff val="-8431"/>
-                  </a:schemeClr>
-                </a:solidFill>
-              </a:defRPr>
-            </a:pPr>
-            <a:endParaRPr sz="2500" dirty="0"/>
-          </a:p>
-        </p:txBody>
-      </p:sp>
-      <p:sp>
-        <p:nvSpPr>
-          <p:cNvPr id="12" name="2">
-            <a:extLst>
-              <a:ext uri="{FF2B5EF4-FFF2-40B4-BE49-F238E27FC236}">
-                <a16:creationId xmlns:a16="http://schemas.microsoft.com/office/drawing/2014/main" id="{4E09075F-3C40-3BAC-EFCB-A8AEDADAE657}"/>
-              </a:ext>
-            </a:extLst>
-          </p:cNvPr>
-          <p:cNvSpPr txBox="1"/>
-          <p:nvPr/>
-        </p:nvSpPr>
-        <p:spPr>
-          <a:xfrm>
-            <a:off x="5523923" y="1797911"/>
-            <a:ext cx="484427" cy="692345"/>
-          </a:xfrm>
-          <a:prstGeom prst="rect">
-            <a:avLst/>
-          </a:prstGeom>
-          <a:ln w="25400">
-            <a:miter lim="400000"/>
-          </a:ln>
-          <a:extLst>
-            <a:ext uri="{C572A759-6A51-4108-AA02-DFA0A04FC94B}">
-              <ma14:wrappingTextBoxFlag xmlns="" xmlns:m="http://schemas.openxmlformats.org/officeDocument/2006/math" xmlns:a14="http://schemas.microsoft.com/office/drawing/2010/main" xmlns:ma14="http://schemas.microsoft.com/office/mac/drawingml/2011/main" val="1"/>
-            </a:ext>
-          </a:extLst>
-        </p:spPr>
-        <p:txBody>
-          <a:bodyPr wrap="square" tIns="45708" bIns="45708" anchor="ctr">
-            <a:spAutoFit/>
-          </a:bodyPr>
-          <a:lstStyle>
-            <a:lvl1pPr algn="ctr">
-              <a:defRPr sz="7800">
-                <a:solidFill>
-                  <a:schemeClr val="accent3">
-                    <a:hueOff val="937500"/>
-                    <a:satOff val="68855"/>
-                    <a:lumOff val="-8431"/>
-                  </a:schemeClr>
-                </a:solidFill>
-                <a:latin typeface="+mj-lt"/>
-                <a:ea typeface="+mj-ea"/>
-                <a:cs typeface="+mj-cs"/>
-                <a:sym typeface="CiscoSansTT Light"/>
-              </a:defRPr>
-            </a:lvl1pPr>
-          </a:lstStyle>
-          <a:p>
-            <a:r>
-              <a:rPr sz="3899" dirty="0">
-                <a:solidFill>
-                  <a:schemeClr val="bg1"/>
-                </a:solidFill>
-                <a:latin typeface="CiscoSansTT Light" panose="020B0503020201020303" pitchFamily="34" charset="0"/>
-              </a:rPr>
-              <a:t>2</a:t>
-            </a:r>
-          </a:p>
-        </p:txBody>
-      </p:sp>
-      <p:sp>
-        <p:nvSpPr>
-          <p:cNvPr id="13" name="Text Placeholder 4">
-            <a:extLst>
-              <a:ext uri="{FF2B5EF4-FFF2-40B4-BE49-F238E27FC236}">
-                <a16:creationId xmlns:a16="http://schemas.microsoft.com/office/drawing/2014/main" id="{7E505F23-A7A7-C280-B197-94B4B1C5390D}"/>
-              </a:ext>
-            </a:extLst>
-          </p:cNvPr>
-          <p:cNvSpPr txBox="1">
-            <a:spLocks/>
-          </p:cNvSpPr>
-          <p:nvPr/>
-        </p:nvSpPr>
-        <p:spPr>
-          <a:xfrm>
-            <a:off x="7156526" y="2749901"/>
-            <a:ext cx="2895335" cy="3219450"/>
-          </a:xfrm>
-          <a:prstGeom prst="rect">
-            <a:avLst/>
-          </a:prstGeom>
-        </p:spPr>
-        <p:txBody>
-          <a:bodyPr/>
-          <a:lstStyle>
-            <a:lvl1pPr marL="169863" indent="-169863" algn="l" defTabSz="684213" rtl="0" eaLnBrk="1" fontAlgn="base" hangingPunct="1">
-              <a:lnSpc>
-                <a:spcPct val="95000"/>
-              </a:lnSpc>
-              <a:spcBef>
-                <a:spcPts val="1075"/>
-              </a:spcBef>
-              <a:spcAft>
-                <a:spcPct val="0"/>
-              </a:spcAft>
-              <a:buClr>
-                <a:schemeClr val="tx2"/>
-              </a:buClr>
-              <a:buSzPct val="90000"/>
-              <a:buFont typeface="Arial" charset="0"/>
-              <a:buChar char="•"/>
-              <a:defRPr lang="en-US" sz="1500" kern="1200" dirty="0">
-                <a:solidFill>
-                  <a:schemeClr val="tx1"/>
-                </a:solidFill>
-                <a:latin typeface="+mn-lt"/>
-                <a:ea typeface="ＭＳ Ｐゴシック" charset="0"/>
-                <a:cs typeface="CiscoSans"/>
-              </a:defRPr>
-            </a:lvl1pPr>
-            <a:lvl2pPr marL="358775" indent="-215900" algn="l" defTabSz="684213" rtl="0" eaLnBrk="1" fontAlgn="base" hangingPunct="1">
-              <a:lnSpc>
-                <a:spcPct val="95000"/>
-              </a:lnSpc>
-              <a:spcBef>
-                <a:spcPts val="600"/>
-              </a:spcBef>
-              <a:spcAft>
-                <a:spcPct val="0"/>
-              </a:spcAft>
-              <a:buClr>
-                <a:schemeClr val="tx2"/>
-              </a:buClr>
-              <a:buFont typeface="Arial" charset="0"/>
-              <a:buChar char="•"/>
-              <a:defRPr lang="en-US" sz="1400" kern="1200" dirty="0">
-                <a:solidFill>
-                  <a:schemeClr val="tx1"/>
-                </a:solidFill>
-                <a:latin typeface="+mn-lt"/>
-                <a:ea typeface="ＭＳ Ｐゴシック" charset="0"/>
-                <a:cs typeface="CiscoSans"/>
-              </a:defRPr>
-            </a:lvl2pPr>
-            <a:lvl3pPr marL="431800" indent="-169863" algn="l" defTabSz="684213" rtl="0" eaLnBrk="1" fontAlgn="base" hangingPunct="1">
-              <a:lnSpc>
-                <a:spcPct val="95000"/>
-              </a:lnSpc>
-              <a:spcBef>
-                <a:spcPts val="625"/>
-              </a:spcBef>
-              <a:spcAft>
-                <a:spcPct val="0"/>
-              </a:spcAft>
-              <a:buFont typeface="Arial" charset="0"/>
-              <a:buChar char="•"/>
-              <a:defRPr lang="en-US" sz="1200" kern="1200" dirty="0">
-                <a:solidFill>
-                  <a:schemeClr val="tx1"/>
-                </a:solidFill>
-                <a:latin typeface="+mn-lt"/>
-                <a:ea typeface="ＭＳ Ｐゴシック" charset="0"/>
-                <a:cs typeface="CiscoSans"/>
-              </a:defRPr>
-            </a:lvl3pPr>
-            <a:lvl4pPr marL="503238" indent="-169863" algn="l" defTabSz="684213" rtl="0" eaLnBrk="1" fontAlgn="base" hangingPunct="1">
-              <a:lnSpc>
-                <a:spcPct val="95000"/>
-              </a:lnSpc>
-              <a:spcBef>
-                <a:spcPts val="625"/>
-              </a:spcBef>
-              <a:spcAft>
-                <a:spcPct val="0"/>
-              </a:spcAft>
-              <a:buFont typeface="Arial" charset="0"/>
-              <a:buChar char="•"/>
-              <a:defRPr lang="en-US" sz="1100" kern="1200" dirty="0">
-                <a:solidFill>
-                  <a:schemeClr val="tx1"/>
-                </a:solidFill>
-                <a:latin typeface="+mn-lt"/>
-                <a:ea typeface="ＭＳ Ｐゴシック" charset="0"/>
-                <a:cs typeface="CiscoSans"/>
-              </a:defRPr>
-            </a:lvl4pPr>
-            <a:lvl5pPr marL="574675" indent="-169863" algn="l" defTabSz="684213" rtl="0" eaLnBrk="1" fontAlgn="base" hangingPunct="1">
-              <a:lnSpc>
-                <a:spcPct val="95000"/>
-              </a:lnSpc>
-              <a:spcBef>
-                <a:spcPts val="625"/>
-              </a:spcBef>
-              <a:spcAft>
-                <a:spcPct val="0"/>
-              </a:spcAft>
-              <a:buFont typeface="Arial" charset="0"/>
-              <a:buChar char="•"/>
-              <a:defRPr lang="en-US" sz="1100" kern="1200" dirty="0">
-                <a:solidFill>
-                  <a:schemeClr val="tx1"/>
-                </a:solidFill>
-                <a:latin typeface="+mn-lt"/>
-                <a:ea typeface="ＭＳ Ｐゴシック" charset="0"/>
-                <a:cs typeface="CiscoSans"/>
-              </a:defRPr>
-            </a:lvl5pPr>
-            <a:lvl6pPr marL="863856" indent="-171445" algn="l" defTabSz="685777" rtl="0" eaLnBrk="1" latinLnBrk="0" hangingPunct="1">
-              <a:spcBef>
-                <a:spcPts val="600"/>
-              </a:spcBef>
-              <a:buFont typeface="Arial" pitchFamily="34" charset="0"/>
-              <a:buChar char="•"/>
-              <a:defRPr sz="900" kern="1200" baseline="0">
-                <a:solidFill>
-                  <a:schemeClr val="tx1"/>
-                </a:solidFill>
-                <a:latin typeface="+mn-lt"/>
-                <a:ea typeface="+mn-ea"/>
-                <a:cs typeface="+mn-cs"/>
-              </a:defRPr>
-            </a:lvl6pPr>
-            <a:lvl7pPr marL="935844" indent="-171422" algn="l" defTabSz="685777" rtl="0" eaLnBrk="1" latinLnBrk="0" hangingPunct="1">
-              <a:spcBef>
-                <a:spcPts val="600"/>
-              </a:spcBef>
-              <a:buFont typeface="Arial" pitchFamily="34" charset="0"/>
-              <a:buChar char="•"/>
-              <a:defRPr sz="800" kern="1200" baseline="0">
-                <a:solidFill>
-                  <a:schemeClr val="tx1"/>
-                </a:solidFill>
-                <a:latin typeface="+mn-lt"/>
-                <a:ea typeface="+mn-ea"/>
-                <a:cs typeface="+mn-cs"/>
-              </a:defRPr>
-            </a:lvl7pPr>
-            <a:lvl8pPr marL="2400220" indent="0" algn="l" defTabSz="685777" rtl="0" eaLnBrk="1" latinLnBrk="0" hangingPunct="1">
-              <a:spcBef>
-                <a:spcPct val="20000"/>
-              </a:spcBef>
-              <a:buFont typeface="Arial" pitchFamily="34" charset="0"/>
-              <a:buNone/>
-              <a:defRPr sz="1500" kern="1200">
-                <a:solidFill>
-                  <a:schemeClr val="tx1"/>
-                </a:solidFill>
-                <a:latin typeface="+mn-lt"/>
-                <a:ea typeface="+mn-ea"/>
-                <a:cs typeface="+mn-cs"/>
-              </a:defRPr>
-            </a:lvl8pPr>
-            <a:lvl9pPr marL="2914553" indent="-171445" algn="l" defTabSz="685777" rtl="0" eaLnBrk="1" latinLnBrk="0" hangingPunct="1">
-              <a:spcBef>
-                <a:spcPct val="20000"/>
-              </a:spcBef>
-              <a:buFont typeface="Arial" pitchFamily="34" charset="0"/>
-              <a:buChar char="•"/>
-              <a:defRPr sz="1500" kern="1200">
-                <a:solidFill>
-                  <a:schemeClr val="tx1"/>
-                </a:solidFill>
-                <a:latin typeface="+mn-lt"/>
-                <a:ea typeface="+mn-ea"/>
-                <a:cs typeface="+mn-cs"/>
-              </a:defRPr>
-            </a:lvl9pPr>
-          </a:lstStyle>
-          <a:p>
-            <a:pPr marL="0" indent="0" algn="ctr">
-              <a:buFont typeface="Arial" charset="0"/>
-              <a:buNone/>
-            </a:pPr>
-            <a:r>
-              <a:rPr lang="it-IT" sz="2000" dirty="0">
-                <a:solidFill>
-                  <a:srgbClr val="92D050"/>
-                </a:solidFill>
-              </a:rPr>
-              <a:t>Using Git with servers </a:t>
-            </a:r>
-          </a:p>
-          <a:p>
-            <a:pPr marL="0" indent="0" algn="ctr">
-              <a:buFont typeface="Arial" charset="0"/>
-              <a:buNone/>
-            </a:pPr>
-            <a:endParaRPr lang="it-IT" sz="2000" dirty="0">
+            <a:endParaRPr sz="3899" dirty="0">
               <a:solidFill>
-                <a:srgbClr val="92D050"/>
+                <a:schemeClr val="bg1"/>
               </a:solidFill>
+              <a:latin typeface="CiscoSansTT Light" panose="020B0503020201020303" pitchFamily="34" charset="0"/>
             </a:endParaRPr>
-          </a:p>
-          <a:p>
-            <a:pPr marL="0" indent="0" algn="ctr">
-              <a:buFont typeface="Arial" charset="0"/>
-              <a:buNone/>
-            </a:pPr>
-            <a:r>
-              <a:rPr lang="it-IT" sz="2000" dirty="0">
-                <a:solidFill>
-                  <a:srgbClr val="92D050"/>
-                </a:solidFill>
-              </a:rPr>
-              <a:t>Learn how to use Git with servers to share your work with others.</a:t>
-            </a:r>
-          </a:p>
-        </p:txBody>
-      </p:sp>
-      <p:sp>
-        <p:nvSpPr>
-          <p:cNvPr id="14" name="Circle">
-            <a:extLst>
-              <a:ext uri="{FF2B5EF4-FFF2-40B4-BE49-F238E27FC236}">
-                <a16:creationId xmlns:a16="http://schemas.microsoft.com/office/drawing/2014/main" id="{07195FD6-A87E-7201-ED77-CFBF60C47C8A}"/>
-              </a:ext>
-            </a:extLst>
-          </p:cNvPr>
-          <p:cNvSpPr/>
-          <p:nvPr/>
-        </p:nvSpPr>
-        <p:spPr>
-          <a:xfrm>
-            <a:off x="8088246" y="1805658"/>
-            <a:ext cx="859516" cy="859740"/>
-          </a:xfrm>
-          <a:prstGeom prst="ellipse">
-            <a:avLst/>
-          </a:prstGeom>
-          <a:solidFill>
-            <a:schemeClr val="accent3"/>
-          </a:solidFill>
-          <a:ln w="12700">
-            <a:miter lim="400000"/>
-          </a:ln>
-        </p:spPr>
-        <p:txBody>
-          <a:bodyPr tIns="45708" bIns="45708" anchor="ctr"/>
-          <a:lstStyle/>
-          <a:p>
-            <a:pPr defTabSz="911873">
-              <a:defRPr sz="5000">
-                <a:solidFill>
-                  <a:schemeClr val="accent3">
-                    <a:hueOff val="937500"/>
-                    <a:satOff val="68855"/>
-                    <a:lumOff val="-8431"/>
-                  </a:schemeClr>
-                </a:solidFill>
-              </a:defRPr>
-            </a:pPr>
-            <a:endParaRPr sz="2500" dirty="0"/>
-          </a:p>
-        </p:txBody>
-      </p:sp>
-      <p:sp>
-        <p:nvSpPr>
-          <p:cNvPr id="15" name="3">
-            <a:extLst>
-              <a:ext uri="{FF2B5EF4-FFF2-40B4-BE49-F238E27FC236}">
-                <a16:creationId xmlns:a16="http://schemas.microsoft.com/office/drawing/2014/main" id="{A95A6516-29A5-E1C7-DE2D-9D2BE8EEE3CF}"/>
-              </a:ext>
-            </a:extLst>
-          </p:cNvPr>
-          <p:cNvSpPr txBox="1"/>
-          <p:nvPr/>
-        </p:nvSpPr>
-        <p:spPr>
-          <a:xfrm>
-            <a:off x="8287507" y="1830979"/>
-            <a:ext cx="484427" cy="692345"/>
-          </a:xfrm>
-          <a:prstGeom prst="rect">
-            <a:avLst/>
-          </a:prstGeom>
-          <a:ln w="25400">
-            <a:miter lim="400000"/>
-          </a:ln>
-          <a:extLst>
-            <a:ext uri="{C572A759-6A51-4108-AA02-DFA0A04FC94B}">
-              <ma14:wrappingTextBoxFlag xmlns="" xmlns:m="http://schemas.openxmlformats.org/officeDocument/2006/math" xmlns:a14="http://schemas.microsoft.com/office/drawing/2010/main" xmlns:ma14="http://schemas.microsoft.com/office/mac/drawingml/2011/main" val="1"/>
-            </a:ext>
-          </a:extLst>
-        </p:spPr>
-        <p:txBody>
-          <a:bodyPr wrap="square" tIns="45708" bIns="45708" anchor="ctr">
-            <a:spAutoFit/>
-          </a:bodyPr>
-          <a:lstStyle>
-            <a:lvl1pPr algn="ctr">
-              <a:defRPr sz="7800">
-                <a:solidFill>
-                  <a:schemeClr val="accent3">
-                    <a:hueOff val="937500"/>
-                    <a:satOff val="68855"/>
-                    <a:lumOff val="-8431"/>
-                  </a:schemeClr>
-                </a:solidFill>
-                <a:latin typeface="+mj-lt"/>
-                <a:ea typeface="+mj-ea"/>
-                <a:cs typeface="+mj-cs"/>
-                <a:sym typeface="CiscoSansTT Light"/>
-              </a:defRPr>
-            </a:lvl1pPr>
-          </a:lstStyle>
-          <a:p>
-            <a:r>
-              <a:rPr sz="3899" dirty="0">
-                <a:solidFill>
-                  <a:schemeClr val="bg1"/>
-                </a:solidFill>
-                <a:latin typeface="CiscoSansTT Light" panose="020B0503020201020303" pitchFamily="34" charset="0"/>
-              </a:rPr>
-              <a:t>3</a:t>
-            </a:r>
           </a:p>
         </p:txBody>
       </p:sp>
@@ -10005,1064 +8988,6 @@
     <p:extLst>
       <p:ext uri="{BB962C8B-B14F-4D97-AF65-F5344CB8AC3E}">
         <p14:creationId xmlns:p14="http://schemas.microsoft.com/office/powerpoint/2010/main" val="1638533772"/>
-      </p:ext>
-    </p:extLst>
-  </p:cSld>
-  <p:clrMapOvr>
-    <a:masterClrMapping/>
-  </p:clrMapOvr>
-</p:sld>
-</file>
-
-<file path=ppt/slides/slide20.xml><?xml version="1.0" encoding="utf-8"?>
-<p:sld xmlns:a="http://schemas.openxmlformats.org/drawingml/2006/main" xmlns:r="http://schemas.openxmlformats.org/officeDocument/2006/relationships" xmlns:p="http://schemas.openxmlformats.org/presentationml/2006/main">
-  <p:cSld>
-    <p:spTree>
-      <p:nvGrpSpPr>
-        <p:cNvPr id="1" name=""/>
-        <p:cNvGrpSpPr/>
-        <p:nvPr/>
-      </p:nvGrpSpPr>
-      <p:grpSpPr>
-        <a:xfrm>
-          <a:off x="0" y="0"/>
-          <a:ext cx="0" cy="0"/>
-          <a:chOff x="0" y="0"/>
-          <a:chExt cx="0" cy="0"/>
-        </a:xfrm>
-      </p:grpSpPr>
-      <p:sp>
-        <p:nvSpPr>
-          <p:cNvPr id="2" name="Title 1">
-            <a:extLst>
-              <a:ext uri="{FF2B5EF4-FFF2-40B4-BE49-F238E27FC236}">
-                <a16:creationId xmlns:a16="http://schemas.microsoft.com/office/drawing/2014/main" id="{E19D7288-EEA9-673C-2648-E31357ECFB66}"/>
-              </a:ext>
-            </a:extLst>
-          </p:cNvPr>
-          <p:cNvSpPr>
-            <a:spLocks noGrp="1"/>
-          </p:cNvSpPr>
-          <p:nvPr>
-            <p:ph type="title"/>
-          </p:nvPr>
-        </p:nvSpPr>
-        <p:spPr/>
-        <p:txBody>
-          <a:bodyPr/>
-          <a:lstStyle/>
-          <a:p>
-            <a:endParaRPr lang="en-US"/>
-          </a:p>
-        </p:txBody>
-      </p:sp>
-      <p:sp>
-        <p:nvSpPr>
-          <p:cNvPr id="3" name="Text Placeholder 2">
-            <a:extLst>
-              <a:ext uri="{FF2B5EF4-FFF2-40B4-BE49-F238E27FC236}">
-                <a16:creationId xmlns:a16="http://schemas.microsoft.com/office/drawing/2014/main" id="{87157810-2CF8-86FF-7A0A-5100EE9E1347}"/>
-              </a:ext>
-            </a:extLst>
-          </p:cNvPr>
-          <p:cNvSpPr>
-            <a:spLocks noGrp="1"/>
-          </p:cNvSpPr>
-          <p:nvPr>
-            <p:ph type="body" idx="1"/>
-          </p:nvPr>
-        </p:nvSpPr>
-        <p:spPr/>
-        <p:txBody>
-          <a:bodyPr/>
-          <a:lstStyle/>
-          <a:p>
-            <a:endParaRPr lang="en-US"/>
-          </a:p>
-        </p:txBody>
-      </p:sp>
-      <p:sp>
-        <p:nvSpPr>
-          <p:cNvPr id="4" name="Content Placeholder 3">
-            <a:extLst>
-              <a:ext uri="{FF2B5EF4-FFF2-40B4-BE49-F238E27FC236}">
-                <a16:creationId xmlns:a16="http://schemas.microsoft.com/office/drawing/2014/main" id="{B8C40628-4076-37D3-FC34-5F636415D8DE}"/>
-              </a:ext>
-            </a:extLst>
-          </p:cNvPr>
-          <p:cNvSpPr>
-            <a:spLocks noGrp="1"/>
-          </p:cNvSpPr>
-          <p:nvPr>
-            <p:ph sz="half" idx="2"/>
-          </p:nvPr>
-        </p:nvSpPr>
-        <p:spPr/>
-        <p:txBody>
-          <a:bodyPr/>
-          <a:lstStyle/>
-          <a:p>
-            <a:endParaRPr lang="en-US"/>
-          </a:p>
-        </p:txBody>
-      </p:sp>
-      <p:sp>
-        <p:nvSpPr>
-          <p:cNvPr id="5" name="Text Placeholder 4">
-            <a:extLst>
-              <a:ext uri="{FF2B5EF4-FFF2-40B4-BE49-F238E27FC236}">
-                <a16:creationId xmlns:a16="http://schemas.microsoft.com/office/drawing/2014/main" id="{57B4F89D-2433-3DC9-DC94-2F934F297D5D}"/>
-              </a:ext>
-            </a:extLst>
-          </p:cNvPr>
-          <p:cNvSpPr>
-            <a:spLocks noGrp="1"/>
-          </p:cNvSpPr>
-          <p:nvPr>
-            <p:ph type="body" sz="quarter" idx="3"/>
-          </p:nvPr>
-        </p:nvSpPr>
-        <p:spPr/>
-        <p:txBody>
-          <a:bodyPr/>
-          <a:lstStyle/>
-          <a:p>
-            <a:endParaRPr lang="en-US"/>
-          </a:p>
-        </p:txBody>
-      </p:sp>
-      <p:sp>
-        <p:nvSpPr>
-          <p:cNvPr id="6" name="Content Placeholder 5">
-            <a:extLst>
-              <a:ext uri="{FF2B5EF4-FFF2-40B4-BE49-F238E27FC236}">
-                <a16:creationId xmlns:a16="http://schemas.microsoft.com/office/drawing/2014/main" id="{6649F256-25A2-C5E2-DEE4-844A248014B2}"/>
-              </a:ext>
-            </a:extLst>
-          </p:cNvPr>
-          <p:cNvSpPr>
-            <a:spLocks noGrp="1"/>
-          </p:cNvSpPr>
-          <p:nvPr>
-            <p:ph sz="quarter" idx="4"/>
-          </p:nvPr>
-        </p:nvSpPr>
-        <p:spPr/>
-        <p:txBody>
-          <a:bodyPr/>
-          <a:lstStyle/>
-          <a:p>
-            <a:endParaRPr lang="en-US"/>
-          </a:p>
-        </p:txBody>
-      </p:sp>
-    </p:spTree>
-    <p:extLst>
-      <p:ext uri="{BB962C8B-B14F-4D97-AF65-F5344CB8AC3E}">
-        <p14:creationId xmlns:p14="http://schemas.microsoft.com/office/powerpoint/2010/main" val="3587843391"/>
-      </p:ext>
-    </p:extLst>
-  </p:cSld>
-  <p:clrMapOvr>
-    <a:masterClrMapping/>
-  </p:clrMapOvr>
-</p:sld>
-</file>
-
-<file path=ppt/slides/slide21.xml><?xml version="1.0" encoding="utf-8"?>
-<p:sld xmlns:a="http://schemas.openxmlformats.org/drawingml/2006/main" xmlns:r="http://schemas.openxmlformats.org/officeDocument/2006/relationships" xmlns:p="http://schemas.openxmlformats.org/presentationml/2006/main">
-  <p:cSld>
-    <p:bg>
-      <p:bgPr>
-        <a:blipFill dpi="0" rotWithShape="1">
-          <a:blip r:embed="rId3">
-            <a:alphaModFix amt="69142"/>
-            <a:lum/>
-            <a:extLst>
-              <a:ext uri="{BEBA8EAE-BF5A-486C-A8C5-ECC9F3942E4B}">
-                <a14:imgProps xmlns:a14="http://schemas.microsoft.com/office/drawing/2010/main">
-                  <a14:imgLayer r:embed="rId4">
-                    <a14:imgEffect>
-                      <a14:artisticPastelsSmooth/>
-                    </a14:imgEffect>
-                  </a14:imgLayer>
-                </a14:imgProps>
-              </a:ext>
-            </a:extLst>
-          </a:blip>
-          <a:srcRect/>
-          <a:tile tx="0" ty="0" sx="100000" sy="100000" flip="none" algn="tl"/>
-        </a:blipFill>
-        <a:effectLst/>
-      </p:bgPr>
-    </p:bg>
-    <p:spTree>
-      <p:nvGrpSpPr>
-        <p:cNvPr id="1" name=""/>
-        <p:cNvGrpSpPr/>
-        <p:nvPr/>
-      </p:nvGrpSpPr>
-      <p:grpSpPr>
-        <a:xfrm>
-          <a:off x="0" y="0"/>
-          <a:ext cx="0" cy="0"/>
-          <a:chOff x="0" y="0"/>
-          <a:chExt cx="0" cy="0"/>
-        </a:xfrm>
-      </p:grpSpPr>
-      <p:sp>
-        <p:nvSpPr>
-          <p:cNvPr id="2" name="Title 1">
-            <a:extLst>
-              <a:ext uri="{FF2B5EF4-FFF2-40B4-BE49-F238E27FC236}">
-                <a16:creationId xmlns:a16="http://schemas.microsoft.com/office/drawing/2014/main" id="{C806E4C1-A41D-067E-F34B-92081CC326A2}"/>
-              </a:ext>
-            </a:extLst>
-          </p:cNvPr>
-          <p:cNvSpPr>
-            <a:spLocks noGrp="1"/>
-          </p:cNvSpPr>
-          <p:nvPr>
-            <p:ph type="title"/>
-          </p:nvPr>
-        </p:nvSpPr>
-        <p:spPr/>
-        <p:txBody>
-          <a:bodyPr/>
-          <a:lstStyle/>
-          <a:p>
-            <a:r>
-              <a:rPr lang="en-US" dirty="0"/>
-              <a:t>Section Header</a:t>
-            </a:r>
-          </a:p>
-        </p:txBody>
-      </p:sp>
-      <p:sp>
-        <p:nvSpPr>
-          <p:cNvPr id="3" name="Text Placeholder 2">
-            <a:extLst>
-              <a:ext uri="{FF2B5EF4-FFF2-40B4-BE49-F238E27FC236}">
-                <a16:creationId xmlns:a16="http://schemas.microsoft.com/office/drawing/2014/main" id="{35DE4B70-3814-7353-ED57-8DA4CECE5158}"/>
-              </a:ext>
-            </a:extLst>
-          </p:cNvPr>
-          <p:cNvSpPr>
-            <a:spLocks noGrp="1"/>
-          </p:cNvSpPr>
-          <p:nvPr>
-            <p:ph type="body" idx="1"/>
-          </p:nvPr>
-        </p:nvSpPr>
-        <p:spPr/>
-        <p:txBody>
-          <a:bodyPr/>
-          <a:lstStyle/>
-          <a:p>
-            <a:endParaRPr lang="en-US" dirty="0"/>
-          </a:p>
-        </p:txBody>
-      </p:sp>
-    </p:spTree>
-    <p:extLst>
-      <p:ext uri="{BB962C8B-B14F-4D97-AF65-F5344CB8AC3E}">
-        <p14:creationId xmlns:p14="http://schemas.microsoft.com/office/powerpoint/2010/main" val="2540633462"/>
-      </p:ext>
-    </p:extLst>
-  </p:cSld>
-  <p:clrMapOvr>
-    <a:masterClrMapping/>
-  </p:clrMapOvr>
-</p:sld>
-</file>
-
-<file path=ppt/slides/slide22.xml><?xml version="1.0" encoding="utf-8"?>
-<p:sld xmlns:a="http://schemas.openxmlformats.org/drawingml/2006/main" xmlns:r="http://schemas.openxmlformats.org/officeDocument/2006/relationships" xmlns:p="http://schemas.openxmlformats.org/presentationml/2006/main">
-  <p:cSld>
-    <p:bg>
-      <p:bgPr>
-        <a:blipFill dpi="0" rotWithShape="1">
-          <a:blip r:embed="rId3">
-            <a:alphaModFix amt="69142"/>
-            <a:lum/>
-            <a:extLst>
-              <a:ext uri="{BEBA8EAE-BF5A-486C-A8C5-ECC9F3942E4B}">
-                <a14:imgProps xmlns:a14="http://schemas.microsoft.com/office/drawing/2010/main">
-                  <a14:imgLayer r:embed="rId4">
-                    <a14:imgEffect>
-                      <a14:artisticPastelsSmooth/>
-                    </a14:imgEffect>
-                  </a14:imgLayer>
-                </a14:imgProps>
-              </a:ext>
-            </a:extLst>
-          </a:blip>
-          <a:srcRect/>
-          <a:tile tx="0" ty="0" sx="100000" sy="100000" flip="none" algn="tl"/>
-        </a:blipFill>
-        <a:effectLst/>
-      </p:bgPr>
-    </p:bg>
-    <p:spTree>
-      <p:nvGrpSpPr>
-        <p:cNvPr id="1" name=""/>
-        <p:cNvGrpSpPr/>
-        <p:nvPr/>
-      </p:nvGrpSpPr>
-      <p:grpSpPr>
-        <a:xfrm>
-          <a:off x="0" y="0"/>
-          <a:ext cx="0" cy="0"/>
-          <a:chOff x="0" y="0"/>
-          <a:chExt cx="0" cy="0"/>
-        </a:xfrm>
-      </p:grpSpPr>
-      <p:sp>
-        <p:nvSpPr>
-          <p:cNvPr id="2" name="Title 1">
-            <a:extLst>
-              <a:ext uri="{FF2B5EF4-FFF2-40B4-BE49-F238E27FC236}">
-                <a16:creationId xmlns:a16="http://schemas.microsoft.com/office/drawing/2014/main" id="{C806E4C1-A41D-067E-F34B-92081CC326A2}"/>
-              </a:ext>
-            </a:extLst>
-          </p:cNvPr>
-          <p:cNvSpPr>
-            <a:spLocks noGrp="1"/>
-          </p:cNvSpPr>
-          <p:nvPr>
-            <p:ph type="title"/>
-          </p:nvPr>
-        </p:nvSpPr>
-        <p:spPr/>
-        <p:txBody>
-          <a:bodyPr/>
-          <a:lstStyle/>
-          <a:p>
-            <a:r>
-              <a:rPr lang="en-US" dirty="0"/>
-              <a:t>Section Header</a:t>
-            </a:r>
-          </a:p>
-        </p:txBody>
-      </p:sp>
-      <p:sp>
-        <p:nvSpPr>
-          <p:cNvPr id="3" name="Text Placeholder 2">
-            <a:extLst>
-              <a:ext uri="{FF2B5EF4-FFF2-40B4-BE49-F238E27FC236}">
-                <a16:creationId xmlns:a16="http://schemas.microsoft.com/office/drawing/2014/main" id="{35DE4B70-3814-7353-ED57-8DA4CECE5158}"/>
-              </a:ext>
-            </a:extLst>
-          </p:cNvPr>
-          <p:cNvSpPr>
-            <a:spLocks noGrp="1"/>
-          </p:cNvSpPr>
-          <p:nvPr>
-            <p:ph type="body" idx="1"/>
-          </p:nvPr>
-        </p:nvSpPr>
-        <p:spPr/>
-        <p:txBody>
-          <a:bodyPr/>
-          <a:lstStyle/>
-          <a:p>
-            <a:endParaRPr lang="en-US"/>
-          </a:p>
-        </p:txBody>
-      </p:sp>
-    </p:spTree>
-    <p:extLst>
-      <p:ext uri="{BB962C8B-B14F-4D97-AF65-F5344CB8AC3E}">
-        <p14:creationId xmlns:p14="http://schemas.microsoft.com/office/powerpoint/2010/main" val="1695612300"/>
-      </p:ext>
-    </p:extLst>
-  </p:cSld>
-  <p:clrMapOvr>
-    <a:masterClrMapping/>
-  </p:clrMapOvr>
-</p:sld>
-</file>
-
-<file path=ppt/slides/slide23.xml><?xml version="1.0" encoding="utf-8"?>
-<p:sld xmlns:a="http://schemas.openxmlformats.org/drawingml/2006/main" xmlns:r="http://schemas.openxmlformats.org/officeDocument/2006/relationships" xmlns:p="http://schemas.openxmlformats.org/presentationml/2006/main">
-  <p:cSld>
-    <p:spTree>
-      <p:nvGrpSpPr>
-        <p:cNvPr id="1" name=""/>
-        <p:cNvGrpSpPr/>
-        <p:nvPr/>
-      </p:nvGrpSpPr>
-      <p:grpSpPr>
-        <a:xfrm>
-          <a:off x="0" y="0"/>
-          <a:ext cx="0" cy="0"/>
-          <a:chOff x="0" y="0"/>
-          <a:chExt cx="0" cy="0"/>
-        </a:xfrm>
-      </p:grpSpPr>
-      <p:sp>
-        <p:nvSpPr>
-          <p:cNvPr id="2" name="Title 1">
-            <a:extLst>
-              <a:ext uri="{FF2B5EF4-FFF2-40B4-BE49-F238E27FC236}">
-                <a16:creationId xmlns:a16="http://schemas.microsoft.com/office/drawing/2014/main" id="{B96695EC-3AC3-DE02-D0CC-B2F2400B0DCD}"/>
-              </a:ext>
-            </a:extLst>
-          </p:cNvPr>
-          <p:cNvSpPr>
-            <a:spLocks noGrp="1"/>
-          </p:cNvSpPr>
-          <p:nvPr>
-            <p:ph type="title"/>
-          </p:nvPr>
-        </p:nvSpPr>
-        <p:spPr/>
-        <p:txBody>
-          <a:bodyPr/>
-          <a:lstStyle/>
-          <a:p>
-            <a:endParaRPr lang="en-US"/>
-          </a:p>
-        </p:txBody>
-      </p:sp>
-      <p:sp>
-        <p:nvSpPr>
-          <p:cNvPr id="3" name="Picture Placeholder 2">
-            <a:extLst>
-              <a:ext uri="{FF2B5EF4-FFF2-40B4-BE49-F238E27FC236}">
-                <a16:creationId xmlns:a16="http://schemas.microsoft.com/office/drawing/2014/main" id="{5E9071ED-BC3F-FDA1-1BDD-835886C96FAD}"/>
-              </a:ext>
-            </a:extLst>
-          </p:cNvPr>
-          <p:cNvSpPr>
-            <a:spLocks noGrp="1"/>
-          </p:cNvSpPr>
-          <p:nvPr>
-            <p:ph type="pic" idx="1"/>
-          </p:nvPr>
-        </p:nvSpPr>
-        <p:spPr/>
-        <p:txBody>
-          <a:bodyPr/>
-          <a:lstStyle/>
-          <a:p>
-            <a:endParaRPr lang="en-US"/>
-          </a:p>
-        </p:txBody>
-      </p:sp>
-      <p:sp>
-        <p:nvSpPr>
-          <p:cNvPr id="4" name="Text Placeholder 3">
-            <a:extLst>
-              <a:ext uri="{FF2B5EF4-FFF2-40B4-BE49-F238E27FC236}">
-                <a16:creationId xmlns:a16="http://schemas.microsoft.com/office/drawing/2014/main" id="{240FC0BA-1C51-E881-F515-D3CC98046CF0}"/>
-              </a:ext>
-            </a:extLst>
-          </p:cNvPr>
-          <p:cNvSpPr>
-            <a:spLocks noGrp="1"/>
-          </p:cNvSpPr>
-          <p:nvPr>
-            <p:ph type="body" sz="half" idx="2"/>
-          </p:nvPr>
-        </p:nvSpPr>
-        <p:spPr/>
-        <p:txBody>
-          <a:bodyPr/>
-          <a:lstStyle/>
-          <a:p>
-            <a:endParaRPr lang="en-US"/>
-          </a:p>
-        </p:txBody>
-      </p:sp>
-    </p:spTree>
-    <p:extLst>
-      <p:ext uri="{BB962C8B-B14F-4D97-AF65-F5344CB8AC3E}">
-        <p14:creationId xmlns:p14="http://schemas.microsoft.com/office/powerpoint/2010/main" val="3963377862"/>
-      </p:ext>
-    </p:extLst>
-  </p:cSld>
-  <p:clrMapOvr>
-    <a:masterClrMapping/>
-  </p:clrMapOvr>
-</p:sld>
-</file>
-
-<file path=ppt/slides/slide24.xml><?xml version="1.0" encoding="utf-8"?>
-<p:sld xmlns:a="http://schemas.openxmlformats.org/drawingml/2006/main" xmlns:r="http://schemas.openxmlformats.org/officeDocument/2006/relationships" xmlns:p="http://schemas.openxmlformats.org/presentationml/2006/main">
-  <p:cSld>
-    <p:spTree>
-      <p:nvGrpSpPr>
-        <p:cNvPr id="1" name=""/>
-        <p:cNvGrpSpPr/>
-        <p:nvPr/>
-      </p:nvGrpSpPr>
-      <p:grpSpPr>
-        <a:xfrm>
-          <a:off x="0" y="0"/>
-          <a:ext cx="0" cy="0"/>
-          <a:chOff x="0" y="0"/>
-          <a:chExt cx="0" cy="0"/>
-        </a:xfrm>
-      </p:grpSpPr>
-      <p:sp>
-        <p:nvSpPr>
-          <p:cNvPr id="2" name="Title 1">
-            <a:extLst>
-              <a:ext uri="{FF2B5EF4-FFF2-40B4-BE49-F238E27FC236}">
-                <a16:creationId xmlns:a16="http://schemas.microsoft.com/office/drawing/2014/main" id="{18F3C9F8-441D-0553-285F-75FEC55EA5A9}"/>
-              </a:ext>
-            </a:extLst>
-          </p:cNvPr>
-          <p:cNvSpPr>
-            <a:spLocks noGrp="1"/>
-          </p:cNvSpPr>
-          <p:nvPr>
-            <p:ph type="title"/>
-          </p:nvPr>
-        </p:nvSpPr>
-        <p:spPr/>
-        <p:txBody>
-          <a:bodyPr/>
-          <a:lstStyle/>
-          <a:p>
-            <a:endParaRPr lang="en-US"/>
-          </a:p>
-        </p:txBody>
-      </p:sp>
-      <p:sp>
-        <p:nvSpPr>
-          <p:cNvPr id="3" name="Picture Placeholder 2">
-            <a:extLst>
-              <a:ext uri="{FF2B5EF4-FFF2-40B4-BE49-F238E27FC236}">
-                <a16:creationId xmlns:a16="http://schemas.microsoft.com/office/drawing/2014/main" id="{AAB16E34-B5A2-9EC8-29CD-BFCB040EB6C2}"/>
-              </a:ext>
-            </a:extLst>
-          </p:cNvPr>
-          <p:cNvSpPr>
-            <a:spLocks noGrp="1"/>
-          </p:cNvSpPr>
-          <p:nvPr>
-            <p:ph type="pic" idx="1"/>
-          </p:nvPr>
-        </p:nvSpPr>
-        <p:spPr/>
-        <p:txBody>
-          <a:bodyPr/>
-          <a:lstStyle/>
-          <a:p>
-            <a:endParaRPr lang="en-US"/>
-          </a:p>
-        </p:txBody>
-      </p:sp>
-      <p:sp>
-        <p:nvSpPr>
-          <p:cNvPr id="4" name="Text Placeholder 3">
-            <a:extLst>
-              <a:ext uri="{FF2B5EF4-FFF2-40B4-BE49-F238E27FC236}">
-                <a16:creationId xmlns:a16="http://schemas.microsoft.com/office/drawing/2014/main" id="{0F24036D-7AA1-8186-5F50-47756ABD1971}"/>
-              </a:ext>
-            </a:extLst>
-          </p:cNvPr>
-          <p:cNvSpPr>
-            <a:spLocks noGrp="1"/>
-          </p:cNvSpPr>
-          <p:nvPr>
-            <p:ph type="body" sz="half" idx="2"/>
-          </p:nvPr>
-        </p:nvSpPr>
-        <p:spPr/>
-        <p:txBody>
-          <a:bodyPr/>
-          <a:lstStyle/>
-          <a:p>
-            <a:endParaRPr lang="en-US"/>
-          </a:p>
-        </p:txBody>
-      </p:sp>
-    </p:spTree>
-    <p:extLst>
-      <p:ext uri="{BB962C8B-B14F-4D97-AF65-F5344CB8AC3E}">
-        <p14:creationId xmlns:p14="http://schemas.microsoft.com/office/powerpoint/2010/main" val="3285076764"/>
-      </p:ext>
-    </p:extLst>
-  </p:cSld>
-  <p:clrMapOvr>
-    <a:masterClrMapping/>
-  </p:clrMapOvr>
-</p:sld>
-</file>
-
-<file path=ppt/slides/slide25.xml><?xml version="1.0" encoding="utf-8"?>
-<p:sld xmlns:a="http://schemas.openxmlformats.org/drawingml/2006/main" xmlns:r="http://schemas.openxmlformats.org/officeDocument/2006/relationships" xmlns:p="http://schemas.openxmlformats.org/presentationml/2006/main">
-  <p:cSld>
-    <p:bg>
-      <p:bgPr>
-        <a:blipFill dpi="0" rotWithShape="1">
-          <a:blip r:embed="rId3">
-            <a:alphaModFix amt="69142"/>
-            <a:lum/>
-            <a:extLst>
-              <a:ext uri="{BEBA8EAE-BF5A-486C-A8C5-ECC9F3942E4B}">
-                <a14:imgProps xmlns:a14="http://schemas.microsoft.com/office/drawing/2010/main">
-                  <a14:imgLayer r:embed="rId4">
-                    <a14:imgEffect>
-                      <a14:artisticPastelsSmooth/>
-                    </a14:imgEffect>
-                  </a14:imgLayer>
-                </a14:imgProps>
-              </a:ext>
-            </a:extLst>
-          </a:blip>
-          <a:srcRect/>
-          <a:tile tx="0" ty="0" sx="100000" sy="100000" flip="none" algn="tl"/>
-        </a:blipFill>
-        <a:effectLst/>
-      </p:bgPr>
-    </p:bg>
-    <p:spTree>
-      <p:nvGrpSpPr>
-        <p:cNvPr id="1" name=""/>
-        <p:cNvGrpSpPr/>
-        <p:nvPr/>
-      </p:nvGrpSpPr>
-      <p:grpSpPr>
-        <a:xfrm>
-          <a:off x="0" y="0"/>
-          <a:ext cx="0" cy="0"/>
-          <a:chOff x="0" y="0"/>
-          <a:chExt cx="0" cy="0"/>
-        </a:xfrm>
-      </p:grpSpPr>
-      <p:sp>
-        <p:nvSpPr>
-          <p:cNvPr id="2" name="Title 1">
-            <a:extLst>
-              <a:ext uri="{FF2B5EF4-FFF2-40B4-BE49-F238E27FC236}">
-                <a16:creationId xmlns:a16="http://schemas.microsoft.com/office/drawing/2014/main" id="{C806E4C1-A41D-067E-F34B-92081CC326A2}"/>
-              </a:ext>
-            </a:extLst>
-          </p:cNvPr>
-          <p:cNvSpPr>
-            <a:spLocks noGrp="1"/>
-          </p:cNvSpPr>
-          <p:nvPr>
-            <p:ph type="title"/>
-          </p:nvPr>
-        </p:nvSpPr>
-        <p:spPr/>
-        <p:txBody>
-          <a:bodyPr/>
-          <a:lstStyle/>
-          <a:p>
-            <a:r>
-              <a:rPr lang="en-US" dirty="0"/>
-              <a:t>Section Header</a:t>
-            </a:r>
-          </a:p>
-        </p:txBody>
-      </p:sp>
-      <p:sp>
-        <p:nvSpPr>
-          <p:cNvPr id="3" name="Text Placeholder 2">
-            <a:extLst>
-              <a:ext uri="{FF2B5EF4-FFF2-40B4-BE49-F238E27FC236}">
-                <a16:creationId xmlns:a16="http://schemas.microsoft.com/office/drawing/2014/main" id="{35DE4B70-3814-7353-ED57-8DA4CECE5158}"/>
-              </a:ext>
-            </a:extLst>
-          </p:cNvPr>
-          <p:cNvSpPr>
-            <a:spLocks noGrp="1"/>
-          </p:cNvSpPr>
-          <p:nvPr>
-            <p:ph type="body" idx="1"/>
-          </p:nvPr>
-        </p:nvSpPr>
-        <p:spPr/>
-        <p:txBody>
-          <a:bodyPr/>
-          <a:lstStyle/>
-          <a:p>
-            <a:endParaRPr lang="en-US"/>
-          </a:p>
-        </p:txBody>
-      </p:sp>
-    </p:spTree>
-    <p:extLst>
-      <p:ext uri="{BB962C8B-B14F-4D97-AF65-F5344CB8AC3E}">
-        <p14:creationId xmlns:p14="http://schemas.microsoft.com/office/powerpoint/2010/main" val="1372829529"/>
-      </p:ext>
-    </p:extLst>
-  </p:cSld>
-  <p:clrMapOvr>
-    <a:masterClrMapping/>
-  </p:clrMapOvr>
-</p:sld>
-</file>
-
-<file path=ppt/slides/slide26.xml><?xml version="1.0" encoding="utf-8"?>
-<p:sld xmlns:a="http://schemas.openxmlformats.org/drawingml/2006/main" xmlns:r="http://schemas.openxmlformats.org/officeDocument/2006/relationships" xmlns:p="http://schemas.openxmlformats.org/presentationml/2006/main">
-  <p:cSld>
-    <p:spTree>
-      <p:nvGrpSpPr>
-        <p:cNvPr id="1" name=""/>
-        <p:cNvGrpSpPr/>
-        <p:nvPr/>
-      </p:nvGrpSpPr>
-      <p:grpSpPr>
-        <a:xfrm>
-          <a:off x="0" y="0"/>
-          <a:ext cx="0" cy="0"/>
-          <a:chOff x="0" y="0"/>
-          <a:chExt cx="0" cy="0"/>
-        </a:xfrm>
-      </p:grpSpPr>
-      <p:sp>
-        <p:nvSpPr>
-          <p:cNvPr id="2" name="Title 1">
-            <a:extLst>
-              <a:ext uri="{FF2B5EF4-FFF2-40B4-BE49-F238E27FC236}">
-                <a16:creationId xmlns:a16="http://schemas.microsoft.com/office/drawing/2014/main" id="{BD1EE89B-96EF-98B1-D0B8-B1444BC797D3}"/>
-              </a:ext>
-            </a:extLst>
-          </p:cNvPr>
-          <p:cNvSpPr>
-            <a:spLocks noGrp="1"/>
-          </p:cNvSpPr>
-          <p:nvPr>
-            <p:ph type="title"/>
-          </p:nvPr>
-        </p:nvSpPr>
-        <p:spPr/>
-        <p:txBody>
-          <a:bodyPr/>
-          <a:lstStyle/>
-          <a:p>
-            <a:endParaRPr lang="en-US"/>
-          </a:p>
-        </p:txBody>
-      </p:sp>
-      <p:sp>
-        <p:nvSpPr>
-          <p:cNvPr id="3" name="Text Placeholder 2">
-            <a:extLst>
-              <a:ext uri="{FF2B5EF4-FFF2-40B4-BE49-F238E27FC236}">
-                <a16:creationId xmlns:a16="http://schemas.microsoft.com/office/drawing/2014/main" id="{E0EF95F7-64B9-D309-9220-E18C91247421}"/>
-              </a:ext>
-            </a:extLst>
-          </p:cNvPr>
-          <p:cNvSpPr>
-            <a:spLocks noGrp="1"/>
-          </p:cNvSpPr>
-          <p:nvPr>
-            <p:ph type="body" idx="1"/>
-          </p:nvPr>
-        </p:nvSpPr>
-        <p:spPr/>
-        <p:txBody>
-          <a:bodyPr/>
-          <a:lstStyle/>
-          <a:p>
-            <a:endParaRPr lang="en-US"/>
-          </a:p>
-        </p:txBody>
-      </p:sp>
-    </p:spTree>
-    <p:extLst>
-      <p:ext uri="{BB962C8B-B14F-4D97-AF65-F5344CB8AC3E}">
-        <p14:creationId xmlns:p14="http://schemas.microsoft.com/office/powerpoint/2010/main" val="2680926596"/>
-      </p:ext>
-    </p:extLst>
-  </p:cSld>
-  <p:clrMapOvr>
-    <a:masterClrMapping/>
-  </p:clrMapOvr>
-</p:sld>
-</file>
-
-<file path=ppt/slides/slide27.xml><?xml version="1.0" encoding="utf-8"?>
-<p:sld xmlns:a="http://schemas.openxmlformats.org/drawingml/2006/main" xmlns:r="http://schemas.openxmlformats.org/officeDocument/2006/relationships" xmlns:p="http://schemas.openxmlformats.org/presentationml/2006/main">
-  <p:cSld>
-    <p:spTree>
-      <p:nvGrpSpPr>
-        <p:cNvPr id="1" name=""/>
-        <p:cNvGrpSpPr/>
-        <p:nvPr/>
-      </p:nvGrpSpPr>
-      <p:grpSpPr>
-        <a:xfrm>
-          <a:off x="0" y="0"/>
-          <a:ext cx="0" cy="0"/>
-          <a:chOff x="0" y="0"/>
-          <a:chExt cx="0" cy="0"/>
-        </a:xfrm>
-      </p:grpSpPr>
-      <p:sp>
-        <p:nvSpPr>
-          <p:cNvPr id="2" name="Title 1">
-            <a:extLst>
-              <a:ext uri="{FF2B5EF4-FFF2-40B4-BE49-F238E27FC236}">
-                <a16:creationId xmlns:a16="http://schemas.microsoft.com/office/drawing/2014/main" id="{D0DB8342-2787-B605-0FCD-D2F5A2A90AA6}"/>
-              </a:ext>
-            </a:extLst>
-          </p:cNvPr>
-          <p:cNvSpPr>
-            <a:spLocks noGrp="1"/>
-          </p:cNvSpPr>
-          <p:nvPr>
-            <p:ph type="title"/>
-          </p:nvPr>
-        </p:nvSpPr>
-        <p:spPr/>
-        <p:txBody>
-          <a:bodyPr/>
-          <a:lstStyle/>
-          <a:p>
-            <a:endParaRPr lang="en-US"/>
-          </a:p>
-        </p:txBody>
-      </p:sp>
-      <p:sp>
-        <p:nvSpPr>
-          <p:cNvPr id="3" name="Text Placeholder 2">
-            <a:extLst>
-              <a:ext uri="{FF2B5EF4-FFF2-40B4-BE49-F238E27FC236}">
-                <a16:creationId xmlns:a16="http://schemas.microsoft.com/office/drawing/2014/main" id="{1DD55718-B502-4F90-70DE-D674E29B313F}"/>
-              </a:ext>
-            </a:extLst>
-          </p:cNvPr>
-          <p:cNvSpPr>
-            <a:spLocks noGrp="1"/>
-          </p:cNvSpPr>
-          <p:nvPr>
-            <p:ph type="body" sz="quarter" idx="13"/>
-          </p:nvPr>
-        </p:nvSpPr>
-        <p:spPr/>
-        <p:txBody>
-          <a:bodyPr/>
-          <a:lstStyle/>
-          <a:p>
-            <a:endParaRPr lang="en-US"/>
-          </a:p>
-        </p:txBody>
-      </p:sp>
-      <p:sp>
-        <p:nvSpPr>
-          <p:cNvPr id="4" name="Text Placeholder 3">
-            <a:extLst>
-              <a:ext uri="{FF2B5EF4-FFF2-40B4-BE49-F238E27FC236}">
-                <a16:creationId xmlns:a16="http://schemas.microsoft.com/office/drawing/2014/main" id="{BB0E5804-437C-22B6-207A-4D28B862C67B}"/>
-              </a:ext>
-            </a:extLst>
-          </p:cNvPr>
-          <p:cNvSpPr>
-            <a:spLocks noGrp="1"/>
-          </p:cNvSpPr>
-          <p:nvPr>
-            <p:ph type="body" idx="1"/>
-          </p:nvPr>
-        </p:nvSpPr>
-        <p:spPr/>
-        <p:txBody>
-          <a:bodyPr/>
-          <a:lstStyle/>
-          <a:p>
-            <a:endParaRPr lang="en-US"/>
-          </a:p>
-        </p:txBody>
-      </p:sp>
-    </p:spTree>
-    <p:extLst>
-      <p:ext uri="{BB962C8B-B14F-4D97-AF65-F5344CB8AC3E}">
-        <p14:creationId xmlns:p14="http://schemas.microsoft.com/office/powerpoint/2010/main" val="1640656948"/>
-      </p:ext>
-    </p:extLst>
-  </p:cSld>
-  <p:clrMapOvr>
-    <a:masterClrMapping/>
-  </p:clrMapOvr>
-</p:sld>
-</file>
-
-<file path=ppt/slides/slide28.xml><?xml version="1.0" encoding="utf-8"?>
-<p:sld xmlns:a="http://schemas.openxmlformats.org/drawingml/2006/main" xmlns:r="http://schemas.openxmlformats.org/officeDocument/2006/relationships" xmlns:p="http://schemas.openxmlformats.org/presentationml/2006/main">
-  <p:cSld>
-    <p:bg>
-      <p:bgPr>
-        <a:blipFill dpi="0" rotWithShape="1">
-          <a:blip r:embed="rId3">
-            <a:alphaModFix amt="69142"/>
-            <a:lum/>
-            <a:extLst>
-              <a:ext uri="{BEBA8EAE-BF5A-486C-A8C5-ECC9F3942E4B}">
-                <a14:imgProps xmlns:a14="http://schemas.microsoft.com/office/drawing/2010/main">
-                  <a14:imgLayer r:embed="rId4">
-                    <a14:imgEffect>
-                      <a14:artisticPastelsSmooth/>
-                    </a14:imgEffect>
-                  </a14:imgLayer>
-                </a14:imgProps>
-              </a:ext>
-            </a:extLst>
-          </a:blip>
-          <a:srcRect/>
-          <a:tile tx="0" ty="0" sx="100000" sy="100000" flip="none" algn="tl"/>
-        </a:blipFill>
-        <a:effectLst/>
-      </p:bgPr>
-    </p:bg>
-    <p:spTree>
-      <p:nvGrpSpPr>
-        <p:cNvPr id="1" name=""/>
-        <p:cNvGrpSpPr/>
-        <p:nvPr/>
-      </p:nvGrpSpPr>
-      <p:grpSpPr>
-        <a:xfrm>
-          <a:off x="0" y="0"/>
-          <a:ext cx="0" cy="0"/>
-          <a:chOff x="0" y="0"/>
-          <a:chExt cx="0" cy="0"/>
-        </a:xfrm>
-      </p:grpSpPr>
-      <p:sp>
-        <p:nvSpPr>
-          <p:cNvPr id="2" name="Title 1">
-            <a:extLst>
-              <a:ext uri="{FF2B5EF4-FFF2-40B4-BE49-F238E27FC236}">
-                <a16:creationId xmlns:a16="http://schemas.microsoft.com/office/drawing/2014/main" id="{C806E4C1-A41D-067E-F34B-92081CC326A2}"/>
-              </a:ext>
-            </a:extLst>
-          </p:cNvPr>
-          <p:cNvSpPr>
-            <a:spLocks noGrp="1"/>
-          </p:cNvSpPr>
-          <p:nvPr>
-            <p:ph type="title"/>
-          </p:nvPr>
-        </p:nvSpPr>
-        <p:spPr/>
-        <p:txBody>
-          <a:bodyPr/>
-          <a:lstStyle/>
-          <a:p>
-            <a:r>
-              <a:rPr lang="en-US" dirty="0"/>
-              <a:t>Section Header</a:t>
-            </a:r>
-          </a:p>
-        </p:txBody>
-      </p:sp>
-      <p:sp>
-        <p:nvSpPr>
-          <p:cNvPr id="3" name="Text Placeholder 2">
-            <a:extLst>
-              <a:ext uri="{FF2B5EF4-FFF2-40B4-BE49-F238E27FC236}">
-                <a16:creationId xmlns:a16="http://schemas.microsoft.com/office/drawing/2014/main" id="{35DE4B70-3814-7353-ED57-8DA4CECE5158}"/>
-              </a:ext>
-            </a:extLst>
-          </p:cNvPr>
-          <p:cNvSpPr>
-            <a:spLocks noGrp="1"/>
-          </p:cNvSpPr>
-          <p:nvPr>
-            <p:ph type="body" idx="1"/>
-          </p:nvPr>
-        </p:nvSpPr>
-        <p:spPr/>
-        <p:txBody>
-          <a:bodyPr/>
-          <a:lstStyle/>
-          <a:p>
-            <a:endParaRPr lang="en-US"/>
-          </a:p>
-        </p:txBody>
-      </p:sp>
-    </p:spTree>
-    <p:extLst>
-      <p:ext uri="{BB962C8B-B14F-4D97-AF65-F5344CB8AC3E}">
-        <p14:creationId xmlns:p14="http://schemas.microsoft.com/office/powerpoint/2010/main" val="332948493"/>
-      </p:ext>
-    </p:extLst>
-  </p:cSld>
-  <p:clrMapOvr>
-    <a:masterClrMapping/>
-  </p:clrMapOvr>
-</p:sld>
-</file>
-
-<file path=ppt/slides/slide29.xml><?xml version="1.0" encoding="utf-8"?>
-<p:sld xmlns:a="http://schemas.openxmlformats.org/drawingml/2006/main" xmlns:r="http://schemas.openxmlformats.org/officeDocument/2006/relationships" xmlns:p="http://schemas.openxmlformats.org/presentationml/2006/main">
-  <p:cSld>
-    <p:spTree>
-      <p:nvGrpSpPr>
-        <p:cNvPr id="1" name=""/>
-        <p:cNvGrpSpPr/>
-        <p:nvPr/>
-      </p:nvGrpSpPr>
-      <p:grpSpPr>
-        <a:xfrm>
-          <a:off x="0" y="0"/>
-          <a:ext cx="0" cy="0"/>
-          <a:chOff x="0" y="0"/>
-          <a:chExt cx="0" cy="0"/>
-        </a:xfrm>
-      </p:grpSpPr>
-      <p:sp>
-        <p:nvSpPr>
-          <p:cNvPr id="2" name="Title 1">
-            <a:extLst>
-              <a:ext uri="{FF2B5EF4-FFF2-40B4-BE49-F238E27FC236}">
-                <a16:creationId xmlns:a16="http://schemas.microsoft.com/office/drawing/2014/main" id="{CEF72732-434C-DE21-AFC5-A03B8B2BE1B7}"/>
-              </a:ext>
-            </a:extLst>
-          </p:cNvPr>
-          <p:cNvSpPr>
-            <a:spLocks noGrp="1"/>
-          </p:cNvSpPr>
-          <p:nvPr>
-            <p:ph type="title"/>
-          </p:nvPr>
-        </p:nvSpPr>
-        <p:spPr/>
-        <p:txBody>
-          <a:bodyPr/>
-          <a:lstStyle/>
-          <a:p>
-            <a:endParaRPr lang="en-US"/>
-          </a:p>
-        </p:txBody>
-      </p:sp>
-      <p:sp>
-        <p:nvSpPr>
-          <p:cNvPr id="3" name="Text Placeholder 2">
-            <a:extLst>
-              <a:ext uri="{FF2B5EF4-FFF2-40B4-BE49-F238E27FC236}">
-                <a16:creationId xmlns:a16="http://schemas.microsoft.com/office/drawing/2014/main" id="{1273B05D-3A61-A357-BAB9-ADEBA086D7DF}"/>
-              </a:ext>
-            </a:extLst>
-          </p:cNvPr>
-          <p:cNvSpPr>
-            <a:spLocks noGrp="1"/>
-          </p:cNvSpPr>
-          <p:nvPr>
-            <p:ph type="body" idx="1"/>
-          </p:nvPr>
-        </p:nvSpPr>
-        <p:spPr/>
-        <p:txBody>
-          <a:bodyPr/>
-          <a:lstStyle/>
-          <a:p>
-            <a:endParaRPr lang="en-US"/>
-          </a:p>
-        </p:txBody>
-      </p:sp>
-    </p:spTree>
-    <p:extLst>
-      <p:ext uri="{BB962C8B-B14F-4D97-AF65-F5344CB8AC3E}">
-        <p14:creationId xmlns:p14="http://schemas.microsoft.com/office/powerpoint/2010/main" val="878010779"/>
       </p:ext>
     </p:extLst>
   </p:cSld>
@@ -11205,111 +9130,6 @@
     <p:extLst>
       <p:ext uri="{BB962C8B-B14F-4D97-AF65-F5344CB8AC3E}">
         <p14:creationId xmlns:p14="http://schemas.microsoft.com/office/powerpoint/2010/main" val="1074506941"/>
-      </p:ext>
-    </p:extLst>
-  </p:cSld>
-  <p:clrMapOvr>
-    <a:masterClrMapping/>
-  </p:clrMapOvr>
-</p:sld>
-</file>
-
-<file path=ppt/slides/slide30.xml><?xml version="1.0" encoding="utf-8"?>
-<p:sld xmlns:a="http://schemas.openxmlformats.org/drawingml/2006/main" xmlns:r="http://schemas.openxmlformats.org/officeDocument/2006/relationships" xmlns:p="http://schemas.openxmlformats.org/presentationml/2006/main">
-  <p:cSld>
-    <p:spTree>
-      <p:nvGrpSpPr>
-        <p:cNvPr id="1" name=""/>
-        <p:cNvGrpSpPr/>
-        <p:nvPr/>
-      </p:nvGrpSpPr>
-      <p:grpSpPr>
-        <a:xfrm>
-          <a:off x="0" y="0"/>
-          <a:ext cx="0" cy="0"/>
-          <a:chOff x="0" y="0"/>
-          <a:chExt cx="0" cy="0"/>
-        </a:xfrm>
-      </p:grpSpPr>
-      <p:sp>
-        <p:nvSpPr>
-          <p:cNvPr id="2" name="Title 1">
-            <a:extLst>
-              <a:ext uri="{FF2B5EF4-FFF2-40B4-BE49-F238E27FC236}">
-                <a16:creationId xmlns:a16="http://schemas.microsoft.com/office/drawing/2014/main" id="{5E068B22-64B1-8BF1-9FE1-0224043CA689}"/>
-              </a:ext>
-            </a:extLst>
-          </p:cNvPr>
-          <p:cNvSpPr>
-            <a:spLocks noGrp="1"/>
-          </p:cNvSpPr>
-          <p:nvPr>
-            <p:ph type="title"/>
-          </p:nvPr>
-        </p:nvSpPr>
-        <p:spPr/>
-        <p:txBody>
-          <a:bodyPr/>
-          <a:lstStyle/>
-          <a:p>
-            <a:endParaRPr lang="en-US"/>
-          </a:p>
-        </p:txBody>
-      </p:sp>
-      <p:sp>
-        <p:nvSpPr>
-          <p:cNvPr id="3" name="Text Placeholder 2">
-            <a:extLst>
-              <a:ext uri="{FF2B5EF4-FFF2-40B4-BE49-F238E27FC236}">
-                <a16:creationId xmlns:a16="http://schemas.microsoft.com/office/drawing/2014/main" id="{F957F662-E215-E243-052F-D83259B613C9}"/>
-              </a:ext>
-            </a:extLst>
-          </p:cNvPr>
-          <p:cNvSpPr>
-            <a:spLocks noGrp="1"/>
-          </p:cNvSpPr>
-          <p:nvPr>
-            <p:ph type="body" sz="quarter" idx="13"/>
-          </p:nvPr>
-        </p:nvSpPr>
-        <p:spPr/>
-        <p:txBody>
-          <a:bodyPr/>
-          <a:lstStyle/>
-          <a:p>
-            <a:endParaRPr lang="en-US"/>
-          </a:p>
-        </p:txBody>
-      </p:sp>
-      <p:sp>
-        <p:nvSpPr>
-          <p:cNvPr id="4" name="Text Placeholder 3">
-            <a:extLst>
-              <a:ext uri="{FF2B5EF4-FFF2-40B4-BE49-F238E27FC236}">
-                <a16:creationId xmlns:a16="http://schemas.microsoft.com/office/drawing/2014/main" id="{2D20F5E5-ABD7-3141-098F-46962D266359}"/>
-              </a:ext>
-            </a:extLst>
-          </p:cNvPr>
-          <p:cNvSpPr>
-            <a:spLocks noGrp="1"/>
-          </p:cNvSpPr>
-          <p:nvPr>
-            <p:ph type="body" idx="1"/>
-          </p:nvPr>
-        </p:nvSpPr>
-        <p:spPr/>
-        <p:txBody>
-          <a:bodyPr/>
-          <a:lstStyle/>
-          <a:p>
-            <a:endParaRPr lang="en-US"/>
-          </a:p>
-        </p:txBody>
-      </p:sp>
-    </p:spTree>
-    <p:extLst>
-      <p:ext uri="{BB962C8B-B14F-4D97-AF65-F5344CB8AC3E}">
-        <p14:creationId xmlns:p14="http://schemas.microsoft.com/office/powerpoint/2010/main" val="2065770259"/>
       </p:ext>
     </p:extLst>
   </p:cSld>

--- a/1-Monday/Intro-to-Git/WASTC2024-vFDW-Intro-to-Git.pptx
+++ b/1-Monday/Intro-to-Git/WASTC2024-vFDW-Intro-to-Git.pptx
@@ -5,10 +5,10 @@
     <p:sldMasterId id="2147483648" r:id="rId1"/>
   </p:sldMasterIdLst>
   <p:notesMasterIdLst>
-    <p:notesMasterId r:id="rId21"/>
+    <p:notesMasterId r:id="rId22"/>
   </p:notesMasterIdLst>
   <p:handoutMasterIdLst>
-    <p:handoutMasterId r:id="rId22"/>
+    <p:handoutMasterId r:id="rId23"/>
   </p:handoutMasterIdLst>
   <p:sldIdLst>
     <p:sldId id="256" r:id="rId2"/>
@@ -22,14 +22,15 @@
     <p:sldId id="282" r:id="rId10"/>
     <p:sldId id="257" r:id="rId11"/>
     <p:sldId id="284" r:id="rId12"/>
-    <p:sldId id="283" r:id="rId13"/>
-    <p:sldId id="262" r:id="rId14"/>
-    <p:sldId id="285" r:id="rId15"/>
-    <p:sldId id="271" r:id="rId16"/>
-    <p:sldId id="261" r:id="rId17"/>
-    <p:sldId id="286" r:id="rId18"/>
-    <p:sldId id="287" r:id="rId19"/>
-    <p:sldId id="270" r:id="rId20"/>
+    <p:sldId id="288" r:id="rId13"/>
+    <p:sldId id="283" r:id="rId14"/>
+    <p:sldId id="262" r:id="rId15"/>
+    <p:sldId id="285" r:id="rId16"/>
+    <p:sldId id="271" r:id="rId17"/>
+    <p:sldId id="261" r:id="rId18"/>
+    <p:sldId id="286" r:id="rId19"/>
+    <p:sldId id="287" r:id="rId20"/>
+    <p:sldId id="270" r:id="rId21"/>
   </p:sldIdLst>
   <p:sldSz cx="12192000" cy="6858000"/>
   <p:notesSz cx="6858000" cy="9144000"/>
@@ -826,7 +827,7 @@
           <a:p>
             <a:fld id="{A6590377-9AB7-BE4E-B5A4-7BC5E2C22E46}" type="slidenum">
               <a:rPr lang="en-US" smtClean="0"/>
-              <a:t>12</a:t>
+              <a:t>13</a:t>
             </a:fld>
             <a:endParaRPr lang="en-US"/>
           </a:p>
@@ -910,7 +911,7 @@
           <a:p>
             <a:fld id="{A6590377-9AB7-BE4E-B5A4-7BC5E2C22E46}" type="slidenum">
               <a:rPr lang="en-US" smtClean="0"/>
-              <a:t>15</a:t>
+              <a:t>16</a:t>
             </a:fld>
             <a:endParaRPr lang="en-US"/>
           </a:p>
@@ -994,7 +995,7 @@
           <a:p>
             <a:fld id="{A6590377-9AB7-BE4E-B5A4-7BC5E2C22E46}" type="slidenum">
               <a:rPr lang="en-US" smtClean="0"/>
-              <a:t>17</a:t>
+              <a:t>18</a:t>
             </a:fld>
             <a:endParaRPr lang="en-US"/>
           </a:p>
@@ -7151,6 +7152,94 @@
 <file path=ppt/slides/slide12.xml><?xml version="1.0" encoding="utf-8"?>
 <p:sld xmlns:a="http://schemas.openxmlformats.org/drawingml/2006/main" xmlns:r="http://schemas.openxmlformats.org/officeDocument/2006/relationships" xmlns:p="http://schemas.openxmlformats.org/presentationml/2006/main">
   <p:cSld>
+    <p:spTree>
+      <p:nvGrpSpPr>
+        <p:cNvPr id="1" name=""/>
+        <p:cNvGrpSpPr/>
+        <p:nvPr/>
+      </p:nvGrpSpPr>
+      <p:grpSpPr>
+        <a:xfrm>
+          <a:off x="0" y="0"/>
+          <a:ext cx="0" cy="0"/>
+          <a:chOff x="0" y="0"/>
+          <a:chExt cx="0" cy="0"/>
+        </a:xfrm>
+      </p:grpSpPr>
+      <p:sp>
+        <p:nvSpPr>
+          <p:cNvPr id="2" name="Title 1">
+            <a:extLst>
+              <a:ext uri="{FF2B5EF4-FFF2-40B4-BE49-F238E27FC236}">
+                <a16:creationId xmlns:a16="http://schemas.microsoft.com/office/drawing/2014/main" id="{7F72B42D-97A1-DD68-BB84-922809072E3D}"/>
+              </a:ext>
+            </a:extLst>
+          </p:cNvPr>
+          <p:cNvSpPr>
+            <a:spLocks noGrp="1"/>
+          </p:cNvSpPr>
+          <p:nvPr>
+            <p:ph type="title"/>
+          </p:nvPr>
+        </p:nvSpPr>
+        <p:spPr/>
+        <p:txBody>
+          <a:bodyPr/>
+          <a:lstStyle/>
+          <a:p>
+            <a:r>
+              <a:rPr lang="en-US" dirty="0"/>
+              <a:t>Git</a:t>
+            </a:r>
+          </a:p>
+        </p:txBody>
+      </p:sp>
+      <p:sp>
+        <p:nvSpPr>
+          <p:cNvPr id="3" name="Content Placeholder 2">
+            <a:extLst>
+              <a:ext uri="{FF2B5EF4-FFF2-40B4-BE49-F238E27FC236}">
+                <a16:creationId xmlns:a16="http://schemas.microsoft.com/office/drawing/2014/main" id="{A42E5E1F-3887-E842-4B67-E5C7715B8384}"/>
+              </a:ext>
+            </a:extLst>
+          </p:cNvPr>
+          <p:cNvSpPr>
+            <a:spLocks noGrp="1"/>
+          </p:cNvSpPr>
+          <p:nvPr>
+            <p:ph idx="1"/>
+          </p:nvPr>
+        </p:nvSpPr>
+        <p:spPr/>
+        <p:txBody>
+          <a:bodyPr>
+            <a:noAutofit/>
+          </a:bodyPr>
+          <a:lstStyle/>
+          <a:p>
+            <a:r>
+              <a:rPr lang="en-US" sz="2800" dirty="0"/>
+              <a:t>Switch to iPad screen – demo local/remote workflow</a:t>
+            </a:r>
+          </a:p>
+        </p:txBody>
+      </p:sp>
+    </p:spTree>
+    <p:extLst>
+      <p:ext uri="{BB962C8B-B14F-4D97-AF65-F5344CB8AC3E}">
+        <p14:creationId xmlns:p14="http://schemas.microsoft.com/office/powerpoint/2010/main" val="1747021195"/>
+      </p:ext>
+    </p:extLst>
+  </p:cSld>
+  <p:clrMapOvr>
+    <a:masterClrMapping/>
+  </p:clrMapOvr>
+</p:sld>
+</file>
+
+<file path=ppt/slides/slide13.xml><?xml version="1.0" encoding="utf-8"?>
+<p:sld xmlns:a="http://schemas.openxmlformats.org/drawingml/2006/main" xmlns:r="http://schemas.openxmlformats.org/officeDocument/2006/relationships" xmlns:p="http://schemas.openxmlformats.org/presentationml/2006/main">
+  <p:cSld>
     <p:bg>
       <p:bgPr>
         <a:blipFill dpi="0" rotWithShape="1">
@@ -7238,7 +7327,7 @@
 </p:sld>
 </file>
 
-<file path=ppt/slides/slide13.xml><?xml version="1.0" encoding="utf-8"?>
+<file path=ppt/slides/slide14.xml><?xml version="1.0" encoding="utf-8"?>
 <p:sld xmlns:a="http://schemas.openxmlformats.org/drawingml/2006/main" xmlns:r="http://schemas.openxmlformats.org/officeDocument/2006/relationships" xmlns:p="http://schemas.openxmlformats.org/presentationml/2006/main">
   <p:cSld>
     <p:spTree>
@@ -7533,7 +7622,7 @@
 </p:sld>
 </file>
 
-<file path=ppt/slides/slide14.xml><?xml version="1.0" encoding="utf-8"?>
+<file path=ppt/slides/slide15.xml><?xml version="1.0" encoding="utf-8"?>
 <p:sld xmlns:a="http://schemas.openxmlformats.org/drawingml/2006/main" xmlns:r="http://schemas.openxmlformats.org/officeDocument/2006/relationships" xmlns:p="http://schemas.openxmlformats.org/presentationml/2006/main">
   <p:cSld>
     <p:spTree>
@@ -7887,7 +7976,7 @@
 </p:sld>
 </file>
 
-<file path=ppt/slides/slide15.xml><?xml version="1.0" encoding="utf-8"?>
+<file path=ppt/slides/slide16.xml><?xml version="1.0" encoding="utf-8"?>
 <p:sld xmlns:a="http://schemas.openxmlformats.org/drawingml/2006/main" xmlns:r="http://schemas.openxmlformats.org/officeDocument/2006/relationships" xmlns:p="http://schemas.openxmlformats.org/presentationml/2006/main">
   <p:cSld>
     <p:bg>
@@ -7997,7 +8086,7 @@
 </p:sld>
 </file>
 
-<file path=ppt/slides/slide16.xml><?xml version="1.0" encoding="utf-8"?>
+<file path=ppt/slides/slide17.xml><?xml version="1.0" encoding="utf-8"?>
 <p:sld xmlns:a="http://schemas.openxmlformats.org/drawingml/2006/main" xmlns:r="http://schemas.openxmlformats.org/officeDocument/2006/relationships" xmlns:p="http://schemas.openxmlformats.org/presentationml/2006/main">
   <p:cSld>
     <p:spTree>
@@ -8114,7 +8203,7 @@
 </p:sld>
 </file>
 
-<file path=ppt/slides/slide17.xml><?xml version="1.0" encoding="utf-8"?>
+<file path=ppt/slides/slide18.xml><?xml version="1.0" encoding="utf-8"?>
 <p:sld xmlns:a="http://schemas.openxmlformats.org/drawingml/2006/main" xmlns:r="http://schemas.openxmlformats.org/officeDocument/2006/relationships" xmlns:p="http://schemas.openxmlformats.org/presentationml/2006/main">
   <p:cSld>
     <p:bg>
@@ -8196,7 +8285,7 @@
 </p:sld>
 </file>
 
-<file path=ppt/slides/slide18.xml><?xml version="1.0" encoding="utf-8"?>
+<file path=ppt/slides/slide19.xml><?xml version="1.0" encoding="utf-8"?>
 <p:sld xmlns:a="http://schemas.openxmlformats.org/drawingml/2006/main" xmlns:r="http://schemas.openxmlformats.org/officeDocument/2006/relationships" xmlns:p="http://schemas.openxmlformats.org/presentationml/2006/main">
   <p:cSld>
     <p:spTree>
@@ -8747,65 +8836,6 @@
     <p:extLst>
       <p:ext uri="{BB962C8B-B14F-4D97-AF65-F5344CB8AC3E}">
         <p14:creationId xmlns:p14="http://schemas.microsoft.com/office/powerpoint/2010/main" val="3357288541"/>
-      </p:ext>
-    </p:extLst>
-  </p:cSld>
-  <p:clrMapOvr>
-    <a:masterClrMapping/>
-  </p:clrMapOvr>
-</p:sld>
-</file>
-
-<file path=ppt/slides/slide19.xml><?xml version="1.0" encoding="utf-8"?>
-<p:sld xmlns:a="http://schemas.openxmlformats.org/drawingml/2006/main" xmlns:r="http://schemas.openxmlformats.org/officeDocument/2006/relationships" xmlns:p="http://schemas.openxmlformats.org/presentationml/2006/main">
-  <p:cSld>
-    <p:spTree>
-      <p:nvGrpSpPr>
-        <p:cNvPr id="1" name=""/>
-        <p:cNvGrpSpPr/>
-        <p:nvPr/>
-      </p:nvGrpSpPr>
-      <p:grpSpPr>
-        <a:xfrm>
-          <a:off x="0" y="0"/>
-          <a:ext cx="0" cy="0"/>
-          <a:chOff x="0" y="0"/>
-          <a:chExt cx="0" cy="0"/>
-        </a:xfrm>
-      </p:grpSpPr>
-      <p:sp>
-        <p:nvSpPr>
-          <p:cNvPr id="2" name="Title 1">
-            <a:extLst>
-              <a:ext uri="{FF2B5EF4-FFF2-40B4-BE49-F238E27FC236}">
-                <a16:creationId xmlns:a16="http://schemas.microsoft.com/office/drawing/2014/main" id="{FE44C711-A232-7ECB-672D-6F53FDDCA611}"/>
-              </a:ext>
-            </a:extLst>
-          </p:cNvPr>
-          <p:cNvSpPr>
-            <a:spLocks noGrp="1"/>
-          </p:cNvSpPr>
-          <p:nvPr>
-            <p:ph type="title"/>
-          </p:nvPr>
-        </p:nvSpPr>
-        <p:spPr/>
-        <p:txBody>
-          <a:bodyPr/>
-          <a:lstStyle/>
-          <a:p>
-            <a:pPr algn="ctr"/>
-            <a:r>
-              <a:rPr lang="en-US" dirty="0"/>
-              <a:t>Thank you</a:t>
-            </a:r>
-          </a:p>
-        </p:txBody>
-      </p:sp>
-    </p:spTree>
-    <p:extLst>
-      <p:ext uri="{BB962C8B-B14F-4D97-AF65-F5344CB8AC3E}">
-        <p14:creationId xmlns:p14="http://schemas.microsoft.com/office/powerpoint/2010/main" val="642994167"/>
       </p:ext>
     </p:extLst>
   </p:cSld>
@@ -8988,6 +9018,65 @@
     <p:extLst>
       <p:ext uri="{BB962C8B-B14F-4D97-AF65-F5344CB8AC3E}">
         <p14:creationId xmlns:p14="http://schemas.microsoft.com/office/powerpoint/2010/main" val="1638533772"/>
+      </p:ext>
+    </p:extLst>
+  </p:cSld>
+  <p:clrMapOvr>
+    <a:masterClrMapping/>
+  </p:clrMapOvr>
+</p:sld>
+</file>
+
+<file path=ppt/slides/slide20.xml><?xml version="1.0" encoding="utf-8"?>
+<p:sld xmlns:a="http://schemas.openxmlformats.org/drawingml/2006/main" xmlns:r="http://schemas.openxmlformats.org/officeDocument/2006/relationships" xmlns:p="http://schemas.openxmlformats.org/presentationml/2006/main">
+  <p:cSld>
+    <p:spTree>
+      <p:nvGrpSpPr>
+        <p:cNvPr id="1" name=""/>
+        <p:cNvGrpSpPr/>
+        <p:nvPr/>
+      </p:nvGrpSpPr>
+      <p:grpSpPr>
+        <a:xfrm>
+          <a:off x="0" y="0"/>
+          <a:ext cx="0" cy="0"/>
+          <a:chOff x="0" y="0"/>
+          <a:chExt cx="0" cy="0"/>
+        </a:xfrm>
+      </p:grpSpPr>
+      <p:sp>
+        <p:nvSpPr>
+          <p:cNvPr id="2" name="Title 1">
+            <a:extLst>
+              <a:ext uri="{FF2B5EF4-FFF2-40B4-BE49-F238E27FC236}">
+                <a16:creationId xmlns:a16="http://schemas.microsoft.com/office/drawing/2014/main" id="{FE44C711-A232-7ECB-672D-6F53FDDCA611}"/>
+              </a:ext>
+            </a:extLst>
+          </p:cNvPr>
+          <p:cNvSpPr>
+            <a:spLocks noGrp="1"/>
+          </p:cNvSpPr>
+          <p:nvPr>
+            <p:ph type="title"/>
+          </p:nvPr>
+        </p:nvSpPr>
+        <p:spPr/>
+        <p:txBody>
+          <a:bodyPr/>
+          <a:lstStyle/>
+          <a:p>
+            <a:pPr algn="ctr"/>
+            <a:r>
+              <a:rPr lang="en-US" dirty="0"/>
+              <a:t>Thank you</a:t>
+            </a:r>
+          </a:p>
+        </p:txBody>
+      </p:sp>
+    </p:spTree>
+    <p:extLst>
+      <p:ext uri="{BB962C8B-B14F-4D97-AF65-F5344CB8AC3E}">
+        <p14:creationId xmlns:p14="http://schemas.microsoft.com/office/powerpoint/2010/main" val="642994167"/>
       </p:ext>
     </p:extLst>
   </p:cSld>

--- a/1-Monday/Intro-to-Git/WASTC2024-vFDW-Intro-to-Git.pptx
+++ b/1-Monday/Intro-to-Git/WASTC2024-vFDW-Intro-to-Git.pptx
@@ -5,10 +5,10 @@
     <p:sldMasterId id="2147483648" r:id="rId1"/>
   </p:sldMasterIdLst>
   <p:notesMasterIdLst>
-    <p:notesMasterId r:id="rId22"/>
+    <p:notesMasterId r:id="rId30"/>
   </p:notesMasterIdLst>
   <p:handoutMasterIdLst>
-    <p:handoutMasterId r:id="rId23"/>
+    <p:handoutMasterId r:id="rId31"/>
   </p:handoutMasterIdLst>
   <p:sldIdLst>
     <p:sldId id="256" r:id="rId2"/>
@@ -22,15 +22,23 @@
     <p:sldId id="282" r:id="rId10"/>
     <p:sldId id="257" r:id="rId11"/>
     <p:sldId id="284" r:id="rId12"/>
-    <p:sldId id="288" r:id="rId13"/>
-    <p:sldId id="283" r:id="rId14"/>
-    <p:sldId id="262" r:id="rId15"/>
-    <p:sldId id="285" r:id="rId16"/>
-    <p:sldId id="271" r:id="rId17"/>
-    <p:sldId id="261" r:id="rId18"/>
-    <p:sldId id="286" r:id="rId19"/>
-    <p:sldId id="287" r:id="rId20"/>
-    <p:sldId id="270" r:id="rId21"/>
+    <p:sldId id="289" r:id="rId13"/>
+    <p:sldId id="292" r:id="rId14"/>
+    <p:sldId id="290" r:id="rId15"/>
+    <p:sldId id="293" r:id="rId16"/>
+    <p:sldId id="296" r:id="rId17"/>
+    <p:sldId id="297" r:id="rId18"/>
+    <p:sldId id="298" r:id="rId19"/>
+    <p:sldId id="291" r:id="rId20"/>
+    <p:sldId id="294" r:id="rId21"/>
+    <p:sldId id="283" r:id="rId22"/>
+    <p:sldId id="262" r:id="rId23"/>
+    <p:sldId id="285" r:id="rId24"/>
+    <p:sldId id="271" r:id="rId25"/>
+    <p:sldId id="261" r:id="rId26"/>
+    <p:sldId id="286" r:id="rId27"/>
+    <p:sldId id="287" r:id="rId28"/>
+    <p:sldId id="270" r:id="rId29"/>
   </p:sldIdLst>
   <p:sldSz cx="12192000" cy="6858000"/>
   <p:notesSz cx="6858000" cy="9144000"/>
@@ -234,7 +242,7 @@
           <a:p>
             <a:fld id="{98E1B244-5E4C-0348-8382-0755ACCC0FC2}" type="datetimeFigureOut">
               <a:rPr lang="en-US" smtClean="0"/>
-              <a:t>5/27/24</a:t>
+              <a:t>6/10/24</a:t>
             </a:fld>
             <a:endParaRPr lang="en-US"/>
           </a:p>
@@ -411,7 +419,7 @@
           <a:p>
             <a:fld id="{FC95F858-0C5D-344D-90AD-DBEE19136069}" type="datetimeFigureOut">
               <a:rPr lang="en-US" smtClean="0"/>
-              <a:t>5/27/24</a:t>
+              <a:t>6/10/24</a:t>
             </a:fld>
             <a:endParaRPr lang="en-US"/>
           </a:p>
@@ -827,7 +835,7 @@
           <a:p>
             <a:fld id="{A6590377-9AB7-BE4E-B5A4-7BC5E2C22E46}" type="slidenum">
               <a:rPr lang="en-US" smtClean="0"/>
-              <a:t>13</a:t>
+              <a:t>21</a:t>
             </a:fld>
             <a:endParaRPr lang="en-US"/>
           </a:p>
@@ -911,7 +919,7 @@
           <a:p>
             <a:fld id="{A6590377-9AB7-BE4E-B5A4-7BC5E2C22E46}" type="slidenum">
               <a:rPr lang="en-US" smtClean="0"/>
-              <a:t>16</a:t>
+              <a:t>24</a:t>
             </a:fld>
             <a:endParaRPr lang="en-US"/>
           </a:p>
@@ -995,7 +1003,7 @@
           <a:p>
             <a:fld id="{A6590377-9AB7-BE4E-B5A4-7BC5E2C22E46}" type="slidenum">
               <a:rPr lang="en-US" smtClean="0"/>
-              <a:t>18</a:t>
+              <a:t>26</a:t>
             </a:fld>
             <a:endParaRPr lang="en-US"/>
           </a:p>
@@ -1239,7 +1247,7 @@
             <a:fld id="{B61BEF0D-F0BB-DE4B-95CE-6DB70DBA9567}" type="datetimeFigureOut">
               <a:rPr lang="en-US" dirty="0"/>
               <a:pPr/>
-              <a:t>5/27/24</a:t>
+              <a:t>6/10/24</a:t>
             </a:fld>
             <a:endParaRPr lang="en-US" dirty="0"/>
           </a:p>
@@ -1570,7 +1578,7 @@
             <a:fld id="{B61BEF0D-F0BB-DE4B-95CE-6DB70DBA9567}" type="datetimeFigureOut">
               <a:rPr lang="en-US" dirty="0"/>
               <a:pPr/>
-              <a:t>5/27/24</a:t>
+              <a:t>6/10/24</a:t>
             </a:fld>
             <a:endParaRPr lang="en-US" dirty="0"/>
           </a:p>
@@ -1845,7 +1853,7 @@
             <a:fld id="{B61BEF0D-F0BB-DE4B-95CE-6DB70DBA9567}" type="datetimeFigureOut">
               <a:rPr lang="en-US" dirty="0"/>
               <a:pPr/>
-              <a:t>5/27/24</a:t>
+              <a:t>6/10/24</a:t>
             </a:fld>
             <a:endParaRPr lang="en-US" dirty="0"/>
           </a:p>
@@ -2410,7 +2418,7 @@
             <a:fld id="{B61BEF0D-F0BB-DE4B-95CE-6DB70DBA9567}" type="datetimeFigureOut">
               <a:rPr lang="en-US" dirty="0"/>
               <a:pPr/>
-              <a:t>5/27/24</a:t>
+              <a:t>6/10/24</a:t>
             </a:fld>
             <a:endParaRPr lang="en-US" dirty="0"/>
           </a:p>
@@ -2685,7 +2693,7 @@
             <a:fld id="{B61BEF0D-F0BB-DE4B-95CE-6DB70DBA9567}" type="datetimeFigureOut">
               <a:rPr lang="en-US" dirty="0"/>
               <a:pPr/>
-              <a:t>5/27/24</a:t>
+              <a:t>6/10/24</a:t>
             </a:fld>
             <a:endParaRPr lang="en-US" dirty="0"/>
           </a:p>
@@ -3244,7 +3252,7 @@
             <a:fld id="{B61BEF0D-F0BB-DE4B-95CE-6DB70DBA9567}" type="datetimeFigureOut">
               <a:rPr lang="en-US" dirty="0"/>
               <a:pPr/>
-              <a:t>5/27/24</a:t>
+              <a:t>6/10/24</a:t>
             </a:fld>
             <a:endParaRPr lang="en-US" dirty="0"/>
           </a:p>
@@ -3568,7 +3576,7 @@
             <a:fld id="{B61BEF0D-F0BB-DE4B-95CE-6DB70DBA9567}" type="datetimeFigureOut">
               <a:rPr lang="en-US" dirty="0"/>
               <a:pPr/>
-              <a:t>5/27/24</a:t>
+              <a:t>6/10/24</a:t>
             </a:fld>
             <a:endParaRPr lang="en-US" dirty="0"/>
           </a:p>
@@ -3742,7 +3750,7 @@
             <a:fld id="{B61BEF0D-F0BB-DE4B-95CE-6DB70DBA9567}" type="datetimeFigureOut">
               <a:rPr lang="en-US" dirty="0"/>
               <a:pPr/>
-              <a:t>5/27/24</a:t>
+              <a:t>6/10/24</a:t>
             </a:fld>
             <a:endParaRPr lang="en-US" dirty="0"/>
           </a:p>
@@ -3977,7 +3985,7 @@
             <a:fld id="{B61BEF0D-F0BB-DE4B-95CE-6DB70DBA9567}" type="datetimeFigureOut">
               <a:rPr lang="en-US" dirty="0"/>
               <a:pPr/>
-              <a:t>5/27/24</a:t>
+              <a:t>6/10/24</a:t>
             </a:fld>
             <a:endParaRPr lang="en-US" dirty="0"/>
           </a:p>
@@ -4144,7 +4152,7 @@
             <a:fld id="{B61BEF0D-F0BB-DE4B-95CE-6DB70DBA9567}" type="datetimeFigureOut">
               <a:rPr lang="en-US" dirty="0"/>
               <a:pPr/>
-              <a:t>5/27/24</a:t>
+              <a:t>6/10/24</a:t>
             </a:fld>
             <a:endParaRPr lang="en-US" dirty="0"/>
           </a:p>
@@ -4417,7 +4425,7 @@
             <a:fld id="{B61BEF0D-F0BB-DE4B-95CE-6DB70DBA9567}" type="datetimeFigureOut">
               <a:rPr lang="en-US" dirty="0"/>
               <a:pPr/>
-              <a:t>5/27/24</a:t>
+              <a:t>6/10/24</a:t>
             </a:fld>
             <a:endParaRPr lang="en-US" dirty="0"/>
           </a:p>
@@ -4680,7 +4688,7 @@
             <a:fld id="{B61BEF0D-F0BB-DE4B-95CE-6DB70DBA9567}" type="datetimeFigureOut">
               <a:rPr lang="en-US" dirty="0"/>
               <a:pPr/>
-              <a:t>5/27/24</a:t>
+              <a:t>6/10/24</a:t>
             </a:fld>
             <a:endParaRPr lang="en-US" dirty="0"/>
           </a:p>
@@ -5051,7 +5059,7 @@
             <a:fld id="{B61BEF0D-F0BB-DE4B-95CE-6DB70DBA9567}" type="datetimeFigureOut">
               <a:rPr lang="en-US" dirty="0"/>
               <a:pPr/>
-              <a:t>5/27/24</a:t>
+              <a:t>6/10/24</a:t>
             </a:fld>
             <a:endParaRPr lang="en-US" dirty="0"/>
           </a:p>
@@ -5196,7 +5204,7 @@
             <a:fld id="{B61BEF0D-F0BB-DE4B-95CE-6DB70DBA9567}" type="datetimeFigureOut">
               <a:rPr lang="en-US" dirty="0"/>
               <a:pPr/>
-              <a:t>5/27/24</a:t>
+              <a:t>6/10/24</a:t>
             </a:fld>
             <a:endParaRPr lang="en-US" dirty="0"/>
           </a:p>
@@ -5318,7 +5326,7 @@
             <a:fld id="{B61BEF0D-F0BB-DE4B-95CE-6DB70DBA9567}" type="datetimeFigureOut">
               <a:rPr lang="en-US" dirty="0"/>
               <a:pPr/>
-              <a:t>5/27/24</a:t>
+              <a:t>6/10/24</a:t>
             </a:fld>
             <a:endParaRPr lang="en-US" dirty="0"/>
           </a:p>
@@ -5600,7 +5608,7 @@
             <a:fld id="{B61BEF0D-F0BB-DE4B-95CE-6DB70DBA9567}" type="datetimeFigureOut">
               <a:rPr lang="en-US" dirty="0"/>
               <a:pPr/>
-              <a:t>5/27/24</a:t>
+              <a:t>6/10/24</a:t>
             </a:fld>
             <a:endParaRPr lang="en-US" dirty="0"/>
           </a:p>
@@ -5921,7 +5929,7 @@
             <a:fld id="{B61BEF0D-F0BB-DE4B-95CE-6DB70DBA9567}" type="datetimeFigureOut">
               <a:rPr lang="en-US" dirty="0"/>
               <a:pPr/>
-              <a:t>5/27/24</a:t>
+              <a:t>6/10/24</a:t>
             </a:fld>
             <a:endParaRPr lang="en-US" dirty="0"/>
           </a:p>
@@ -6142,7 +6150,7 @@
             <a:fld id="{B61BEF0D-F0BB-DE4B-95CE-6DB70DBA9567}" type="datetimeFigureOut">
               <a:rPr lang="en-US" dirty="0"/>
               <a:pPr/>
-              <a:t>5/27/24</a:t>
+              <a:t>6/10/24</a:t>
             </a:fld>
             <a:endParaRPr lang="en-US" dirty="0"/>
           </a:p>
@@ -7194,6 +7202,1858 @@
           </a:p>
         </p:txBody>
       </p:sp>
+      <p:cxnSp>
+        <p:nvCxnSpPr>
+          <p:cNvPr id="5" name="Straight Connector 4">
+            <a:extLst>
+              <a:ext uri="{FF2B5EF4-FFF2-40B4-BE49-F238E27FC236}">
+                <a16:creationId xmlns:a16="http://schemas.microsoft.com/office/drawing/2014/main" id="{DDC169A6-5B8D-C0E9-B7D1-38473FE092B1}"/>
+              </a:ext>
+            </a:extLst>
+          </p:cNvPr>
+          <p:cNvCxnSpPr>
+            <a:cxnSpLocks/>
+          </p:cNvCxnSpPr>
+          <p:nvPr/>
+        </p:nvCxnSpPr>
+        <p:spPr>
+          <a:xfrm>
+            <a:off x="0" y="3531476"/>
+            <a:ext cx="3499945" cy="0"/>
+          </a:xfrm>
+          <a:prstGeom prst="line">
+            <a:avLst/>
+          </a:prstGeom>
+          <a:ln w="57150">
+            <a:solidFill>
+              <a:schemeClr val="tx1"/>
+            </a:solidFill>
+          </a:ln>
+        </p:spPr>
+        <p:style>
+          <a:lnRef idx="1">
+            <a:schemeClr val="accent1"/>
+          </a:lnRef>
+          <a:fillRef idx="0">
+            <a:schemeClr val="accent1"/>
+          </a:fillRef>
+          <a:effectRef idx="0">
+            <a:schemeClr val="accent1"/>
+          </a:effectRef>
+          <a:fontRef idx="minor">
+            <a:schemeClr val="tx1"/>
+          </a:fontRef>
+        </p:style>
+      </p:cxnSp>
+      <p:cxnSp>
+        <p:nvCxnSpPr>
+          <p:cNvPr id="9" name="Straight Connector 8">
+            <a:extLst>
+              <a:ext uri="{FF2B5EF4-FFF2-40B4-BE49-F238E27FC236}">
+                <a16:creationId xmlns:a16="http://schemas.microsoft.com/office/drawing/2014/main" id="{6B89F5CE-7063-EFE5-F3FB-F58DD7EF67FF}"/>
+              </a:ext>
+            </a:extLst>
+          </p:cNvPr>
+          <p:cNvCxnSpPr>
+            <a:cxnSpLocks/>
+          </p:cNvCxnSpPr>
+          <p:nvPr/>
+        </p:nvCxnSpPr>
+        <p:spPr>
+          <a:xfrm>
+            <a:off x="3510455" y="3520966"/>
+            <a:ext cx="1250731" cy="1271168"/>
+          </a:xfrm>
+          <a:prstGeom prst="line">
+            <a:avLst/>
+          </a:prstGeom>
+          <a:ln w="57150">
+            <a:solidFill>
+              <a:schemeClr val="tx1"/>
+            </a:solidFill>
+          </a:ln>
+        </p:spPr>
+        <p:style>
+          <a:lnRef idx="1">
+            <a:schemeClr val="accent1"/>
+          </a:lnRef>
+          <a:fillRef idx="0">
+            <a:schemeClr val="accent1"/>
+          </a:fillRef>
+          <a:effectRef idx="0">
+            <a:schemeClr val="accent1"/>
+          </a:effectRef>
+          <a:fontRef idx="minor">
+            <a:schemeClr val="tx1"/>
+          </a:fontRef>
+        </p:style>
+      </p:cxnSp>
+      <p:cxnSp>
+        <p:nvCxnSpPr>
+          <p:cNvPr id="10" name="Straight Connector 9">
+            <a:extLst>
+              <a:ext uri="{FF2B5EF4-FFF2-40B4-BE49-F238E27FC236}">
+                <a16:creationId xmlns:a16="http://schemas.microsoft.com/office/drawing/2014/main" id="{4B8D1A81-E6C7-FF51-25A5-D7D4A537FEC9}"/>
+              </a:ext>
+            </a:extLst>
+          </p:cNvPr>
+          <p:cNvCxnSpPr>
+            <a:cxnSpLocks/>
+          </p:cNvCxnSpPr>
+          <p:nvPr/>
+        </p:nvCxnSpPr>
+        <p:spPr>
+          <a:xfrm flipV="1">
+            <a:off x="4761186" y="4771697"/>
+            <a:ext cx="2234580" cy="20437"/>
+          </a:xfrm>
+          <a:prstGeom prst="line">
+            <a:avLst/>
+          </a:prstGeom>
+          <a:ln w="57150">
+            <a:solidFill>
+              <a:schemeClr val="tx1"/>
+            </a:solidFill>
+          </a:ln>
+        </p:spPr>
+        <p:style>
+          <a:lnRef idx="1">
+            <a:schemeClr val="accent1"/>
+          </a:lnRef>
+          <a:fillRef idx="0">
+            <a:schemeClr val="accent1"/>
+          </a:fillRef>
+          <a:effectRef idx="0">
+            <a:schemeClr val="accent1"/>
+          </a:effectRef>
+          <a:fontRef idx="minor">
+            <a:schemeClr val="tx1"/>
+          </a:fontRef>
+        </p:style>
+      </p:cxnSp>
+      <p:cxnSp>
+        <p:nvCxnSpPr>
+          <p:cNvPr id="12" name="Straight Connector 11">
+            <a:extLst>
+              <a:ext uri="{FF2B5EF4-FFF2-40B4-BE49-F238E27FC236}">
+                <a16:creationId xmlns:a16="http://schemas.microsoft.com/office/drawing/2014/main" id="{DE1D11F9-6DFC-539F-038F-7E000F4C2FC4}"/>
+              </a:ext>
+            </a:extLst>
+          </p:cNvPr>
+          <p:cNvCxnSpPr>
+            <a:cxnSpLocks/>
+          </p:cNvCxnSpPr>
+          <p:nvPr/>
+        </p:nvCxnSpPr>
+        <p:spPr>
+          <a:xfrm flipH="1">
+            <a:off x="7026165" y="3531476"/>
+            <a:ext cx="1103588" cy="1250439"/>
+          </a:xfrm>
+          <a:prstGeom prst="line">
+            <a:avLst/>
+          </a:prstGeom>
+          <a:ln w="57150">
+            <a:solidFill>
+              <a:schemeClr val="tx1"/>
+            </a:solidFill>
+          </a:ln>
+        </p:spPr>
+        <p:style>
+          <a:lnRef idx="1">
+            <a:schemeClr val="accent1"/>
+          </a:lnRef>
+          <a:fillRef idx="0">
+            <a:schemeClr val="accent1"/>
+          </a:fillRef>
+          <a:effectRef idx="0">
+            <a:schemeClr val="accent1"/>
+          </a:effectRef>
+          <a:fontRef idx="minor">
+            <a:schemeClr val="tx1"/>
+          </a:fontRef>
+        </p:style>
+      </p:cxnSp>
+      <p:cxnSp>
+        <p:nvCxnSpPr>
+          <p:cNvPr id="14" name="Straight Connector 13">
+            <a:extLst>
+              <a:ext uri="{FF2B5EF4-FFF2-40B4-BE49-F238E27FC236}">
+                <a16:creationId xmlns:a16="http://schemas.microsoft.com/office/drawing/2014/main" id="{20B7E776-1F8F-F614-7890-05635CC69D45}"/>
+              </a:ext>
+            </a:extLst>
+          </p:cNvPr>
+          <p:cNvCxnSpPr>
+            <a:cxnSpLocks/>
+          </p:cNvCxnSpPr>
+          <p:nvPr/>
+        </p:nvCxnSpPr>
+        <p:spPr>
+          <a:xfrm>
+            <a:off x="8160152" y="3531476"/>
+            <a:ext cx="4031848" cy="0"/>
+          </a:xfrm>
+          <a:prstGeom prst="line">
+            <a:avLst/>
+          </a:prstGeom>
+          <a:ln w="57150">
+            <a:solidFill>
+              <a:schemeClr val="tx1"/>
+            </a:solidFill>
+          </a:ln>
+        </p:spPr>
+        <p:style>
+          <a:lnRef idx="1">
+            <a:schemeClr val="accent1"/>
+          </a:lnRef>
+          <a:fillRef idx="0">
+            <a:schemeClr val="accent1"/>
+          </a:fillRef>
+          <a:effectRef idx="0">
+            <a:schemeClr val="accent1"/>
+          </a:effectRef>
+          <a:fontRef idx="minor">
+            <a:schemeClr val="tx1"/>
+          </a:fontRef>
+        </p:style>
+      </p:cxnSp>
+      <p:sp>
+        <p:nvSpPr>
+          <p:cNvPr id="18" name="Right Arrow 17">
+            <a:extLst>
+              <a:ext uri="{FF2B5EF4-FFF2-40B4-BE49-F238E27FC236}">
+                <a16:creationId xmlns:a16="http://schemas.microsoft.com/office/drawing/2014/main" id="{DAB7B8C2-C3E8-9AE0-29F2-EC2914F59E87}"/>
+              </a:ext>
+            </a:extLst>
+          </p:cNvPr>
+          <p:cNvSpPr/>
+          <p:nvPr/>
+        </p:nvSpPr>
+        <p:spPr>
+          <a:xfrm>
+            <a:off x="3026590" y="3143724"/>
+            <a:ext cx="758489" cy="775503"/>
+          </a:xfrm>
+          <a:prstGeom prst="rightArrow">
+            <a:avLst/>
+          </a:prstGeom>
+          <a:solidFill>
+            <a:srgbClr val="FFFF00"/>
+          </a:solidFill>
+          <a:ln>
+            <a:noFill/>
+          </a:ln>
+        </p:spPr>
+        <p:style>
+          <a:lnRef idx="2">
+            <a:schemeClr val="accent1">
+              <a:shade val="15000"/>
+            </a:schemeClr>
+          </a:lnRef>
+          <a:fillRef idx="1">
+            <a:schemeClr val="accent1"/>
+          </a:fillRef>
+          <a:effectRef idx="0">
+            <a:schemeClr val="accent1"/>
+          </a:effectRef>
+          <a:fontRef idx="minor">
+            <a:schemeClr val="lt1"/>
+          </a:fontRef>
+        </p:style>
+        <p:txBody>
+          <a:bodyPr rtlCol="0" anchor="ctr"/>
+          <a:lstStyle/>
+          <a:p>
+            <a:pPr algn="ctr"/>
+            <a:endParaRPr lang="en-US" dirty="0"/>
+          </a:p>
+        </p:txBody>
+      </p:sp>
+      <p:sp>
+        <p:nvSpPr>
+          <p:cNvPr id="19" name="TextBox 18">
+            <a:extLst>
+              <a:ext uri="{FF2B5EF4-FFF2-40B4-BE49-F238E27FC236}">
+                <a16:creationId xmlns:a16="http://schemas.microsoft.com/office/drawing/2014/main" id="{48E069D2-078A-4895-8B3F-8995995F5599}"/>
+              </a:ext>
+            </a:extLst>
+          </p:cNvPr>
+          <p:cNvSpPr txBox="1"/>
+          <p:nvPr/>
+        </p:nvSpPr>
+        <p:spPr>
+          <a:xfrm>
+            <a:off x="359756" y="2116196"/>
+            <a:ext cx="2220416" cy="646331"/>
+          </a:xfrm>
+          <a:prstGeom prst="rect">
+            <a:avLst/>
+          </a:prstGeom>
+          <a:noFill/>
+        </p:spPr>
+        <p:txBody>
+          <a:bodyPr wrap="none" rtlCol="0">
+            <a:spAutoFit/>
+          </a:bodyPr>
+          <a:lstStyle/>
+          <a:p>
+            <a:r>
+              <a:rPr lang="en-US" dirty="0"/>
+              <a:t>Remote Branch: Main</a:t>
+            </a:r>
+          </a:p>
+          <a:p>
+            <a:r>
+              <a:rPr lang="en-US" dirty="0"/>
+              <a:t>(</a:t>
+            </a:r>
+            <a:r>
+              <a:rPr lang="en-US" dirty="0" err="1"/>
+              <a:t>github</a:t>
+            </a:r>
+            <a:r>
+              <a:rPr lang="en-US" dirty="0"/>
+              <a:t>)</a:t>
+            </a:r>
+          </a:p>
+        </p:txBody>
+      </p:sp>
+      <p:sp>
+        <p:nvSpPr>
+          <p:cNvPr id="20" name="TextBox 19">
+            <a:extLst>
+              <a:ext uri="{FF2B5EF4-FFF2-40B4-BE49-F238E27FC236}">
+                <a16:creationId xmlns:a16="http://schemas.microsoft.com/office/drawing/2014/main" id="{5E6AEBD4-3EAE-423F-AD74-41374669FA0B}"/>
+              </a:ext>
+            </a:extLst>
+          </p:cNvPr>
+          <p:cNvSpPr txBox="1"/>
+          <p:nvPr/>
+        </p:nvSpPr>
+        <p:spPr>
+          <a:xfrm>
+            <a:off x="766497" y="5033404"/>
+            <a:ext cx="1966949" cy="646331"/>
+          </a:xfrm>
+          <a:prstGeom prst="rect">
+            <a:avLst/>
+          </a:prstGeom>
+          <a:noFill/>
+        </p:spPr>
+        <p:txBody>
+          <a:bodyPr wrap="none" rtlCol="0">
+            <a:spAutoFit/>
+          </a:bodyPr>
+          <a:lstStyle/>
+          <a:p>
+            <a:r>
+              <a:rPr lang="en-US" dirty="0"/>
+              <a:t>Local Branch: Main</a:t>
+            </a:r>
+          </a:p>
+          <a:p>
+            <a:r>
+              <a:rPr lang="en-US" dirty="0"/>
+              <a:t>(git)</a:t>
+            </a:r>
+          </a:p>
+        </p:txBody>
+      </p:sp>
+      <p:sp>
+        <p:nvSpPr>
+          <p:cNvPr id="21" name="TextBox 20">
+            <a:extLst>
+              <a:ext uri="{FF2B5EF4-FFF2-40B4-BE49-F238E27FC236}">
+                <a16:creationId xmlns:a16="http://schemas.microsoft.com/office/drawing/2014/main" id="{7CD13215-08C7-56F9-3D72-2E33F205627B}"/>
+              </a:ext>
+            </a:extLst>
+          </p:cNvPr>
+          <p:cNvSpPr txBox="1"/>
+          <p:nvPr/>
+        </p:nvSpPr>
+        <p:spPr>
+          <a:xfrm>
+            <a:off x="3906657" y="1537034"/>
+            <a:ext cx="2763834" cy="369332"/>
+          </a:xfrm>
+          <a:prstGeom prst="rect">
+            <a:avLst/>
+          </a:prstGeom>
+          <a:noFill/>
+        </p:spPr>
+        <p:txBody>
+          <a:bodyPr wrap="none" rtlCol="0">
+            <a:spAutoFit/>
+          </a:bodyPr>
+          <a:lstStyle/>
+          <a:p>
+            <a:r>
+              <a:rPr lang="en-US" dirty="0"/>
+              <a:t>Full Directory/File structure</a:t>
+            </a:r>
+          </a:p>
+        </p:txBody>
+      </p:sp>
+      <p:sp>
+        <p:nvSpPr>
+          <p:cNvPr id="28" name="TextBox 27">
+            <a:extLst>
+              <a:ext uri="{FF2B5EF4-FFF2-40B4-BE49-F238E27FC236}">
+                <a16:creationId xmlns:a16="http://schemas.microsoft.com/office/drawing/2014/main" id="{4A13DF7E-446E-24B0-8B97-7711ADB1AF45}"/>
+              </a:ext>
+            </a:extLst>
+          </p:cNvPr>
+          <p:cNvSpPr txBox="1"/>
+          <p:nvPr/>
+        </p:nvSpPr>
+        <p:spPr>
+          <a:xfrm>
+            <a:off x="4450143" y="2938293"/>
+            <a:ext cx="1529265" cy="923330"/>
+          </a:xfrm>
+          <a:prstGeom prst="rect">
+            <a:avLst/>
+          </a:prstGeom>
+          <a:noFill/>
+        </p:spPr>
+        <p:txBody>
+          <a:bodyPr wrap="none" rtlCol="0">
+            <a:spAutoFit/>
+          </a:bodyPr>
+          <a:lstStyle/>
+          <a:p>
+            <a:r>
+              <a:rPr lang="en-US" dirty="0"/>
+              <a:t>You make</a:t>
+            </a:r>
+          </a:p>
+          <a:p>
+            <a:r>
+              <a:rPr lang="en-US" dirty="0"/>
+              <a:t>Some changes</a:t>
+            </a:r>
+          </a:p>
+          <a:p>
+            <a:r>
+              <a:rPr lang="en-US" dirty="0"/>
+              <a:t>locally</a:t>
+            </a:r>
+          </a:p>
+        </p:txBody>
+      </p:sp>
+      <p:sp>
+        <p:nvSpPr>
+          <p:cNvPr id="29" name="TextBox 28">
+            <a:extLst>
+              <a:ext uri="{FF2B5EF4-FFF2-40B4-BE49-F238E27FC236}">
+                <a16:creationId xmlns:a16="http://schemas.microsoft.com/office/drawing/2014/main" id="{A0EBA75D-16E1-152F-892F-2E60ABC0ADA6}"/>
+              </a:ext>
+            </a:extLst>
+          </p:cNvPr>
+          <p:cNvSpPr txBox="1"/>
+          <p:nvPr/>
+        </p:nvSpPr>
+        <p:spPr>
+          <a:xfrm>
+            <a:off x="4233798" y="5171904"/>
+            <a:ext cx="1054776" cy="369332"/>
+          </a:xfrm>
+          <a:prstGeom prst="rect">
+            <a:avLst/>
+          </a:prstGeom>
+          <a:noFill/>
+        </p:spPr>
+        <p:txBody>
+          <a:bodyPr wrap="none" rtlCol="0">
+            <a:spAutoFit/>
+          </a:bodyPr>
+          <a:lstStyle/>
+          <a:p>
+            <a:r>
+              <a:rPr lang="en-US" dirty="0"/>
+              <a:t>Change 3</a:t>
+            </a:r>
+          </a:p>
+        </p:txBody>
+      </p:sp>
+      <p:sp>
+        <p:nvSpPr>
+          <p:cNvPr id="32" name="TextBox 31">
+            <a:extLst>
+              <a:ext uri="{FF2B5EF4-FFF2-40B4-BE49-F238E27FC236}">
+                <a16:creationId xmlns:a16="http://schemas.microsoft.com/office/drawing/2014/main" id="{3E87B143-75C7-8BAB-94D2-4F524E470A94}"/>
+              </a:ext>
+            </a:extLst>
+          </p:cNvPr>
+          <p:cNvSpPr txBox="1"/>
+          <p:nvPr/>
+        </p:nvSpPr>
+        <p:spPr>
+          <a:xfrm>
+            <a:off x="5568612" y="5180646"/>
+            <a:ext cx="1054776" cy="369332"/>
+          </a:xfrm>
+          <a:prstGeom prst="rect">
+            <a:avLst/>
+          </a:prstGeom>
+          <a:noFill/>
+        </p:spPr>
+        <p:txBody>
+          <a:bodyPr wrap="none" rtlCol="0">
+            <a:spAutoFit/>
+          </a:bodyPr>
+          <a:lstStyle/>
+          <a:p>
+            <a:r>
+              <a:rPr lang="en-US" dirty="0"/>
+              <a:t>Change 4</a:t>
+            </a:r>
+          </a:p>
+        </p:txBody>
+      </p:sp>
+      <p:sp>
+        <p:nvSpPr>
+          <p:cNvPr id="33" name="TextBox 32">
+            <a:extLst>
+              <a:ext uri="{FF2B5EF4-FFF2-40B4-BE49-F238E27FC236}">
+                <a16:creationId xmlns:a16="http://schemas.microsoft.com/office/drawing/2014/main" id="{D2191F57-0FAE-365E-3AAB-568962689329}"/>
+              </a:ext>
+            </a:extLst>
+          </p:cNvPr>
+          <p:cNvSpPr txBox="1"/>
+          <p:nvPr/>
+        </p:nvSpPr>
+        <p:spPr>
+          <a:xfrm>
+            <a:off x="7928954" y="4240226"/>
+            <a:ext cx="2045753" cy="369332"/>
+          </a:xfrm>
+          <a:prstGeom prst="rect">
+            <a:avLst/>
+          </a:prstGeom>
+          <a:noFill/>
+        </p:spPr>
+        <p:txBody>
+          <a:bodyPr wrap="none" rtlCol="0">
+            <a:spAutoFit/>
+          </a:bodyPr>
+          <a:lstStyle/>
+          <a:p>
+            <a:r>
+              <a:rPr lang="en-US" dirty="0"/>
+              <a:t>git push origin main</a:t>
+            </a:r>
+          </a:p>
+        </p:txBody>
+      </p:sp>
+      <p:sp>
+        <p:nvSpPr>
+          <p:cNvPr id="34" name="TextBox 33">
+            <a:extLst>
+              <a:ext uri="{FF2B5EF4-FFF2-40B4-BE49-F238E27FC236}">
+                <a16:creationId xmlns:a16="http://schemas.microsoft.com/office/drawing/2014/main" id="{4CE63987-A098-EF50-5A4E-268D5F4B1F7C}"/>
+              </a:ext>
+            </a:extLst>
+          </p:cNvPr>
+          <p:cNvSpPr txBox="1"/>
+          <p:nvPr/>
+        </p:nvSpPr>
+        <p:spPr>
+          <a:xfrm>
+            <a:off x="8729419" y="2690336"/>
+            <a:ext cx="1054776" cy="369332"/>
+          </a:xfrm>
+          <a:prstGeom prst="rect">
+            <a:avLst/>
+          </a:prstGeom>
+          <a:noFill/>
+        </p:spPr>
+        <p:txBody>
+          <a:bodyPr wrap="none" rtlCol="0">
+            <a:spAutoFit/>
+          </a:bodyPr>
+          <a:lstStyle/>
+          <a:p>
+            <a:r>
+              <a:rPr lang="en-US" dirty="0"/>
+              <a:t>Change 1</a:t>
+            </a:r>
+          </a:p>
+        </p:txBody>
+      </p:sp>
+      <p:sp>
+        <p:nvSpPr>
+          <p:cNvPr id="35" name="TextBox 34">
+            <a:extLst>
+              <a:ext uri="{FF2B5EF4-FFF2-40B4-BE49-F238E27FC236}">
+                <a16:creationId xmlns:a16="http://schemas.microsoft.com/office/drawing/2014/main" id="{D29E9D67-3AF4-4D68-0E25-EA7AD86B0A03}"/>
+              </a:ext>
+            </a:extLst>
+          </p:cNvPr>
+          <p:cNvSpPr txBox="1"/>
+          <p:nvPr/>
+        </p:nvSpPr>
+        <p:spPr>
+          <a:xfrm>
+            <a:off x="9898812" y="2690336"/>
+            <a:ext cx="1054776" cy="369332"/>
+          </a:xfrm>
+          <a:prstGeom prst="rect">
+            <a:avLst/>
+          </a:prstGeom>
+          <a:noFill/>
+        </p:spPr>
+        <p:txBody>
+          <a:bodyPr wrap="none" rtlCol="0">
+            <a:spAutoFit/>
+          </a:bodyPr>
+          <a:lstStyle/>
+          <a:p>
+            <a:r>
+              <a:rPr lang="en-US" dirty="0"/>
+              <a:t>Change 2</a:t>
+            </a:r>
+          </a:p>
+        </p:txBody>
+      </p:sp>
+      <p:sp>
+        <p:nvSpPr>
+          <p:cNvPr id="36" name="TextBox 35">
+            <a:extLst>
+              <a:ext uri="{FF2B5EF4-FFF2-40B4-BE49-F238E27FC236}">
+                <a16:creationId xmlns:a16="http://schemas.microsoft.com/office/drawing/2014/main" id="{15D75E0B-E10D-7A8E-0701-C2A09D083676}"/>
+              </a:ext>
+            </a:extLst>
+          </p:cNvPr>
+          <p:cNvSpPr txBox="1"/>
+          <p:nvPr/>
+        </p:nvSpPr>
+        <p:spPr>
+          <a:xfrm>
+            <a:off x="8729419" y="3059668"/>
+            <a:ext cx="1054776" cy="369332"/>
+          </a:xfrm>
+          <a:prstGeom prst="rect">
+            <a:avLst/>
+          </a:prstGeom>
+          <a:noFill/>
+        </p:spPr>
+        <p:txBody>
+          <a:bodyPr wrap="none" rtlCol="0">
+            <a:spAutoFit/>
+          </a:bodyPr>
+          <a:lstStyle/>
+          <a:p>
+            <a:r>
+              <a:rPr lang="en-US" dirty="0"/>
+              <a:t>Change 3</a:t>
+            </a:r>
+          </a:p>
+        </p:txBody>
+      </p:sp>
+      <p:sp>
+        <p:nvSpPr>
+          <p:cNvPr id="37" name="TextBox 36">
+            <a:extLst>
+              <a:ext uri="{FF2B5EF4-FFF2-40B4-BE49-F238E27FC236}">
+                <a16:creationId xmlns:a16="http://schemas.microsoft.com/office/drawing/2014/main" id="{7D02E2DB-F979-068C-E4CB-979E69CDACF4}"/>
+              </a:ext>
+            </a:extLst>
+          </p:cNvPr>
+          <p:cNvSpPr txBox="1"/>
+          <p:nvPr/>
+        </p:nvSpPr>
+        <p:spPr>
+          <a:xfrm>
+            <a:off x="9910908" y="3059668"/>
+            <a:ext cx="1054776" cy="369332"/>
+          </a:xfrm>
+          <a:prstGeom prst="rect">
+            <a:avLst/>
+          </a:prstGeom>
+          <a:noFill/>
+        </p:spPr>
+        <p:txBody>
+          <a:bodyPr wrap="none" rtlCol="0">
+            <a:spAutoFit/>
+          </a:bodyPr>
+          <a:lstStyle/>
+          <a:p>
+            <a:r>
+              <a:rPr lang="en-US" dirty="0"/>
+              <a:t>Change 4</a:t>
+            </a:r>
+          </a:p>
+        </p:txBody>
+      </p:sp>
+      <p:sp>
+        <p:nvSpPr>
+          <p:cNvPr id="38" name="TextBox 37">
+            <a:extLst>
+              <a:ext uri="{FF2B5EF4-FFF2-40B4-BE49-F238E27FC236}">
+                <a16:creationId xmlns:a16="http://schemas.microsoft.com/office/drawing/2014/main" id="{7172F404-53B9-D216-5191-D167003BF897}"/>
+              </a:ext>
+            </a:extLst>
+          </p:cNvPr>
+          <p:cNvSpPr txBox="1"/>
+          <p:nvPr/>
+        </p:nvSpPr>
+        <p:spPr>
+          <a:xfrm>
+            <a:off x="137357" y="2970215"/>
+            <a:ext cx="1054776" cy="369332"/>
+          </a:xfrm>
+          <a:prstGeom prst="rect">
+            <a:avLst/>
+          </a:prstGeom>
+          <a:noFill/>
+        </p:spPr>
+        <p:txBody>
+          <a:bodyPr wrap="none" rtlCol="0">
+            <a:spAutoFit/>
+          </a:bodyPr>
+          <a:lstStyle/>
+          <a:p>
+            <a:r>
+              <a:rPr lang="en-US" dirty="0"/>
+              <a:t>Change 1</a:t>
+            </a:r>
+          </a:p>
+        </p:txBody>
+      </p:sp>
+      <p:sp>
+        <p:nvSpPr>
+          <p:cNvPr id="39" name="TextBox 38">
+            <a:extLst>
+              <a:ext uri="{FF2B5EF4-FFF2-40B4-BE49-F238E27FC236}">
+                <a16:creationId xmlns:a16="http://schemas.microsoft.com/office/drawing/2014/main" id="{33824D29-BF64-426C-C023-2D3936994C2C}"/>
+              </a:ext>
+            </a:extLst>
+          </p:cNvPr>
+          <p:cNvSpPr txBox="1"/>
+          <p:nvPr/>
+        </p:nvSpPr>
+        <p:spPr>
+          <a:xfrm>
+            <a:off x="1306750" y="2970215"/>
+            <a:ext cx="1054776" cy="369332"/>
+          </a:xfrm>
+          <a:prstGeom prst="rect">
+            <a:avLst/>
+          </a:prstGeom>
+          <a:noFill/>
+        </p:spPr>
+        <p:txBody>
+          <a:bodyPr wrap="none" rtlCol="0">
+            <a:spAutoFit/>
+          </a:bodyPr>
+          <a:lstStyle/>
+          <a:p>
+            <a:r>
+              <a:rPr lang="en-US" dirty="0"/>
+              <a:t>Change 2</a:t>
+            </a:r>
+          </a:p>
+        </p:txBody>
+      </p:sp>
+    </p:spTree>
+    <p:extLst>
+      <p:ext uri="{BB962C8B-B14F-4D97-AF65-F5344CB8AC3E}">
+        <p14:creationId xmlns:p14="http://schemas.microsoft.com/office/powerpoint/2010/main" val="4222346509"/>
+      </p:ext>
+    </p:extLst>
+  </p:cSld>
+  <p:clrMapOvr>
+    <a:masterClrMapping/>
+  </p:clrMapOvr>
+  <p:timing>
+    <p:tnLst>
+      <p:par>
+        <p:cTn id="1" dur="indefinite" restart="never" nodeType="tmRoot">
+          <p:childTnLst>
+            <p:seq concurrent="1" nextAc="seek">
+              <p:cTn id="2" dur="indefinite" nodeType="mainSeq">
+                <p:childTnLst>
+                  <p:par>
+                    <p:cTn id="3" fill="hold">
+                      <p:stCondLst>
+                        <p:cond delay="indefinite"/>
+                      </p:stCondLst>
+                      <p:childTnLst>
+                        <p:par>
+                          <p:cTn id="4" fill="hold">
+                            <p:stCondLst>
+                              <p:cond delay="0"/>
+                            </p:stCondLst>
+                            <p:childTnLst>
+                              <p:par>
+                                <p:cTn id="5" presetID="2" presetClass="entr" presetSubtype="8" fill="hold" grpId="0" nodeType="clickEffect">
+                                  <p:stCondLst>
+                                    <p:cond delay="0"/>
+                                  </p:stCondLst>
+                                  <p:childTnLst>
+                                    <p:set>
+                                      <p:cBhvr>
+                                        <p:cTn id="6" dur="1" fill="hold">
+                                          <p:stCondLst>
+                                            <p:cond delay="0"/>
+                                          </p:stCondLst>
+                                        </p:cTn>
+                                        <p:tgtEl>
+                                          <p:spTgt spid="18"/>
+                                        </p:tgtEl>
+                                        <p:attrNameLst>
+                                          <p:attrName>style.visibility</p:attrName>
+                                        </p:attrNameLst>
+                                      </p:cBhvr>
+                                      <p:to>
+                                        <p:strVal val="visible"/>
+                                      </p:to>
+                                    </p:set>
+                                    <p:anim calcmode="lin" valueType="num">
+                                      <p:cBhvr additive="base">
+                                        <p:cTn id="7" dur="1000" fill="hold"/>
+                                        <p:tgtEl>
+                                          <p:spTgt spid="18"/>
+                                        </p:tgtEl>
+                                        <p:attrNameLst>
+                                          <p:attrName>ppt_x</p:attrName>
+                                        </p:attrNameLst>
+                                      </p:cBhvr>
+                                      <p:tavLst>
+                                        <p:tav tm="0">
+                                          <p:val>
+                                            <p:strVal val="0-#ppt_w/2"/>
+                                          </p:val>
+                                        </p:tav>
+                                        <p:tav tm="100000">
+                                          <p:val>
+                                            <p:strVal val="#ppt_x"/>
+                                          </p:val>
+                                        </p:tav>
+                                      </p:tavLst>
+                                    </p:anim>
+                                    <p:anim calcmode="lin" valueType="num">
+                                      <p:cBhvr additive="base">
+                                        <p:cTn id="8" dur="1000" fill="hold"/>
+                                        <p:tgtEl>
+                                          <p:spTgt spid="18"/>
+                                        </p:tgtEl>
+                                        <p:attrNameLst>
+                                          <p:attrName>ppt_y</p:attrName>
+                                        </p:attrNameLst>
+                                      </p:cBhvr>
+                                      <p:tavLst>
+                                        <p:tav tm="0">
+                                          <p:val>
+                                            <p:strVal val="#ppt_y"/>
+                                          </p:val>
+                                        </p:tav>
+                                        <p:tav tm="100000">
+                                          <p:val>
+                                            <p:strVal val="#ppt_y"/>
+                                          </p:val>
+                                        </p:tav>
+                                      </p:tavLst>
+                                    </p:anim>
+                                  </p:childTnLst>
+                                </p:cTn>
+                              </p:par>
+                              <p:par>
+                                <p:cTn id="9" presetID="22" presetClass="entr" presetSubtype="8" fill="hold" nodeType="withEffect">
+                                  <p:stCondLst>
+                                    <p:cond delay="0"/>
+                                  </p:stCondLst>
+                                  <p:childTnLst>
+                                    <p:set>
+                                      <p:cBhvr>
+                                        <p:cTn id="10" dur="1" fill="hold">
+                                          <p:stCondLst>
+                                            <p:cond delay="0"/>
+                                          </p:stCondLst>
+                                        </p:cTn>
+                                        <p:tgtEl>
+                                          <p:spTgt spid="5"/>
+                                        </p:tgtEl>
+                                        <p:attrNameLst>
+                                          <p:attrName>style.visibility</p:attrName>
+                                        </p:attrNameLst>
+                                      </p:cBhvr>
+                                      <p:to>
+                                        <p:strVal val="visible"/>
+                                      </p:to>
+                                    </p:set>
+                                    <p:animEffect transition="in" filter="wipe(left)">
+                                      <p:cBhvr>
+                                        <p:cTn id="11" dur="1000"/>
+                                        <p:tgtEl>
+                                          <p:spTgt spid="5"/>
+                                        </p:tgtEl>
+                                      </p:cBhvr>
+                                    </p:animEffect>
+                                  </p:childTnLst>
+                                </p:cTn>
+                              </p:par>
+                            </p:childTnLst>
+                          </p:cTn>
+                        </p:par>
+                      </p:childTnLst>
+                    </p:cTn>
+                  </p:par>
+                  <p:par>
+                    <p:cTn id="12" fill="hold">
+                      <p:stCondLst>
+                        <p:cond delay="indefinite"/>
+                      </p:stCondLst>
+                      <p:childTnLst>
+                        <p:par>
+                          <p:cTn id="13" fill="hold">
+                            <p:stCondLst>
+                              <p:cond delay="0"/>
+                            </p:stCondLst>
+                            <p:childTnLst>
+                              <p:par>
+                                <p:cTn id="14" presetID="8" presetClass="emph" presetSubtype="0" fill="hold" grpId="1" nodeType="clickEffect">
+                                  <p:stCondLst>
+                                    <p:cond delay="0"/>
+                                  </p:stCondLst>
+                                  <p:childTnLst>
+                                    <p:animRot by="2700000">
+                                      <p:cBhvr>
+                                        <p:cTn id="15" dur="500" fill="hold"/>
+                                        <p:tgtEl>
+                                          <p:spTgt spid="18"/>
+                                        </p:tgtEl>
+                                        <p:attrNameLst>
+                                          <p:attrName>r</p:attrName>
+                                        </p:attrNameLst>
+                                      </p:cBhvr>
+                                    </p:animRot>
+                                  </p:childTnLst>
+                                </p:cTn>
+                              </p:par>
+                              <p:par>
+                                <p:cTn id="16" presetID="9" presetClass="entr" presetSubtype="0" fill="hold" grpId="0" nodeType="withEffect">
+                                  <p:stCondLst>
+                                    <p:cond delay="0"/>
+                                  </p:stCondLst>
+                                  <p:childTnLst>
+                                    <p:set>
+                                      <p:cBhvr>
+                                        <p:cTn id="17" dur="1" fill="hold">
+                                          <p:stCondLst>
+                                            <p:cond delay="0"/>
+                                          </p:stCondLst>
+                                        </p:cTn>
+                                        <p:tgtEl>
+                                          <p:spTgt spid="38"/>
+                                        </p:tgtEl>
+                                        <p:attrNameLst>
+                                          <p:attrName>style.visibility</p:attrName>
+                                        </p:attrNameLst>
+                                      </p:cBhvr>
+                                      <p:to>
+                                        <p:strVal val="visible"/>
+                                      </p:to>
+                                    </p:set>
+                                    <p:animEffect transition="in" filter="dissolve">
+                                      <p:cBhvr>
+                                        <p:cTn id="18" dur="500"/>
+                                        <p:tgtEl>
+                                          <p:spTgt spid="38"/>
+                                        </p:tgtEl>
+                                      </p:cBhvr>
+                                    </p:animEffect>
+                                  </p:childTnLst>
+                                </p:cTn>
+                              </p:par>
+                              <p:par>
+                                <p:cTn id="19" presetID="9" presetClass="entr" presetSubtype="0" fill="hold" grpId="0" nodeType="withEffect">
+                                  <p:stCondLst>
+                                    <p:cond delay="0"/>
+                                  </p:stCondLst>
+                                  <p:childTnLst>
+                                    <p:set>
+                                      <p:cBhvr>
+                                        <p:cTn id="20" dur="1" fill="hold">
+                                          <p:stCondLst>
+                                            <p:cond delay="0"/>
+                                          </p:stCondLst>
+                                        </p:cTn>
+                                        <p:tgtEl>
+                                          <p:spTgt spid="39"/>
+                                        </p:tgtEl>
+                                        <p:attrNameLst>
+                                          <p:attrName>style.visibility</p:attrName>
+                                        </p:attrNameLst>
+                                      </p:cBhvr>
+                                      <p:to>
+                                        <p:strVal val="visible"/>
+                                      </p:to>
+                                    </p:set>
+                                    <p:animEffect transition="in" filter="dissolve">
+                                      <p:cBhvr>
+                                        <p:cTn id="21" dur="500"/>
+                                        <p:tgtEl>
+                                          <p:spTgt spid="39"/>
+                                        </p:tgtEl>
+                                      </p:cBhvr>
+                                    </p:animEffect>
+                                  </p:childTnLst>
+                                </p:cTn>
+                              </p:par>
+                            </p:childTnLst>
+                          </p:cTn>
+                        </p:par>
+                        <p:par>
+                          <p:cTn id="22" fill="hold">
+                            <p:stCondLst>
+                              <p:cond delay="500"/>
+                            </p:stCondLst>
+                            <p:childTnLst>
+                              <p:par>
+                                <p:cTn id="23" presetID="2" presetClass="entr" presetSubtype="1" fill="hold" grpId="0" nodeType="afterEffect">
+                                  <p:stCondLst>
+                                    <p:cond delay="0"/>
+                                  </p:stCondLst>
+                                  <p:childTnLst>
+                                    <p:set>
+                                      <p:cBhvr>
+                                        <p:cTn id="24" dur="1" fill="hold">
+                                          <p:stCondLst>
+                                            <p:cond delay="0"/>
+                                          </p:stCondLst>
+                                        </p:cTn>
+                                        <p:tgtEl>
+                                          <p:spTgt spid="28"/>
+                                        </p:tgtEl>
+                                        <p:attrNameLst>
+                                          <p:attrName>style.visibility</p:attrName>
+                                        </p:attrNameLst>
+                                      </p:cBhvr>
+                                      <p:to>
+                                        <p:strVal val="visible"/>
+                                      </p:to>
+                                    </p:set>
+                                    <p:anim calcmode="lin" valueType="num">
+                                      <p:cBhvr additive="base">
+                                        <p:cTn id="25" dur="500" fill="hold"/>
+                                        <p:tgtEl>
+                                          <p:spTgt spid="28"/>
+                                        </p:tgtEl>
+                                        <p:attrNameLst>
+                                          <p:attrName>ppt_x</p:attrName>
+                                        </p:attrNameLst>
+                                      </p:cBhvr>
+                                      <p:tavLst>
+                                        <p:tav tm="0">
+                                          <p:val>
+                                            <p:strVal val="#ppt_x"/>
+                                          </p:val>
+                                        </p:tav>
+                                        <p:tav tm="100000">
+                                          <p:val>
+                                            <p:strVal val="#ppt_x"/>
+                                          </p:val>
+                                        </p:tav>
+                                      </p:tavLst>
+                                    </p:anim>
+                                    <p:anim calcmode="lin" valueType="num">
+                                      <p:cBhvr additive="base">
+                                        <p:cTn id="26" dur="500" fill="hold"/>
+                                        <p:tgtEl>
+                                          <p:spTgt spid="28"/>
+                                        </p:tgtEl>
+                                        <p:attrNameLst>
+                                          <p:attrName>ppt_y</p:attrName>
+                                        </p:attrNameLst>
+                                      </p:cBhvr>
+                                      <p:tavLst>
+                                        <p:tav tm="0">
+                                          <p:val>
+                                            <p:strVal val="0-#ppt_h/2"/>
+                                          </p:val>
+                                        </p:tav>
+                                        <p:tav tm="100000">
+                                          <p:val>
+                                            <p:strVal val="#ppt_y"/>
+                                          </p:val>
+                                        </p:tav>
+                                      </p:tavLst>
+                                    </p:anim>
+                                  </p:childTnLst>
+                                </p:cTn>
+                              </p:par>
+                              <p:par>
+                                <p:cTn id="27" presetID="9" presetClass="entr" presetSubtype="0" fill="hold" nodeType="withEffect">
+                                  <p:stCondLst>
+                                    <p:cond delay="0"/>
+                                  </p:stCondLst>
+                                  <p:childTnLst>
+                                    <p:set>
+                                      <p:cBhvr>
+                                        <p:cTn id="28" dur="1" fill="hold">
+                                          <p:stCondLst>
+                                            <p:cond delay="0"/>
+                                          </p:stCondLst>
+                                        </p:cTn>
+                                        <p:tgtEl>
+                                          <p:spTgt spid="9"/>
+                                        </p:tgtEl>
+                                        <p:attrNameLst>
+                                          <p:attrName>style.visibility</p:attrName>
+                                        </p:attrNameLst>
+                                      </p:cBhvr>
+                                      <p:to>
+                                        <p:strVal val="visible"/>
+                                      </p:to>
+                                    </p:set>
+                                    <p:animEffect transition="in" filter="dissolve">
+                                      <p:cBhvr>
+                                        <p:cTn id="29" dur="500"/>
+                                        <p:tgtEl>
+                                          <p:spTgt spid="9"/>
+                                        </p:tgtEl>
+                                      </p:cBhvr>
+                                    </p:animEffect>
+                                  </p:childTnLst>
+                                </p:cTn>
+                              </p:par>
+                              <p:par>
+                                <p:cTn id="30" presetID="9" presetClass="entr" presetSubtype="0" fill="hold" nodeType="withEffect">
+                                  <p:stCondLst>
+                                    <p:cond delay="0"/>
+                                  </p:stCondLst>
+                                  <p:childTnLst>
+                                    <p:set>
+                                      <p:cBhvr>
+                                        <p:cTn id="31" dur="1" fill="hold">
+                                          <p:stCondLst>
+                                            <p:cond delay="0"/>
+                                          </p:stCondLst>
+                                        </p:cTn>
+                                        <p:tgtEl>
+                                          <p:spTgt spid="10"/>
+                                        </p:tgtEl>
+                                        <p:attrNameLst>
+                                          <p:attrName>style.visibility</p:attrName>
+                                        </p:attrNameLst>
+                                      </p:cBhvr>
+                                      <p:to>
+                                        <p:strVal val="visible"/>
+                                      </p:to>
+                                    </p:set>
+                                    <p:animEffect transition="in" filter="dissolve">
+                                      <p:cBhvr>
+                                        <p:cTn id="32" dur="500"/>
+                                        <p:tgtEl>
+                                          <p:spTgt spid="10"/>
+                                        </p:tgtEl>
+                                      </p:cBhvr>
+                                    </p:animEffect>
+                                  </p:childTnLst>
+                                </p:cTn>
+                              </p:par>
+                            </p:childTnLst>
+                          </p:cTn>
+                        </p:par>
+                        <p:par>
+                          <p:cTn id="33" fill="hold">
+                            <p:stCondLst>
+                              <p:cond delay="1000"/>
+                            </p:stCondLst>
+                            <p:childTnLst>
+                              <p:par>
+                                <p:cTn id="34" presetID="42" presetClass="path" presetSubtype="0" accel="50000" decel="50000" fill="hold" grpId="3" nodeType="afterEffect">
+                                  <p:stCondLst>
+                                    <p:cond delay="0"/>
+                                  </p:stCondLst>
+                                  <p:childTnLst>
+                                    <p:animMotion origin="layout" path="M 3.33333E-6 -4.07407E-6 L 0.10052 0.18403 " pathEditMode="relative" rAng="0" ptsTypes="AA">
+                                      <p:cBhvr>
+                                        <p:cTn id="35" dur="1000" fill="hold"/>
+                                        <p:tgtEl>
+                                          <p:spTgt spid="18"/>
+                                        </p:tgtEl>
+                                        <p:attrNameLst>
+                                          <p:attrName>ppt_x</p:attrName>
+                                          <p:attrName>ppt_y</p:attrName>
+                                        </p:attrNameLst>
+                                      </p:cBhvr>
+                                      <p:rCtr x="5026" y="9051"/>
+                                    </p:animMotion>
+                                  </p:childTnLst>
+                                </p:cTn>
+                              </p:par>
+                              <p:par>
+                                <p:cTn id="36" presetID="9" presetClass="entr" presetSubtype="0" fill="hold" grpId="1" nodeType="withEffect">
+                                  <p:stCondLst>
+                                    <p:cond delay="0"/>
+                                  </p:stCondLst>
+                                  <p:childTnLst>
+                                    <p:set>
+                                      <p:cBhvr>
+                                        <p:cTn id="37" dur="1" fill="hold">
+                                          <p:stCondLst>
+                                            <p:cond delay="0"/>
+                                          </p:stCondLst>
+                                        </p:cTn>
+                                        <p:tgtEl>
+                                          <p:spTgt spid="29"/>
+                                        </p:tgtEl>
+                                        <p:attrNameLst>
+                                          <p:attrName>style.visibility</p:attrName>
+                                        </p:attrNameLst>
+                                      </p:cBhvr>
+                                      <p:to>
+                                        <p:strVal val="visible"/>
+                                      </p:to>
+                                    </p:set>
+                                    <p:animEffect transition="in" filter="dissolve">
+                                      <p:cBhvr>
+                                        <p:cTn id="38" dur="500"/>
+                                        <p:tgtEl>
+                                          <p:spTgt spid="29"/>
+                                        </p:tgtEl>
+                                      </p:cBhvr>
+                                    </p:animEffect>
+                                  </p:childTnLst>
+                                </p:cTn>
+                              </p:par>
+                            </p:childTnLst>
+                          </p:cTn>
+                        </p:par>
+                      </p:childTnLst>
+                    </p:cTn>
+                  </p:par>
+                  <p:par>
+                    <p:cTn id="39" fill="hold">
+                      <p:stCondLst>
+                        <p:cond delay="indefinite"/>
+                      </p:stCondLst>
+                      <p:childTnLst>
+                        <p:par>
+                          <p:cTn id="40" fill="hold">
+                            <p:stCondLst>
+                              <p:cond delay="0"/>
+                            </p:stCondLst>
+                            <p:childTnLst>
+                              <p:par>
+                                <p:cTn id="41" presetID="8" presetClass="emph" presetSubtype="0" fill="hold" grpId="2" nodeType="clickEffect">
+                                  <p:stCondLst>
+                                    <p:cond delay="0"/>
+                                  </p:stCondLst>
+                                  <p:childTnLst>
+                                    <p:animRot by="-2700000">
+                                      <p:cBhvr>
+                                        <p:cTn id="42" dur="500" fill="hold"/>
+                                        <p:tgtEl>
+                                          <p:spTgt spid="18"/>
+                                        </p:tgtEl>
+                                        <p:attrNameLst>
+                                          <p:attrName>r</p:attrName>
+                                        </p:attrNameLst>
+                                      </p:cBhvr>
+                                    </p:animRot>
+                                  </p:childTnLst>
+                                </p:cTn>
+                              </p:par>
+                              <p:par>
+                                <p:cTn id="43" presetID="9" presetClass="entr" presetSubtype="0" fill="hold" grpId="0" nodeType="withEffect">
+                                  <p:stCondLst>
+                                    <p:cond delay="0"/>
+                                  </p:stCondLst>
+                                  <p:childTnLst>
+                                    <p:set>
+                                      <p:cBhvr>
+                                        <p:cTn id="44" dur="1" fill="hold">
+                                          <p:stCondLst>
+                                            <p:cond delay="0"/>
+                                          </p:stCondLst>
+                                        </p:cTn>
+                                        <p:tgtEl>
+                                          <p:spTgt spid="32"/>
+                                        </p:tgtEl>
+                                        <p:attrNameLst>
+                                          <p:attrName>style.visibility</p:attrName>
+                                        </p:attrNameLst>
+                                      </p:cBhvr>
+                                      <p:to>
+                                        <p:strVal val="visible"/>
+                                      </p:to>
+                                    </p:set>
+                                    <p:animEffect transition="in" filter="dissolve">
+                                      <p:cBhvr>
+                                        <p:cTn id="45" dur="500"/>
+                                        <p:tgtEl>
+                                          <p:spTgt spid="32"/>
+                                        </p:tgtEl>
+                                      </p:cBhvr>
+                                    </p:animEffect>
+                                  </p:childTnLst>
+                                </p:cTn>
+                              </p:par>
+                            </p:childTnLst>
+                          </p:cTn>
+                        </p:par>
+                      </p:childTnLst>
+                    </p:cTn>
+                  </p:par>
+                  <p:par>
+                    <p:cTn id="46" fill="hold">
+                      <p:stCondLst>
+                        <p:cond delay="indefinite"/>
+                      </p:stCondLst>
+                      <p:childTnLst>
+                        <p:par>
+                          <p:cTn id="47" fill="hold">
+                            <p:stCondLst>
+                              <p:cond delay="0"/>
+                            </p:stCondLst>
+                            <p:childTnLst>
+                              <p:par>
+                                <p:cTn id="48" presetID="42" presetClass="path" presetSubtype="0" accel="50000" decel="50000" fill="hold" grpId="4" nodeType="clickEffect">
+                                  <p:stCondLst>
+                                    <p:cond delay="0"/>
+                                  </p:stCondLst>
+                                  <p:childTnLst>
+                                    <p:animMotion origin="layout" path="M 0.10052 0.18403 L 0.297 0.18704 " pathEditMode="relative" rAng="0" ptsTypes="AA">
+                                      <p:cBhvr>
+                                        <p:cTn id="49" dur="1000" fill="hold"/>
+                                        <p:tgtEl>
+                                          <p:spTgt spid="18"/>
+                                        </p:tgtEl>
+                                        <p:attrNameLst>
+                                          <p:attrName>ppt_x</p:attrName>
+                                          <p:attrName>ppt_y</p:attrName>
+                                        </p:attrNameLst>
+                                      </p:cBhvr>
+                                      <p:rCtr x="9818" y="139"/>
+                                    </p:animMotion>
+                                  </p:childTnLst>
+                                </p:cTn>
+                              </p:par>
+                            </p:childTnLst>
+                          </p:cTn>
+                        </p:par>
+                      </p:childTnLst>
+                    </p:cTn>
+                  </p:par>
+                  <p:par>
+                    <p:cTn id="50" fill="hold">
+                      <p:stCondLst>
+                        <p:cond delay="indefinite"/>
+                      </p:stCondLst>
+                      <p:childTnLst>
+                        <p:par>
+                          <p:cTn id="51" fill="hold">
+                            <p:stCondLst>
+                              <p:cond delay="0"/>
+                            </p:stCondLst>
+                            <p:childTnLst>
+                              <p:par>
+                                <p:cTn id="52" presetID="8" presetClass="emph" presetSubtype="0" fill="hold" grpId="5" nodeType="clickEffect">
+                                  <p:stCondLst>
+                                    <p:cond delay="0"/>
+                                  </p:stCondLst>
+                                  <p:childTnLst>
+                                    <p:animRot by="-2700000">
+                                      <p:cBhvr>
+                                        <p:cTn id="53" dur="500" fill="hold"/>
+                                        <p:tgtEl>
+                                          <p:spTgt spid="18"/>
+                                        </p:tgtEl>
+                                        <p:attrNameLst>
+                                          <p:attrName>r</p:attrName>
+                                        </p:attrNameLst>
+                                      </p:cBhvr>
+                                    </p:animRot>
+                                  </p:childTnLst>
+                                </p:cTn>
+                              </p:par>
+                              <p:par>
+                                <p:cTn id="54" presetID="9" presetClass="entr" presetSubtype="0" fill="hold" grpId="0" nodeType="withEffect">
+                                  <p:stCondLst>
+                                    <p:cond delay="0"/>
+                                  </p:stCondLst>
+                                  <p:childTnLst>
+                                    <p:set>
+                                      <p:cBhvr>
+                                        <p:cTn id="55" dur="1" fill="hold">
+                                          <p:stCondLst>
+                                            <p:cond delay="0"/>
+                                          </p:stCondLst>
+                                        </p:cTn>
+                                        <p:tgtEl>
+                                          <p:spTgt spid="33"/>
+                                        </p:tgtEl>
+                                        <p:attrNameLst>
+                                          <p:attrName>style.visibility</p:attrName>
+                                        </p:attrNameLst>
+                                      </p:cBhvr>
+                                      <p:to>
+                                        <p:strVal val="visible"/>
+                                      </p:to>
+                                    </p:set>
+                                    <p:animEffect transition="in" filter="dissolve">
+                                      <p:cBhvr>
+                                        <p:cTn id="56" dur="500"/>
+                                        <p:tgtEl>
+                                          <p:spTgt spid="33"/>
+                                        </p:tgtEl>
+                                      </p:cBhvr>
+                                    </p:animEffect>
+                                  </p:childTnLst>
+                                </p:cTn>
+                              </p:par>
+                            </p:childTnLst>
+                          </p:cTn>
+                        </p:par>
+                      </p:childTnLst>
+                    </p:cTn>
+                  </p:par>
+                  <p:par>
+                    <p:cTn id="57" fill="hold">
+                      <p:stCondLst>
+                        <p:cond delay="indefinite"/>
+                      </p:stCondLst>
+                      <p:childTnLst>
+                        <p:par>
+                          <p:cTn id="58" fill="hold">
+                            <p:stCondLst>
+                              <p:cond delay="0"/>
+                            </p:stCondLst>
+                            <p:childTnLst>
+                              <p:par>
+                                <p:cTn id="59" presetID="9" presetClass="entr" presetSubtype="0" fill="hold" nodeType="clickEffect">
+                                  <p:stCondLst>
+                                    <p:cond delay="0"/>
+                                  </p:stCondLst>
+                                  <p:childTnLst>
+                                    <p:set>
+                                      <p:cBhvr>
+                                        <p:cTn id="60" dur="1" fill="hold">
+                                          <p:stCondLst>
+                                            <p:cond delay="0"/>
+                                          </p:stCondLst>
+                                        </p:cTn>
+                                        <p:tgtEl>
+                                          <p:spTgt spid="12"/>
+                                        </p:tgtEl>
+                                        <p:attrNameLst>
+                                          <p:attrName>style.visibility</p:attrName>
+                                        </p:attrNameLst>
+                                      </p:cBhvr>
+                                      <p:to>
+                                        <p:strVal val="visible"/>
+                                      </p:to>
+                                    </p:set>
+                                    <p:animEffect transition="in" filter="dissolve">
+                                      <p:cBhvr>
+                                        <p:cTn id="61" dur="500"/>
+                                        <p:tgtEl>
+                                          <p:spTgt spid="12"/>
+                                        </p:tgtEl>
+                                      </p:cBhvr>
+                                    </p:animEffect>
+                                  </p:childTnLst>
+                                </p:cTn>
+                              </p:par>
+                            </p:childTnLst>
+                          </p:cTn>
+                        </p:par>
+                      </p:childTnLst>
+                    </p:cTn>
+                  </p:par>
+                  <p:par>
+                    <p:cTn id="62" fill="hold">
+                      <p:stCondLst>
+                        <p:cond delay="indefinite"/>
+                      </p:stCondLst>
+                      <p:childTnLst>
+                        <p:par>
+                          <p:cTn id="63" fill="hold">
+                            <p:stCondLst>
+                              <p:cond delay="0"/>
+                            </p:stCondLst>
+                            <p:childTnLst>
+                              <p:par>
+                                <p:cTn id="64" presetID="42" presetClass="path" presetSubtype="0" accel="50000" decel="50000" fill="hold" grpId="6" nodeType="clickEffect">
+                                  <p:stCondLst>
+                                    <p:cond delay="0"/>
+                                  </p:stCondLst>
+                                  <p:childTnLst>
+                                    <p:animMotion origin="layout" path="M 0.297 0.18704 L 0.3875 -0.00138 " pathEditMode="relative" rAng="0" ptsTypes="AA">
+                                      <p:cBhvr>
+                                        <p:cTn id="65" dur="2000" fill="hold"/>
+                                        <p:tgtEl>
+                                          <p:spTgt spid="18"/>
+                                        </p:tgtEl>
+                                        <p:attrNameLst>
+                                          <p:attrName>ppt_x</p:attrName>
+                                          <p:attrName>ppt_y</p:attrName>
+                                        </p:attrNameLst>
+                                      </p:cBhvr>
+                                      <p:rCtr x="4518" y="-9421"/>
+                                    </p:animMotion>
+                                  </p:childTnLst>
+                                </p:cTn>
+                              </p:par>
+                            </p:childTnLst>
+                          </p:cTn>
+                        </p:par>
+                      </p:childTnLst>
+                    </p:cTn>
+                  </p:par>
+                  <p:par>
+                    <p:cTn id="66" fill="hold">
+                      <p:stCondLst>
+                        <p:cond delay="indefinite"/>
+                      </p:stCondLst>
+                      <p:childTnLst>
+                        <p:par>
+                          <p:cTn id="67" fill="hold">
+                            <p:stCondLst>
+                              <p:cond delay="0"/>
+                            </p:stCondLst>
+                            <p:childTnLst>
+                              <p:par>
+                                <p:cTn id="68" presetID="8" presetClass="emph" presetSubtype="0" fill="hold" grpId="7" nodeType="clickEffect">
+                                  <p:stCondLst>
+                                    <p:cond delay="0"/>
+                                  </p:stCondLst>
+                                  <p:childTnLst>
+                                    <p:animRot by="2700000">
+                                      <p:cBhvr>
+                                        <p:cTn id="69" dur="500" fill="hold"/>
+                                        <p:tgtEl>
+                                          <p:spTgt spid="18"/>
+                                        </p:tgtEl>
+                                        <p:attrNameLst>
+                                          <p:attrName>r</p:attrName>
+                                        </p:attrNameLst>
+                                      </p:cBhvr>
+                                    </p:animRot>
+                                  </p:childTnLst>
+                                </p:cTn>
+                              </p:par>
+                              <p:par>
+                                <p:cTn id="70" presetID="9" presetClass="entr" presetSubtype="0" fill="hold" grpId="0" nodeType="withEffect">
+                                  <p:stCondLst>
+                                    <p:cond delay="0"/>
+                                  </p:stCondLst>
+                                  <p:childTnLst>
+                                    <p:set>
+                                      <p:cBhvr>
+                                        <p:cTn id="71" dur="1" fill="hold">
+                                          <p:stCondLst>
+                                            <p:cond delay="0"/>
+                                          </p:stCondLst>
+                                        </p:cTn>
+                                        <p:tgtEl>
+                                          <p:spTgt spid="34"/>
+                                        </p:tgtEl>
+                                        <p:attrNameLst>
+                                          <p:attrName>style.visibility</p:attrName>
+                                        </p:attrNameLst>
+                                      </p:cBhvr>
+                                      <p:to>
+                                        <p:strVal val="visible"/>
+                                      </p:to>
+                                    </p:set>
+                                    <p:animEffect transition="in" filter="dissolve">
+                                      <p:cBhvr>
+                                        <p:cTn id="72" dur="500"/>
+                                        <p:tgtEl>
+                                          <p:spTgt spid="34"/>
+                                        </p:tgtEl>
+                                      </p:cBhvr>
+                                    </p:animEffect>
+                                  </p:childTnLst>
+                                </p:cTn>
+                              </p:par>
+                              <p:par>
+                                <p:cTn id="73" presetID="9" presetClass="entr" presetSubtype="0" fill="hold" grpId="0" nodeType="withEffect">
+                                  <p:stCondLst>
+                                    <p:cond delay="0"/>
+                                  </p:stCondLst>
+                                  <p:childTnLst>
+                                    <p:set>
+                                      <p:cBhvr>
+                                        <p:cTn id="74" dur="1" fill="hold">
+                                          <p:stCondLst>
+                                            <p:cond delay="0"/>
+                                          </p:stCondLst>
+                                        </p:cTn>
+                                        <p:tgtEl>
+                                          <p:spTgt spid="35"/>
+                                        </p:tgtEl>
+                                        <p:attrNameLst>
+                                          <p:attrName>style.visibility</p:attrName>
+                                        </p:attrNameLst>
+                                      </p:cBhvr>
+                                      <p:to>
+                                        <p:strVal val="visible"/>
+                                      </p:to>
+                                    </p:set>
+                                    <p:animEffect transition="in" filter="dissolve">
+                                      <p:cBhvr>
+                                        <p:cTn id="75" dur="500"/>
+                                        <p:tgtEl>
+                                          <p:spTgt spid="35"/>
+                                        </p:tgtEl>
+                                      </p:cBhvr>
+                                    </p:animEffect>
+                                  </p:childTnLst>
+                                </p:cTn>
+                              </p:par>
+                              <p:par>
+                                <p:cTn id="76" presetID="9" presetClass="entr" presetSubtype="0" fill="hold" grpId="0" nodeType="withEffect">
+                                  <p:stCondLst>
+                                    <p:cond delay="0"/>
+                                  </p:stCondLst>
+                                  <p:childTnLst>
+                                    <p:set>
+                                      <p:cBhvr>
+                                        <p:cTn id="77" dur="1" fill="hold">
+                                          <p:stCondLst>
+                                            <p:cond delay="0"/>
+                                          </p:stCondLst>
+                                        </p:cTn>
+                                        <p:tgtEl>
+                                          <p:spTgt spid="36"/>
+                                        </p:tgtEl>
+                                        <p:attrNameLst>
+                                          <p:attrName>style.visibility</p:attrName>
+                                        </p:attrNameLst>
+                                      </p:cBhvr>
+                                      <p:to>
+                                        <p:strVal val="visible"/>
+                                      </p:to>
+                                    </p:set>
+                                    <p:animEffect transition="in" filter="dissolve">
+                                      <p:cBhvr>
+                                        <p:cTn id="78" dur="500"/>
+                                        <p:tgtEl>
+                                          <p:spTgt spid="36"/>
+                                        </p:tgtEl>
+                                      </p:cBhvr>
+                                    </p:animEffect>
+                                  </p:childTnLst>
+                                </p:cTn>
+                              </p:par>
+                              <p:par>
+                                <p:cTn id="79" presetID="9" presetClass="entr" presetSubtype="0" fill="hold" grpId="0" nodeType="withEffect">
+                                  <p:stCondLst>
+                                    <p:cond delay="0"/>
+                                  </p:stCondLst>
+                                  <p:childTnLst>
+                                    <p:set>
+                                      <p:cBhvr>
+                                        <p:cTn id="80" dur="1" fill="hold">
+                                          <p:stCondLst>
+                                            <p:cond delay="0"/>
+                                          </p:stCondLst>
+                                        </p:cTn>
+                                        <p:tgtEl>
+                                          <p:spTgt spid="37"/>
+                                        </p:tgtEl>
+                                        <p:attrNameLst>
+                                          <p:attrName>style.visibility</p:attrName>
+                                        </p:attrNameLst>
+                                      </p:cBhvr>
+                                      <p:to>
+                                        <p:strVal val="visible"/>
+                                      </p:to>
+                                    </p:set>
+                                    <p:animEffect transition="in" filter="dissolve">
+                                      <p:cBhvr>
+                                        <p:cTn id="81" dur="500"/>
+                                        <p:tgtEl>
+                                          <p:spTgt spid="37"/>
+                                        </p:tgtEl>
+                                      </p:cBhvr>
+                                    </p:animEffect>
+                                  </p:childTnLst>
+                                </p:cTn>
+                              </p:par>
+                            </p:childTnLst>
+                          </p:cTn>
+                        </p:par>
+                      </p:childTnLst>
+                    </p:cTn>
+                  </p:par>
+                  <p:par>
+                    <p:cTn id="82" fill="hold">
+                      <p:stCondLst>
+                        <p:cond delay="indefinite"/>
+                      </p:stCondLst>
+                      <p:childTnLst>
+                        <p:par>
+                          <p:cTn id="83" fill="hold">
+                            <p:stCondLst>
+                              <p:cond delay="0"/>
+                            </p:stCondLst>
+                            <p:childTnLst>
+                              <p:par>
+                                <p:cTn id="84" presetID="42" presetClass="path" presetSubtype="0" accel="50000" decel="50000" fill="hold" grpId="8" nodeType="clickEffect">
+                                  <p:stCondLst>
+                                    <p:cond delay="0"/>
+                                  </p:stCondLst>
+                                  <p:childTnLst>
+                                    <p:animMotion origin="layout" path="M 0.3875 -0.00138 L 0.68841 -0.00138 " pathEditMode="relative" rAng="0" ptsTypes="AA">
+                                      <p:cBhvr>
+                                        <p:cTn id="85" dur="2000" fill="hold"/>
+                                        <p:tgtEl>
+                                          <p:spTgt spid="18"/>
+                                        </p:tgtEl>
+                                        <p:attrNameLst>
+                                          <p:attrName>ppt_x</p:attrName>
+                                          <p:attrName>ppt_y</p:attrName>
+                                        </p:attrNameLst>
+                                      </p:cBhvr>
+                                      <p:rCtr x="15039" y="0"/>
+                                    </p:animMotion>
+                                  </p:childTnLst>
+                                </p:cTn>
+                              </p:par>
+                              <p:par>
+                                <p:cTn id="86" presetID="9" presetClass="entr" presetSubtype="0" fill="hold" nodeType="withEffect">
+                                  <p:stCondLst>
+                                    <p:cond delay="0"/>
+                                  </p:stCondLst>
+                                  <p:childTnLst>
+                                    <p:set>
+                                      <p:cBhvr>
+                                        <p:cTn id="87" dur="1" fill="hold">
+                                          <p:stCondLst>
+                                            <p:cond delay="0"/>
+                                          </p:stCondLst>
+                                        </p:cTn>
+                                        <p:tgtEl>
+                                          <p:spTgt spid="14"/>
+                                        </p:tgtEl>
+                                        <p:attrNameLst>
+                                          <p:attrName>style.visibility</p:attrName>
+                                        </p:attrNameLst>
+                                      </p:cBhvr>
+                                      <p:to>
+                                        <p:strVal val="visible"/>
+                                      </p:to>
+                                    </p:set>
+                                    <p:animEffect transition="in" filter="dissolve">
+                                      <p:cBhvr>
+                                        <p:cTn id="88" dur="1000"/>
+                                        <p:tgtEl>
+                                          <p:spTgt spid="14"/>
+                                        </p:tgtEl>
+                                      </p:cBhvr>
+                                    </p:animEffect>
+                                  </p:childTnLst>
+                                </p:cTn>
+                              </p:par>
+                            </p:childTnLst>
+                          </p:cTn>
+                        </p:par>
+                      </p:childTnLst>
+                    </p:cTn>
+                  </p:par>
+                </p:childTnLst>
+              </p:cTn>
+              <p:prevCondLst>
+                <p:cond evt="onPrev" delay="0">
+                  <p:tgtEl>
+                    <p:sldTgt/>
+                  </p:tgtEl>
+                </p:cond>
+              </p:prevCondLst>
+              <p:nextCondLst>
+                <p:cond evt="onNext" delay="0">
+                  <p:tgtEl>
+                    <p:sldTgt/>
+                  </p:tgtEl>
+                </p:cond>
+              </p:nextCondLst>
+            </p:seq>
+          </p:childTnLst>
+        </p:cTn>
+      </p:par>
+    </p:tnLst>
+    <p:bldLst>
+      <p:bldP spid="18" grpId="0" animBg="1"/>
+      <p:bldP spid="18" grpId="1" animBg="1"/>
+      <p:bldP spid="18" grpId="2" animBg="1"/>
+      <p:bldP spid="18" grpId="3" animBg="1"/>
+      <p:bldP spid="18" grpId="4" animBg="1"/>
+      <p:bldP spid="18" grpId="5" animBg="1"/>
+      <p:bldP spid="18" grpId="6" animBg="1"/>
+      <p:bldP spid="18" grpId="7" animBg="1"/>
+      <p:bldP spid="18" grpId="8" animBg="1"/>
+      <p:bldP spid="28" grpId="0"/>
+      <p:bldP spid="29" grpId="1"/>
+      <p:bldP spid="32" grpId="0"/>
+      <p:bldP spid="33" grpId="0"/>
+      <p:bldP spid="34" grpId="0"/>
+      <p:bldP spid="35" grpId="0"/>
+      <p:bldP spid="36" grpId="0"/>
+      <p:bldP spid="37" grpId="0"/>
+      <p:bldP spid="38" grpId="0"/>
+      <p:bldP spid="39" grpId="0"/>
+    </p:bldLst>
+  </p:timing>
+</p:sld>
+</file>
+
+<file path=ppt/slides/slide13.xml><?xml version="1.0" encoding="utf-8"?>
+<p:sld xmlns:a="http://schemas.openxmlformats.org/drawingml/2006/main" xmlns:r="http://schemas.openxmlformats.org/officeDocument/2006/relationships" xmlns:p="http://schemas.openxmlformats.org/presentationml/2006/main">
+  <p:cSld>
+    <p:spTree>
+      <p:nvGrpSpPr>
+        <p:cNvPr id="1" name=""/>
+        <p:cNvGrpSpPr/>
+        <p:nvPr/>
+      </p:nvGrpSpPr>
+      <p:grpSpPr>
+        <a:xfrm>
+          <a:off x="0" y="0"/>
+          <a:ext cx="0" cy="0"/>
+          <a:chOff x="0" y="0"/>
+          <a:chExt cx="0" cy="0"/>
+        </a:xfrm>
+      </p:grpSpPr>
+      <p:sp>
+        <p:nvSpPr>
+          <p:cNvPr id="2" name="Title 1">
+            <a:extLst>
+              <a:ext uri="{FF2B5EF4-FFF2-40B4-BE49-F238E27FC236}">
+                <a16:creationId xmlns:a16="http://schemas.microsoft.com/office/drawing/2014/main" id="{7F72B42D-97A1-DD68-BB84-922809072E3D}"/>
+              </a:ext>
+            </a:extLst>
+          </p:cNvPr>
+          <p:cNvSpPr>
+            <a:spLocks noGrp="1"/>
+          </p:cNvSpPr>
+          <p:nvPr>
+            <p:ph type="title"/>
+          </p:nvPr>
+        </p:nvSpPr>
+        <p:spPr>
+          <a:xfrm>
+            <a:off x="685801" y="609601"/>
+            <a:ext cx="10131425" cy="795454"/>
+          </a:xfrm>
+        </p:spPr>
+        <p:txBody>
+          <a:bodyPr/>
+          <a:lstStyle/>
+          <a:p>
+            <a:r>
+              <a:rPr lang="en-US" dirty="0"/>
+              <a:t>Git</a:t>
+            </a:r>
+          </a:p>
+        </p:txBody>
+      </p:sp>
       <p:sp>
         <p:nvSpPr>
           <p:cNvPr id="3" name="Content Placeholder 2">
@@ -7210,7 +9070,12 @@
             <p:ph idx="1"/>
           </p:nvPr>
         </p:nvSpPr>
-        <p:spPr/>
+        <p:spPr>
+          <a:xfrm>
+            <a:off x="685801" y="1906859"/>
+            <a:ext cx="10131425" cy="3884341"/>
+          </a:xfrm>
+        </p:spPr>
         <p:txBody>
           <a:bodyPr>
             <a:noAutofit/>
@@ -7219,15 +9084,151 @@
           <a:p>
             <a:r>
               <a:rPr lang="en-US" sz="2800" dirty="0"/>
-              <a:t>Switch to iPad screen – demo local/remote workflow</a:t>
-            </a:r>
-          </a:p>
-        </p:txBody>
-      </p:sp>
+              <a:t>Git is organized by 3 </a:t>
+            </a:r>
+            <a:r>
+              <a:rPr lang="en-US" sz="2800" dirty="0">
+                <a:highlight>
+                  <a:srgbClr val="00FF00"/>
+                </a:highlight>
+              </a:rPr>
+              <a:t>states</a:t>
+            </a:r>
+            <a:r>
+              <a:rPr lang="en-US" sz="2800" dirty="0"/>
+              <a:t> and 3 </a:t>
+            </a:r>
+            <a:r>
+              <a:rPr lang="en-US" sz="2800" dirty="0">
+                <a:highlight>
+                  <a:srgbClr val="00FF00"/>
+                </a:highlight>
+              </a:rPr>
+              <a:t>stages</a:t>
+            </a:r>
+          </a:p>
+          <a:p>
+            <a:r>
+              <a:rPr lang="en-US" sz="2800" dirty="0"/>
+              <a:t>The three </a:t>
+            </a:r>
+            <a:r>
+              <a:rPr lang="en-US" sz="2800" dirty="0">
+                <a:highlight>
+                  <a:srgbClr val="00FF00"/>
+                </a:highlight>
+              </a:rPr>
+              <a:t>stages</a:t>
+            </a:r>
+            <a:r>
+              <a:rPr lang="en-US" sz="2800" dirty="0"/>
+              <a:t> are:</a:t>
+            </a:r>
+          </a:p>
+          <a:p>
+            <a:pPr lvl="1"/>
+            <a:r>
+              <a:rPr lang="en-US" sz="2600" dirty="0"/>
+              <a:t>Repository (the .git directory)</a:t>
+            </a:r>
+          </a:p>
+          <a:p>
+            <a:pPr lvl="1"/>
+            <a:r>
+              <a:rPr lang="en-US" sz="2600" dirty="0"/>
+              <a:t>Working directory</a:t>
+            </a:r>
+          </a:p>
+          <a:p>
+            <a:pPr lvl="1"/>
+            <a:r>
+              <a:rPr lang="en-US" sz="2600" dirty="0"/>
+              <a:t>Staging area</a:t>
+            </a:r>
+          </a:p>
+          <a:p>
+            <a:r>
+              <a:rPr lang="en-US" sz="2800" dirty="0"/>
+              <a:t>The three </a:t>
+            </a:r>
+            <a:r>
+              <a:rPr lang="en-US" sz="2800" dirty="0">
+                <a:highlight>
+                  <a:srgbClr val="00FF00"/>
+                </a:highlight>
+              </a:rPr>
+              <a:t>states</a:t>
+            </a:r>
+            <a:r>
+              <a:rPr lang="en-US" sz="2800" dirty="0"/>
+              <a:t> are:</a:t>
+            </a:r>
+          </a:p>
+          <a:p>
+            <a:pPr lvl="1"/>
+            <a:r>
+              <a:rPr lang="en-US" sz="2600" dirty="0"/>
+              <a:t>Committed</a:t>
+            </a:r>
+          </a:p>
+          <a:p>
+            <a:pPr lvl="1"/>
+            <a:r>
+              <a:rPr lang="en-US" sz="2600" dirty="0"/>
+              <a:t>Modified</a:t>
+            </a:r>
+          </a:p>
+          <a:p>
+            <a:pPr lvl="1"/>
+            <a:r>
+              <a:rPr lang="en-US" sz="2600" dirty="0"/>
+              <a:t>Staged</a:t>
+            </a:r>
+          </a:p>
+        </p:txBody>
+      </p:sp>
+      <p:pic>
+        <p:nvPicPr>
+          <p:cNvPr id="8" name="Picture 2">
+            <a:extLst>
+              <a:ext uri="{FF2B5EF4-FFF2-40B4-BE49-F238E27FC236}">
+                <a16:creationId xmlns:a16="http://schemas.microsoft.com/office/drawing/2014/main" id="{83A32623-2EC5-A102-5334-58CB1DCE4CBF}"/>
+              </a:ext>
+            </a:extLst>
+          </p:cNvPr>
+          <p:cNvPicPr>
+            <a:picLocks noChangeAspect="1" noChangeArrowheads="1"/>
+          </p:cNvPicPr>
+          <p:nvPr/>
+        </p:nvPicPr>
+        <p:blipFill>
+          <a:blip r:embed="rId2"/>
+          <a:srcRect/>
+          <a:stretch>
+            <a:fillRect/>
+          </a:stretch>
+        </p:blipFill>
+        <p:spPr bwMode="auto">
+          <a:xfrm>
+            <a:off x="5537785" y="2065867"/>
+            <a:ext cx="6567537" cy="4323782"/>
+          </a:xfrm>
+          <a:prstGeom prst="rect">
+            <a:avLst/>
+          </a:prstGeom>
+          <a:noFill/>
+          <a:ln w="9525">
+            <a:noFill/>
+            <a:miter lim="800000"/>
+            <a:headEnd/>
+            <a:tailEnd/>
+          </a:ln>
+        </p:spPr>
+      </p:pic>
     </p:spTree>
     <p:extLst>
       <p:ext uri="{BB962C8B-B14F-4D97-AF65-F5344CB8AC3E}">
-        <p14:creationId xmlns:p14="http://schemas.microsoft.com/office/powerpoint/2010/main" val="1747021195"/>
+        <p14:creationId xmlns:p14="http://schemas.microsoft.com/office/powerpoint/2010/main" val="1467606254"/>
       </p:ext>
     </p:extLst>
   </p:cSld>
@@ -7237,7 +9238,1577 @@
 </p:sld>
 </file>
 
-<file path=ppt/slides/slide13.xml><?xml version="1.0" encoding="utf-8"?>
+<file path=ppt/slides/slide14.xml><?xml version="1.0" encoding="utf-8"?>
+<p:sld xmlns:a="http://schemas.openxmlformats.org/drawingml/2006/main" xmlns:r="http://schemas.openxmlformats.org/officeDocument/2006/relationships" xmlns:p="http://schemas.openxmlformats.org/presentationml/2006/main">
+  <p:cSld>
+    <p:spTree>
+      <p:nvGrpSpPr>
+        <p:cNvPr id="1" name=""/>
+        <p:cNvGrpSpPr/>
+        <p:nvPr/>
+      </p:nvGrpSpPr>
+      <p:grpSpPr>
+        <a:xfrm>
+          <a:off x="0" y="0"/>
+          <a:ext cx="0" cy="0"/>
+          <a:chOff x="0" y="0"/>
+          <a:chExt cx="0" cy="0"/>
+        </a:xfrm>
+      </p:grpSpPr>
+      <p:sp>
+        <p:nvSpPr>
+          <p:cNvPr id="2" name="Title 1">
+            <a:extLst>
+              <a:ext uri="{FF2B5EF4-FFF2-40B4-BE49-F238E27FC236}">
+                <a16:creationId xmlns:a16="http://schemas.microsoft.com/office/drawing/2014/main" id="{7F72B42D-97A1-DD68-BB84-922809072E3D}"/>
+              </a:ext>
+            </a:extLst>
+          </p:cNvPr>
+          <p:cNvSpPr>
+            <a:spLocks noGrp="1"/>
+          </p:cNvSpPr>
+          <p:nvPr>
+            <p:ph type="title"/>
+          </p:nvPr>
+        </p:nvSpPr>
+        <p:spPr/>
+        <p:txBody>
+          <a:bodyPr/>
+          <a:lstStyle/>
+          <a:p>
+            <a:r>
+              <a:rPr lang="en-US" dirty="0"/>
+              <a:t>Git</a:t>
+            </a:r>
+          </a:p>
+        </p:txBody>
+      </p:sp>
+      <p:sp>
+        <p:nvSpPr>
+          <p:cNvPr id="3" name="Content Placeholder 2">
+            <a:extLst>
+              <a:ext uri="{FF2B5EF4-FFF2-40B4-BE49-F238E27FC236}">
+                <a16:creationId xmlns:a16="http://schemas.microsoft.com/office/drawing/2014/main" id="{A42E5E1F-3887-E842-4B67-E5C7715B8384}"/>
+              </a:ext>
+            </a:extLst>
+          </p:cNvPr>
+          <p:cNvSpPr>
+            <a:spLocks noGrp="1"/>
+          </p:cNvSpPr>
+          <p:nvPr>
+            <p:ph idx="1"/>
+          </p:nvPr>
+        </p:nvSpPr>
+        <p:spPr/>
+        <p:txBody>
+          <a:bodyPr>
+            <a:noAutofit/>
+          </a:bodyPr>
+          <a:lstStyle/>
+          <a:p>
+            <a:r>
+              <a:rPr lang="en-US" sz="2400" dirty="0"/>
+              <a:t>Git has two types of repositories: local and remote.</a:t>
+            </a:r>
+          </a:p>
+          <a:p>
+            <a:r>
+              <a:rPr lang="en-US" sz="2400" dirty="0"/>
+              <a:t>A local repository is stored on the file system of a client machine, which is the same one on which the git commands are being executed.</a:t>
+            </a:r>
+          </a:p>
+          <a:p>
+            <a:r>
+              <a:rPr lang="en-US" sz="2400" dirty="0"/>
+              <a:t>A remote repository is stored somewhere other than the client machine, usually a server or repository hosting service (</a:t>
+            </a:r>
+            <a:r>
+              <a:rPr lang="en-US" sz="2400" dirty="0" err="1"/>
+              <a:t>github</a:t>
+            </a:r>
+            <a:r>
+              <a:rPr lang="en-US" sz="2400" dirty="0"/>
+              <a:t>). </a:t>
+            </a:r>
+          </a:p>
+          <a:p>
+            <a:r>
+              <a:rPr lang="en-US" sz="2400" dirty="0"/>
+              <a:t>After the local repository is cloned from the remote repository or the remote repository is created from the local repository, the two repositories are independent of each other until the content changes are applied to the other branch through a manual Git command execution.</a:t>
+            </a:r>
+          </a:p>
+        </p:txBody>
+      </p:sp>
+    </p:spTree>
+    <p:extLst>
+      <p:ext uri="{BB962C8B-B14F-4D97-AF65-F5344CB8AC3E}">
+        <p14:creationId xmlns:p14="http://schemas.microsoft.com/office/powerpoint/2010/main" val="44416786"/>
+      </p:ext>
+    </p:extLst>
+  </p:cSld>
+  <p:clrMapOvr>
+    <a:masterClrMapping/>
+  </p:clrMapOvr>
+</p:sld>
+</file>
+
+<file path=ppt/slides/slide15.xml><?xml version="1.0" encoding="utf-8"?>
+<p:sld xmlns:a="http://schemas.openxmlformats.org/drawingml/2006/main" xmlns:r="http://schemas.openxmlformats.org/officeDocument/2006/relationships" xmlns:p="http://schemas.openxmlformats.org/presentationml/2006/main">
+  <p:cSld>
+    <p:spTree>
+      <p:nvGrpSpPr>
+        <p:cNvPr id="1" name=""/>
+        <p:cNvGrpSpPr/>
+        <p:nvPr/>
+      </p:nvGrpSpPr>
+      <p:grpSpPr>
+        <a:xfrm>
+          <a:off x="0" y="0"/>
+          <a:ext cx="0" cy="0"/>
+          <a:chOff x="0" y="0"/>
+          <a:chExt cx="0" cy="0"/>
+        </a:xfrm>
+      </p:grpSpPr>
+      <p:sp>
+        <p:nvSpPr>
+          <p:cNvPr id="2" name="Title 1">
+            <a:extLst>
+              <a:ext uri="{FF2B5EF4-FFF2-40B4-BE49-F238E27FC236}">
+                <a16:creationId xmlns:a16="http://schemas.microsoft.com/office/drawing/2014/main" id="{7F72B42D-97A1-DD68-BB84-922809072E3D}"/>
+              </a:ext>
+            </a:extLst>
+          </p:cNvPr>
+          <p:cNvSpPr>
+            <a:spLocks noGrp="1"/>
+          </p:cNvSpPr>
+          <p:nvPr>
+            <p:ph type="title"/>
+          </p:nvPr>
+        </p:nvSpPr>
+        <p:spPr>
+          <a:xfrm>
+            <a:off x="685801" y="609601"/>
+            <a:ext cx="10131425" cy="650488"/>
+          </a:xfrm>
+        </p:spPr>
+        <p:txBody>
+          <a:bodyPr/>
+          <a:lstStyle/>
+          <a:p>
+            <a:r>
+              <a:rPr lang="en-US" dirty="0"/>
+              <a:t>Git</a:t>
+            </a:r>
+          </a:p>
+        </p:txBody>
+      </p:sp>
+      <p:sp>
+        <p:nvSpPr>
+          <p:cNvPr id="3" name="Content Placeholder 2">
+            <a:extLst>
+              <a:ext uri="{FF2B5EF4-FFF2-40B4-BE49-F238E27FC236}">
+                <a16:creationId xmlns:a16="http://schemas.microsoft.com/office/drawing/2014/main" id="{A42E5E1F-3887-E842-4B67-E5C7715B8384}"/>
+              </a:ext>
+            </a:extLst>
+          </p:cNvPr>
+          <p:cNvSpPr>
+            <a:spLocks noGrp="1"/>
+          </p:cNvSpPr>
+          <p:nvPr>
+            <p:ph idx="1"/>
+          </p:nvPr>
+        </p:nvSpPr>
+        <p:spPr>
+          <a:xfrm>
+            <a:off x="685801" y="1967505"/>
+            <a:ext cx="10131425" cy="3823696"/>
+          </a:xfrm>
+        </p:spPr>
+        <p:txBody>
+          <a:bodyPr>
+            <a:noAutofit/>
+          </a:bodyPr>
+          <a:lstStyle/>
+          <a:p>
+            <a:r>
+              <a:rPr lang="en-US" sz="2400" dirty="0"/>
+              <a:t>Branching enables users </a:t>
+            </a:r>
+            <a:r>
+              <a:rPr lang="en-US" sz="2000" dirty="0"/>
+              <a:t>to</a:t>
+            </a:r>
+            <a:r>
+              <a:rPr lang="en-US" sz="2400" dirty="0"/>
+              <a:t> work on code independently without affecting the main code in the repository. When a repository is created, the code is automatically put on a branch called Main.</a:t>
+            </a:r>
+          </a:p>
+          <a:p>
+            <a:r>
+              <a:rPr lang="en-US" sz="2400" dirty="0"/>
+              <a:t>Branches can be local or remote, and they can </a:t>
+            </a:r>
+            <a:br>
+              <a:rPr lang="en-US" sz="2400" dirty="0"/>
+            </a:br>
+            <a:r>
+              <a:rPr lang="en-US" sz="2400" dirty="0"/>
+              <a:t>be deleted and have their own history, staging</a:t>
+            </a:r>
+            <a:br>
+              <a:rPr lang="en-US" sz="2400" dirty="0"/>
+            </a:br>
+            <a:r>
+              <a:rPr lang="en-US" sz="2400" dirty="0"/>
+              <a:t>area, and working directory.</a:t>
+            </a:r>
+          </a:p>
+          <a:p>
+            <a:r>
+              <a:rPr lang="en-US" sz="2400" dirty="0"/>
+              <a:t>When a user goes from one branch to another, the code in their working directory and the files in the staging area change accordingly, </a:t>
+            </a:r>
+            <a:br>
+              <a:rPr lang="en-US" sz="2400" dirty="0"/>
+            </a:br>
+            <a:r>
+              <a:rPr lang="en-US" sz="2400" dirty="0"/>
+              <a:t>but the repository (.git) directories</a:t>
+            </a:r>
+            <a:br>
+              <a:rPr lang="en-US" sz="2400" dirty="0"/>
+            </a:br>
+            <a:r>
+              <a:rPr lang="en-US" sz="2400" dirty="0"/>
+              <a:t>remain unchanged. </a:t>
+            </a:r>
+          </a:p>
+          <a:p>
+            <a:endParaRPr lang="en-US" sz="2400" dirty="0"/>
+          </a:p>
+          <a:p>
+            <a:endParaRPr lang="en-US" sz="2400" dirty="0"/>
+          </a:p>
+        </p:txBody>
+      </p:sp>
+      <p:pic>
+        <p:nvPicPr>
+          <p:cNvPr id="4" name="Picture 2">
+            <a:extLst>
+              <a:ext uri="{FF2B5EF4-FFF2-40B4-BE49-F238E27FC236}">
+                <a16:creationId xmlns:a16="http://schemas.microsoft.com/office/drawing/2014/main" id="{541EB668-E4E9-42C4-8B70-7A38E7BBAD85}"/>
+              </a:ext>
+            </a:extLst>
+          </p:cNvPr>
+          <p:cNvPicPr>
+            <a:picLocks noChangeAspect="1" noChangeArrowheads="1"/>
+          </p:cNvPicPr>
+          <p:nvPr/>
+        </p:nvPicPr>
+        <p:blipFill>
+          <a:blip r:embed="rId2"/>
+          <a:srcRect/>
+          <a:stretch>
+            <a:fillRect/>
+          </a:stretch>
+        </p:blipFill>
+        <p:spPr bwMode="auto">
+          <a:xfrm>
+            <a:off x="6821130" y="2169822"/>
+            <a:ext cx="5066306" cy="1709531"/>
+          </a:xfrm>
+          <a:prstGeom prst="rect">
+            <a:avLst/>
+          </a:prstGeom>
+          <a:noFill/>
+          <a:ln w="9525">
+            <a:solidFill>
+              <a:schemeClr val="tx2">
+                <a:lumMod val="40000"/>
+                <a:lumOff val="60000"/>
+              </a:schemeClr>
+            </a:solidFill>
+            <a:miter lim="800000"/>
+            <a:headEnd/>
+            <a:tailEnd/>
+          </a:ln>
+        </p:spPr>
+      </p:pic>
+      <p:pic>
+        <p:nvPicPr>
+          <p:cNvPr id="5" name="Picture 2">
+            <a:extLst>
+              <a:ext uri="{FF2B5EF4-FFF2-40B4-BE49-F238E27FC236}">
+                <a16:creationId xmlns:a16="http://schemas.microsoft.com/office/drawing/2014/main" id="{711190EF-8A50-B7D1-3277-026F5F2A1F80}"/>
+              </a:ext>
+            </a:extLst>
+          </p:cNvPr>
+          <p:cNvPicPr>
+            <a:picLocks noChangeAspect="1" noChangeArrowheads="1"/>
+          </p:cNvPicPr>
+          <p:nvPr/>
+        </p:nvPicPr>
+        <p:blipFill rotWithShape="1">
+          <a:blip r:embed="rId3"/>
+          <a:srcRect l="2501" t="5013" r="1683" b="5858"/>
+          <a:stretch/>
+        </p:blipFill>
+        <p:spPr bwMode="auto">
+          <a:xfrm>
+            <a:off x="6532211" y="4789086"/>
+            <a:ext cx="5355225" cy="1357903"/>
+          </a:xfrm>
+          <a:prstGeom prst="rect">
+            <a:avLst/>
+          </a:prstGeom>
+          <a:noFill/>
+          <a:ln w="3175">
+            <a:solidFill>
+              <a:schemeClr val="tx2">
+                <a:lumMod val="40000"/>
+                <a:lumOff val="60000"/>
+              </a:schemeClr>
+            </a:solidFill>
+            <a:miter lim="800000"/>
+            <a:headEnd/>
+            <a:tailEnd/>
+          </a:ln>
+        </p:spPr>
+      </p:pic>
+    </p:spTree>
+    <p:extLst>
+      <p:ext uri="{BB962C8B-B14F-4D97-AF65-F5344CB8AC3E}">
+        <p14:creationId xmlns:p14="http://schemas.microsoft.com/office/powerpoint/2010/main" val="3589310255"/>
+      </p:ext>
+    </p:extLst>
+  </p:cSld>
+  <p:clrMapOvr>
+    <a:masterClrMapping/>
+  </p:clrMapOvr>
+</p:sld>
+</file>
+
+<file path=ppt/slides/slide16.xml><?xml version="1.0" encoding="utf-8"?>
+<p:sld xmlns:a="http://schemas.openxmlformats.org/drawingml/2006/main" xmlns:r="http://schemas.openxmlformats.org/officeDocument/2006/relationships" xmlns:p="http://schemas.openxmlformats.org/presentationml/2006/main">
+  <p:cSld>
+    <p:spTree>
+      <p:nvGrpSpPr>
+        <p:cNvPr id="1" name=""/>
+        <p:cNvGrpSpPr/>
+        <p:nvPr/>
+      </p:nvGrpSpPr>
+      <p:grpSpPr>
+        <a:xfrm>
+          <a:off x="0" y="0"/>
+          <a:ext cx="0" cy="0"/>
+          <a:chOff x="0" y="0"/>
+          <a:chExt cx="0" cy="0"/>
+        </a:xfrm>
+      </p:grpSpPr>
+      <p:sp>
+        <p:nvSpPr>
+          <p:cNvPr id="2" name="Title 1">
+            <a:extLst>
+              <a:ext uri="{FF2B5EF4-FFF2-40B4-BE49-F238E27FC236}">
+                <a16:creationId xmlns:a16="http://schemas.microsoft.com/office/drawing/2014/main" id="{7F72B42D-97A1-DD68-BB84-922809072E3D}"/>
+              </a:ext>
+            </a:extLst>
+          </p:cNvPr>
+          <p:cNvSpPr>
+            <a:spLocks noGrp="1"/>
+          </p:cNvSpPr>
+          <p:nvPr>
+            <p:ph type="title"/>
+          </p:nvPr>
+        </p:nvSpPr>
+        <p:spPr>
+          <a:xfrm>
+            <a:off x="685801" y="609601"/>
+            <a:ext cx="10131425" cy="650488"/>
+          </a:xfrm>
+        </p:spPr>
+        <p:txBody>
+          <a:bodyPr/>
+          <a:lstStyle/>
+          <a:p>
+            <a:r>
+              <a:rPr lang="en-US" dirty="0"/>
+              <a:t>Git</a:t>
+            </a:r>
+          </a:p>
+        </p:txBody>
+      </p:sp>
+      <p:sp>
+        <p:nvSpPr>
+          <p:cNvPr id="3" name="Content Placeholder 2">
+            <a:extLst>
+              <a:ext uri="{FF2B5EF4-FFF2-40B4-BE49-F238E27FC236}">
+                <a16:creationId xmlns:a16="http://schemas.microsoft.com/office/drawing/2014/main" id="{A42E5E1F-3887-E842-4B67-E5C7715B8384}"/>
+              </a:ext>
+            </a:extLst>
+          </p:cNvPr>
+          <p:cNvSpPr>
+            <a:spLocks noGrp="1"/>
+          </p:cNvSpPr>
+          <p:nvPr>
+            <p:ph idx="1"/>
+          </p:nvPr>
+        </p:nvSpPr>
+        <p:spPr>
+          <a:xfrm>
+            <a:off x="685801" y="1967505"/>
+            <a:ext cx="10131425" cy="3823696"/>
+          </a:xfrm>
+        </p:spPr>
+        <p:txBody>
+          <a:bodyPr>
+            <a:noAutofit/>
+          </a:bodyPr>
+          <a:lstStyle/>
+          <a:p>
+            <a:pPr marL="0" indent="0">
+              <a:buNone/>
+            </a:pPr>
+            <a:r>
+              <a:rPr lang="en-US" sz="2400" dirty="0"/>
+              <a:t>Merging Branches</a:t>
+            </a:r>
+          </a:p>
+          <a:p>
+            <a:endParaRPr lang="en-US" sz="2400" dirty="0"/>
+          </a:p>
+          <a:p>
+            <a:r>
+              <a:rPr lang="en-US" sz="2400" dirty="0"/>
+              <a:t>Branches diverge from one another when</a:t>
+            </a:r>
+            <a:br>
+              <a:rPr lang="en-US" sz="2400" dirty="0"/>
+            </a:br>
+            <a:r>
+              <a:rPr lang="en-US" sz="2400" dirty="0"/>
+              <a:t>they are modified after they are created.</a:t>
+            </a:r>
+          </a:p>
+          <a:p>
+            <a:r>
+              <a:rPr lang="en-US" sz="2400" dirty="0"/>
+              <a:t>When Git merges the branch, it takes the</a:t>
+            </a:r>
+            <a:br>
+              <a:rPr lang="en-US" sz="2400" dirty="0"/>
+            </a:br>
+            <a:r>
+              <a:rPr lang="en-US" sz="2400" dirty="0"/>
+              <a:t>changes/commits from the source branch</a:t>
+            </a:r>
+            <a:br>
+              <a:rPr lang="en-US" sz="2400" dirty="0"/>
+            </a:br>
+            <a:r>
+              <a:rPr lang="en-US" sz="2400" dirty="0"/>
+              <a:t>and applies it to the target branch. </a:t>
+            </a:r>
+          </a:p>
+          <a:p>
+            <a:r>
+              <a:rPr lang="en-US" sz="2400" dirty="0"/>
+              <a:t>During a merge, only the target branch is modified. </a:t>
+            </a:r>
+          </a:p>
+          <a:p>
+            <a:r>
+              <a:rPr lang="en-US" sz="2400" dirty="0"/>
+              <a:t>The source branch is untouched and remains the same.</a:t>
+            </a:r>
+            <a:br>
+              <a:rPr lang="en-US" sz="2400" dirty="0"/>
+            </a:br>
+            <a:endParaRPr lang="en-US" sz="2400" dirty="0"/>
+          </a:p>
+          <a:p>
+            <a:endParaRPr lang="en-US" sz="2400" dirty="0"/>
+          </a:p>
+          <a:p>
+            <a:endParaRPr lang="en-US" sz="2400" dirty="0"/>
+          </a:p>
+        </p:txBody>
+      </p:sp>
+      <p:pic>
+        <p:nvPicPr>
+          <p:cNvPr id="6" name="Picture 2">
+            <a:extLst>
+              <a:ext uri="{FF2B5EF4-FFF2-40B4-BE49-F238E27FC236}">
+                <a16:creationId xmlns:a16="http://schemas.microsoft.com/office/drawing/2014/main" id="{826864A7-D566-C54D-DA00-74AC4FD9640E}"/>
+              </a:ext>
+            </a:extLst>
+          </p:cNvPr>
+          <p:cNvPicPr>
+            <a:picLocks noChangeAspect="1" noChangeArrowheads="1"/>
+          </p:cNvPicPr>
+          <p:nvPr/>
+        </p:nvPicPr>
+        <p:blipFill>
+          <a:blip r:embed="rId2">
+            <a:extLst>
+              <a:ext uri="{28A0092B-C50C-407E-A947-70E740481C1C}">
+                <a14:useLocalDpi xmlns:a14="http://schemas.microsoft.com/office/drawing/2010/main" val="0"/>
+              </a:ext>
+            </a:extLst>
+          </a:blip>
+          <a:srcRect/>
+          <a:stretch>
+            <a:fillRect/>
+          </a:stretch>
+        </p:blipFill>
+        <p:spPr bwMode="auto">
+          <a:xfrm>
+            <a:off x="6323388" y="350174"/>
+            <a:ext cx="5727794" cy="3900279"/>
+          </a:xfrm>
+          <a:prstGeom prst="rect">
+            <a:avLst/>
+          </a:prstGeom>
+          <a:noFill/>
+          <a:ln>
+            <a:noFill/>
+          </a:ln>
+          <a:extLst>
+            <a:ext uri="{909E8E84-426E-40DD-AFC4-6F175D3DCCD1}">
+              <a14:hiddenFill xmlns:a14="http://schemas.microsoft.com/office/drawing/2010/main">
+                <a:solidFill>
+                  <a:schemeClr val="accent1"/>
+                </a:solidFill>
+              </a14:hiddenFill>
+            </a:ext>
+            <a:ext uri="{91240B29-F687-4F45-9708-019B960494DF}">
+              <a14:hiddenLine xmlns:a14="http://schemas.microsoft.com/office/drawing/2010/main" w="9525">
+                <a:solidFill>
+                  <a:schemeClr val="tx1"/>
+                </a:solidFill>
+                <a:miter lim="800000"/>
+                <a:headEnd/>
+                <a:tailEnd/>
+              </a14:hiddenLine>
+            </a:ext>
+          </a:extLst>
+        </p:spPr>
+      </p:pic>
+    </p:spTree>
+    <p:extLst>
+      <p:ext uri="{BB962C8B-B14F-4D97-AF65-F5344CB8AC3E}">
+        <p14:creationId xmlns:p14="http://schemas.microsoft.com/office/powerpoint/2010/main" val="2377476411"/>
+      </p:ext>
+    </p:extLst>
+  </p:cSld>
+  <p:clrMapOvr>
+    <a:masterClrMapping/>
+  </p:clrMapOvr>
+</p:sld>
+</file>
+
+<file path=ppt/slides/slide17.xml><?xml version="1.0" encoding="utf-8"?>
+<p:sld xmlns:a="http://schemas.openxmlformats.org/drawingml/2006/main" xmlns:r="http://schemas.openxmlformats.org/officeDocument/2006/relationships" xmlns:p="http://schemas.openxmlformats.org/presentationml/2006/main">
+  <p:cSld>
+    <p:spTree>
+      <p:nvGrpSpPr>
+        <p:cNvPr id="1" name=""/>
+        <p:cNvGrpSpPr/>
+        <p:nvPr/>
+      </p:nvGrpSpPr>
+      <p:grpSpPr>
+        <a:xfrm>
+          <a:off x="0" y="0"/>
+          <a:ext cx="0" cy="0"/>
+          <a:chOff x="0" y="0"/>
+          <a:chExt cx="0" cy="0"/>
+        </a:xfrm>
+      </p:grpSpPr>
+      <p:sp>
+        <p:nvSpPr>
+          <p:cNvPr id="2" name="Title 1">
+            <a:extLst>
+              <a:ext uri="{FF2B5EF4-FFF2-40B4-BE49-F238E27FC236}">
+                <a16:creationId xmlns:a16="http://schemas.microsoft.com/office/drawing/2014/main" id="{7F72B42D-97A1-DD68-BB84-922809072E3D}"/>
+              </a:ext>
+            </a:extLst>
+          </p:cNvPr>
+          <p:cNvSpPr>
+            <a:spLocks noGrp="1"/>
+          </p:cNvSpPr>
+          <p:nvPr>
+            <p:ph type="title"/>
+          </p:nvPr>
+        </p:nvSpPr>
+        <p:spPr>
+          <a:xfrm>
+            <a:off x="685801" y="609601"/>
+            <a:ext cx="10131425" cy="650488"/>
+          </a:xfrm>
+        </p:spPr>
+        <p:txBody>
+          <a:bodyPr/>
+          <a:lstStyle/>
+          <a:p>
+            <a:r>
+              <a:rPr lang="en-US" dirty="0"/>
+              <a:t>Git</a:t>
+            </a:r>
+          </a:p>
+        </p:txBody>
+      </p:sp>
+      <p:sp>
+        <p:nvSpPr>
+          <p:cNvPr id="3" name="Content Placeholder 2">
+            <a:extLst>
+              <a:ext uri="{FF2B5EF4-FFF2-40B4-BE49-F238E27FC236}">
+                <a16:creationId xmlns:a16="http://schemas.microsoft.com/office/drawing/2014/main" id="{A42E5E1F-3887-E842-4B67-E5C7715B8384}"/>
+              </a:ext>
+            </a:extLst>
+          </p:cNvPr>
+          <p:cNvSpPr>
+            <a:spLocks noGrp="1"/>
+          </p:cNvSpPr>
+          <p:nvPr>
+            <p:ph idx="1"/>
+          </p:nvPr>
+        </p:nvSpPr>
+        <p:spPr>
+          <a:xfrm>
+            <a:off x="705897" y="609601"/>
+            <a:ext cx="10131425" cy="5151455"/>
+          </a:xfrm>
+        </p:spPr>
+        <p:txBody>
+          <a:bodyPr>
+            <a:noAutofit/>
+          </a:bodyPr>
+          <a:lstStyle/>
+          <a:p>
+            <a:endParaRPr lang="en-US" sz="2400" dirty="0"/>
+          </a:p>
+          <a:p>
+            <a:pPr marL="109538" indent="0">
+              <a:lnSpc>
+                <a:spcPct val="95000"/>
+              </a:lnSpc>
+              <a:spcBef>
+                <a:spcPts val="300"/>
+              </a:spcBef>
+              <a:buSzPct val="100000"/>
+              <a:buNone/>
+            </a:pPr>
+            <a:r>
+              <a:rPr lang="en-IN" altLang="en-US" sz="2400" b="1" dirty="0">
+                <a:ea typeface="Microsoft YaHei"/>
+                <a:cs typeface="CiscoSans" charset="0"/>
+              </a:rPr>
+              <a:t>Fast-Forward Merge</a:t>
+            </a:r>
+          </a:p>
+          <a:p>
+            <a:pPr marL="287338" indent="-177800">
+              <a:lnSpc>
+                <a:spcPct val="95000"/>
+              </a:lnSpc>
+              <a:spcBef>
+                <a:spcPts val="300"/>
+              </a:spcBef>
+              <a:buClrTx/>
+              <a:buSzPct val="100000"/>
+              <a:buFont typeface="Arial" pitchFamily="34" charset="0"/>
+              <a:buChar char="•"/>
+            </a:pPr>
+            <a:r>
+              <a:rPr lang="en-IN" altLang="en-US" sz="2400" dirty="0">
+                <a:ea typeface="Microsoft YaHei"/>
+                <a:cs typeface="Arial"/>
+              </a:rPr>
+              <a:t>A fast-forward merge is when the Git algorithm is able to apply the changes/commits from the source branch(es) to the target branch automatically and without any conflicts.</a:t>
+            </a:r>
+          </a:p>
+          <a:p>
+            <a:pPr marL="109538" indent="0">
+              <a:lnSpc>
+                <a:spcPct val="50000"/>
+              </a:lnSpc>
+              <a:spcBef>
+                <a:spcPts val="300"/>
+              </a:spcBef>
+              <a:spcAft>
+                <a:spcPts val="300"/>
+              </a:spcAft>
+              <a:buClrTx/>
+              <a:buSzPct val="100000"/>
+              <a:buNone/>
+            </a:pPr>
+            <a:endParaRPr lang="en-IN" altLang="en-US" sz="2400" dirty="0">
+              <a:ea typeface="Microsoft YaHei"/>
+              <a:cs typeface="Arial"/>
+            </a:endParaRPr>
+          </a:p>
+          <a:p>
+            <a:pPr marL="109538" indent="0">
+              <a:lnSpc>
+                <a:spcPct val="95000"/>
+              </a:lnSpc>
+              <a:spcBef>
+                <a:spcPts val="300"/>
+              </a:spcBef>
+              <a:buClrTx/>
+              <a:buSzPct val="100000"/>
+              <a:buNone/>
+            </a:pPr>
+            <a:r>
+              <a:rPr lang="en-IN" altLang="en-US" sz="2400" b="1" dirty="0">
+                <a:ea typeface="Microsoft YaHei"/>
+                <a:cs typeface="Arial"/>
+              </a:rPr>
+              <a:t>Merge Conflicts</a:t>
+            </a:r>
+          </a:p>
+          <a:p>
+            <a:pPr marL="395288" indent="-285750">
+              <a:lnSpc>
+                <a:spcPct val="95000"/>
+              </a:lnSpc>
+              <a:spcBef>
+                <a:spcPts val="300"/>
+              </a:spcBef>
+              <a:buClrTx/>
+              <a:buSzPct val="100000"/>
+              <a:buFont typeface="Arial" panose="020B0604020202020204" pitchFamily="34" charset="0"/>
+              <a:buChar char="•"/>
+            </a:pPr>
+            <a:r>
+              <a:rPr lang="en-IN" sz="2400" dirty="0"/>
+              <a:t>A merge conflict is when Git is not able to perform a fast-forward merge because it does not know how to automatically apply the changes from the branches together for the file(s).</a:t>
+            </a:r>
+          </a:p>
+          <a:p>
+            <a:endParaRPr lang="en-US" sz="2400" dirty="0"/>
+          </a:p>
+          <a:p>
+            <a:endParaRPr lang="en-US" sz="2400" dirty="0"/>
+          </a:p>
+        </p:txBody>
+      </p:sp>
+      <p:pic>
+        <p:nvPicPr>
+          <p:cNvPr id="4" name="Picture 2">
+            <a:extLst>
+              <a:ext uri="{FF2B5EF4-FFF2-40B4-BE49-F238E27FC236}">
+                <a16:creationId xmlns:a16="http://schemas.microsoft.com/office/drawing/2014/main" id="{3C6B3C8E-A4F5-9551-0EAF-CC2F93A64583}"/>
+              </a:ext>
+            </a:extLst>
+          </p:cNvPr>
+          <p:cNvPicPr>
+            <a:picLocks noChangeAspect="1" noChangeArrowheads="1"/>
+          </p:cNvPicPr>
+          <p:nvPr/>
+        </p:nvPicPr>
+        <p:blipFill>
+          <a:blip r:embed="rId2">
+            <a:extLst>
+              <a:ext uri="{28A0092B-C50C-407E-A947-70E740481C1C}">
+                <a14:useLocalDpi xmlns:a14="http://schemas.microsoft.com/office/drawing/2010/main" val="0"/>
+              </a:ext>
+            </a:extLst>
+          </a:blip>
+          <a:srcRect/>
+          <a:stretch>
+            <a:fillRect/>
+          </a:stretch>
+        </p:blipFill>
+        <p:spPr bwMode="auto">
+          <a:xfrm>
+            <a:off x="3893212" y="4751518"/>
+            <a:ext cx="7153275" cy="1571625"/>
+          </a:xfrm>
+          <a:prstGeom prst="rect">
+            <a:avLst/>
+          </a:prstGeom>
+          <a:noFill/>
+          <a:ln>
+            <a:noFill/>
+          </a:ln>
+          <a:extLst>
+            <a:ext uri="{909E8E84-426E-40DD-AFC4-6F175D3DCCD1}">
+              <a14:hiddenFill xmlns:a14="http://schemas.microsoft.com/office/drawing/2010/main">
+                <a:solidFill>
+                  <a:schemeClr val="accent1"/>
+                </a:solidFill>
+              </a14:hiddenFill>
+            </a:ext>
+            <a:ext uri="{91240B29-F687-4F45-9708-019B960494DF}">
+              <a14:hiddenLine xmlns:a14="http://schemas.microsoft.com/office/drawing/2010/main" w="9525">
+                <a:solidFill>
+                  <a:schemeClr val="tx1"/>
+                </a:solidFill>
+                <a:miter lim="800000"/>
+                <a:headEnd/>
+                <a:tailEnd/>
+              </a14:hiddenLine>
+            </a:ext>
+          </a:extLst>
+        </p:spPr>
+      </p:pic>
+    </p:spTree>
+    <p:extLst>
+      <p:ext uri="{BB962C8B-B14F-4D97-AF65-F5344CB8AC3E}">
+        <p14:creationId xmlns:p14="http://schemas.microsoft.com/office/powerpoint/2010/main" val="1426974505"/>
+      </p:ext>
+    </p:extLst>
+  </p:cSld>
+  <p:clrMapOvr>
+    <a:masterClrMapping/>
+  </p:clrMapOvr>
+</p:sld>
+</file>
+
+<file path=ppt/slides/slide18.xml><?xml version="1.0" encoding="utf-8"?>
+<p:sld xmlns:a="http://schemas.openxmlformats.org/drawingml/2006/main" xmlns:r="http://schemas.openxmlformats.org/officeDocument/2006/relationships" xmlns:p="http://schemas.openxmlformats.org/presentationml/2006/main">
+  <p:cSld>
+    <p:spTree>
+      <p:nvGrpSpPr>
+        <p:cNvPr id="1" name=""/>
+        <p:cNvGrpSpPr/>
+        <p:nvPr/>
+      </p:nvGrpSpPr>
+      <p:grpSpPr>
+        <a:xfrm>
+          <a:off x="0" y="0"/>
+          <a:ext cx="0" cy="0"/>
+          <a:chOff x="0" y="0"/>
+          <a:chExt cx="0" cy="0"/>
+        </a:xfrm>
+      </p:grpSpPr>
+      <p:sp>
+        <p:nvSpPr>
+          <p:cNvPr id="2" name="Title 1">
+            <a:extLst>
+              <a:ext uri="{FF2B5EF4-FFF2-40B4-BE49-F238E27FC236}">
+                <a16:creationId xmlns:a16="http://schemas.microsoft.com/office/drawing/2014/main" id="{7F72B42D-97A1-DD68-BB84-922809072E3D}"/>
+              </a:ext>
+            </a:extLst>
+          </p:cNvPr>
+          <p:cNvSpPr>
+            <a:spLocks noGrp="1"/>
+          </p:cNvSpPr>
+          <p:nvPr>
+            <p:ph type="title"/>
+          </p:nvPr>
+        </p:nvSpPr>
+        <p:spPr>
+          <a:xfrm>
+            <a:off x="685801" y="609601"/>
+            <a:ext cx="10131425" cy="650488"/>
+          </a:xfrm>
+        </p:spPr>
+        <p:txBody>
+          <a:bodyPr/>
+          <a:lstStyle/>
+          <a:p>
+            <a:r>
+              <a:rPr lang="en-US" dirty="0"/>
+              <a:t>Git Merge conflicts</a:t>
+            </a:r>
+          </a:p>
+        </p:txBody>
+      </p:sp>
+      <p:sp>
+        <p:nvSpPr>
+          <p:cNvPr id="3" name="Content Placeholder 2">
+            <a:extLst>
+              <a:ext uri="{FF2B5EF4-FFF2-40B4-BE49-F238E27FC236}">
+                <a16:creationId xmlns:a16="http://schemas.microsoft.com/office/drawing/2014/main" id="{A42E5E1F-3887-E842-4B67-E5C7715B8384}"/>
+              </a:ext>
+            </a:extLst>
+          </p:cNvPr>
+          <p:cNvSpPr>
+            <a:spLocks noGrp="1"/>
+          </p:cNvSpPr>
+          <p:nvPr>
+            <p:ph idx="1"/>
+          </p:nvPr>
+        </p:nvSpPr>
+        <p:spPr>
+          <a:xfrm>
+            <a:off x="756139" y="934845"/>
+            <a:ext cx="10131425" cy="3480080"/>
+          </a:xfrm>
+        </p:spPr>
+        <p:txBody>
+          <a:bodyPr>
+            <a:noAutofit/>
+          </a:bodyPr>
+          <a:lstStyle/>
+          <a:p>
+            <a:endParaRPr lang="en-US" sz="2400" dirty="0"/>
+          </a:p>
+          <a:p>
+            <a:pPr marL="287338" indent="-177800">
+              <a:lnSpc>
+                <a:spcPct val="95000"/>
+              </a:lnSpc>
+              <a:spcBef>
+                <a:spcPts val="300"/>
+              </a:spcBef>
+              <a:buClrTx/>
+              <a:buSzPct val="100000"/>
+              <a:buFont typeface="Arial" pitchFamily="34" charset="0"/>
+              <a:buChar char="•"/>
+            </a:pPr>
+            <a:r>
+              <a:rPr lang="en-IN" altLang="en-US" sz="2400" dirty="0">
+                <a:ea typeface="Microsoft YaHei"/>
+                <a:cs typeface="Arial"/>
+              </a:rPr>
+              <a:t>Don’t panic!</a:t>
+            </a:r>
+          </a:p>
+          <a:p>
+            <a:pPr marL="287338" indent="-177800">
+              <a:lnSpc>
+                <a:spcPct val="95000"/>
+              </a:lnSpc>
+              <a:spcBef>
+                <a:spcPts val="300"/>
+              </a:spcBef>
+              <a:buClrTx/>
+              <a:buSzPct val="100000"/>
+              <a:buFont typeface="Arial" pitchFamily="34" charset="0"/>
+              <a:buChar char="•"/>
+            </a:pPr>
+            <a:r>
+              <a:rPr lang="en-IN" altLang="en-US" sz="2400" dirty="0">
+                <a:ea typeface="Microsoft YaHei"/>
+                <a:cs typeface="Arial"/>
+              </a:rPr>
+              <a:t>Click either Accept </a:t>
+            </a:r>
+            <a:r>
+              <a:rPr lang="en-IN" altLang="en-US" sz="2400" dirty="0">
+                <a:highlight>
+                  <a:srgbClr val="00FF00"/>
+                </a:highlight>
+                <a:ea typeface="Microsoft YaHei"/>
+                <a:cs typeface="Arial"/>
+              </a:rPr>
+              <a:t>Current Change</a:t>
+            </a:r>
+            <a:r>
+              <a:rPr lang="en-IN" altLang="en-US" sz="2400" dirty="0">
+                <a:ea typeface="Microsoft YaHei"/>
+                <a:cs typeface="Arial"/>
+              </a:rPr>
+              <a:t>, or Accept </a:t>
+            </a:r>
+            <a:r>
+              <a:rPr lang="en-IN" altLang="en-US" sz="2400" dirty="0">
+                <a:highlight>
+                  <a:srgbClr val="00FF00"/>
+                </a:highlight>
+                <a:ea typeface="Microsoft YaHei"/>
+                <a:cs typeface="Arial"/>
+              </a:rPr>
+              <a:t>Incoming Change</a:t>
+            </a:r>
+          </a:p>
+          <a:p>
+            <a:pPr marL="287338" indent="-177800">
+              <a:lnSpc>
+                <a:spcPct val="95000"/>
+              </a:lnSpc>
+              <a:spcBef>
+                <a:spcPts val="300"/>
+              </a:spcBef>
+              <a:buClrTx/>
+              <a:buSzPct val="100000"/>
+              <a:buFont typeface="Arial" pitchFamily="34" charset="0"/>
+              <a:buChar char="•"/>
+            </a:pPr>
+            <a:r>
+              <a:rPr lang="en-IN" altLang="en-US" sz="2400" dirty="0">
+                <a:ea typeface="Microsoft YaHei"/>
+                <a:cs typeface="Arial"/>
+              </a:rPr>
+              <a:t>Or manually fix -- example: </a:t>
+            </a:r>
+          </a:p>
+          <a:p>
+            <a:pPr marL="744538" lvl="1" indent="-177800">
+              <a:lnSpc>
+                <a:spcPct val="95000"/>
+              </a:lnSpc>
+              <a:spcBef>
+                <a:spcPts val="300"/>
+              </a:spcBef>
+              <a:buClrTx/>
+              <a:buFont typeface="Arial" pitchFamily="34" charset="0"/>
+              <a:buChar char="•"/>
+            </a:pPr>
+            <a:r>
+              <a:rPr lang="en-IN" altLang="en-US" sz="2200" dirty="0">
+                <a:ea typeface="Microsoft YaHei"/>
+                <a:cs typeface="Arial"/>
+              </a:rPr>
+              <a:t>Manually delete line 1, 3, 4, and 5 to accept Current</a:t>
+            </a:r>
+          </a:p>
+          <a:p>
+            <a:pPr marL="744538" lvl="1" indent="-177800">
+              <a:lnSpc>
+                <a:spcPct val="95000"/>
+              </a:lnSpc>
+              <a:spcBef>
+                <a:spcPts val="300"/>
+              </a:spcBef>
+              <a:buClrTx/>
+              <a:buFont typeface="Arial" pitchFamily="34" charset="0"/>
+              <a:buChar char="•"/>
+            </a:pPr>
+            <a:r>
+              <a:rPr lang="en-IN" altLang="en-US" sz="2200" dirty="0">
+                <a:ea typeface="Microsoft YaHei"/>
+                <a:cs typeface="Arial"/>
+              </a:rPr>
+              <a:t>Delete lines 1, 2, 3, and 5 to accept Incoming</a:t>
+            </a:r>
+          </a:p>
+          <a:p>
+            <a:endParaRPr lang="en-US" sz="2400" dirty="0"/>
+          </a:p>
+          <a:p>
+            <a:endParaRPr lang="en-US" sz="2400" dirty="0"/>
+          </a:p>
+        </p:txBody>
+      </p:sp>
+      <p:pic>
+        <p:nvPicPr>
+          <p:cNvPr id="11" name="Picture 10" descr="A screen shot of a computer&#10;&#10;Description automatically generated">
+            <a:extLst>
+              <a:ext uri="{FF2B5EF4-FFF2-40B4-BE49-F238E27FC236}">
+                <a16:creationId xmlns:a16="http://schemas.microsoft.com/office/drawing/2014/main" id="{A1E8E061-AD42-6294-2775-10A735989E5D}"/>
+              </a:ext>
+            </a:extLst>
+          </p:cNvPr>
+          <p:cNvPicPr>
+            <a:picLocks noChangeAspect="1"/>
+          </p:cNvPicPr>
+          <p:nvPr/>
+        </p:nvPicPr>
+        <p:blipFill>
+          <a:blip r:embed="rId2"/>
+          <a:stretch>
+            <a:fillRect/>
+          </a:stretch>
+        </p:blipFill>
+        <p:spPr>
+          <a:xfrm>
+            <a:off x="1935651" y="3712244"/>
+            <a:ext cx="7772400" cy="2536155"/>
+          </a:xfrm>
+          <a:prstGeom prst="rect">
+            <a:avLst/>
+          </a:prstGeom>
+        </p:spPr>
+      </p:pic>
+    </p:spTree>
+    <p:extLst>
+      <p:ext uri="{BB962C8B-B14F-4D97-AF65-F5344CB8AC3E}">
+        <p14:creationId xmlns:p14="http://schemas.microsoft.com/office/powerpoint/2010/main" val="693154377"/>
+      </p:ext>
+    </p:extLst>
+  </p:cSld>
+  <p:clrMapOvr>
+    <a:masterClrMapping/>
+  </p:clrMapOvr>
+</p:sld>
+</file>
+
+<file path=ppt/slides/slide19.xml><?xml version="1.0" encoding="utf-8"?>
+<p:sld xmlns:a="http://schemas.openxmlformats.org/drawingml/2006/main" xmlns:r="http://schemas.openxmlformats.org/officeDocument/2006/relationships" xmlns:p="http://schemas.openxmlformats.org/presentationml/2006/main">
+  <p:cSld>
+    <p:spTree>
+      <p:nvGrpSpPr>
+        <p:cNvPr id="1" name=""/>
+        <p:cNvGrpSpPr/>
+        <p:nvPr/>
+      </p:nvGrpSpPr>
+      <p:grpSpPr>
+        <a:xfrm>
+          <a:off x="0" y="0"/>
+          <a:ext cx="0" cy="0"/>
+          <a:chOff x="0" y="0"/>
+          <a:chExt cx="0" cy="0"/>
+        </a:xfrm>
+      </p:grpSpPr>
+      <p:sp>
+        <p:nvSpPr>
+          <p:cNvPr id="2" name="Title 1">
+            <a:extLst>
+              <a:ext uri="{FF2B5EF4-FFF2-40B4-BE49-F238E27FC236}">
+                <a16:creationId xmlns:a16="http://schemas.microsoft.com/office/drawing/2014/main" id="{7F72B42D-97A1-DD68-BB84-922809072E3D}"/>
+              </a:ext>
+            </a:extLst>
+          </p:cNvPr>
+          <p:cNvSpPr>
+            <a:spLocks noGrp="1"/>
+          </p:cNvSpPr>
+          <p:nvPr>
+            <p:ph type="title"/>
+          </p:nvPr>
+        </p:nvSpPr>
+        <p:spPr/>
+        <p:txBody>
+          <a:bodyPr/>
+          <a:lstStyle/>
+          <a:p>
+            <a:r>
+              <a:rPr lang="en-US" dirty="0"/>
+              <a:t>Git</a:t>
+            </a:r>
+          </a:p>
+        </p:txBody>
+      </p:sp>
+      <p:sp>
+        <p:nvSpPr>
+          <p:cNvPr id="3" name="Content Placeholder 2">
+            <a:extLst>
+              <a:ext uri="{FF2B5EF4-FFF2-40B4-BE49-F238E27FC236}">
+                <a16:creationId xmlns:a16="http://schemas.microsoft.com/office/drawing/2014/main" id="{A42E5E1F-3887-E842-4B67-E5C7715B8384}"/>
+              </a:ext>
+            </a:extLst>
+          </p:cNvPr>
+          <p:cNvSpPr>
+            <a:spLocks noGrp="1"/>
+          </p:cNvSpPr>
+          <p:nvPr>
+            <p:ph idx="1"/>
+          </p:nvPr>
+        </p:nvSpPr>
+        <p:spPr/>
+        <p:txBody>
+          <a:bodyPr>
+            <a:noAutofit/>
+          </a:bodyPr>
+          <a:lstStyle/>
+          <a:p>
+            <a:r>
+              <a:rPr lang="en-US" sz="2800" dirty="0"/>
+              <a:t>Connect your Git instance with GitHub</a:t>
+            </a:r>
+          </a:p>
+          <a:p>
+            <a:pPr lvl="1"/>
+            <a:r>
+              <a:rPr lang="en-US" sz="2600" dirty="0"/>
+              <a:t>GitHub Desktop (AIO GUI)</a:t>
+            </a:r>
+          </a:p>
+          <a:p>
+            <a:pPr lvl="1"/>
+            <a:r>
+              <a:rPr lang="en-US" sz="2600" dirty="0"/>
+              <a:t>Authenticating methods (CLI):</a:t>
+            </a:r>
+          </a:p>
+          <a:p>
+            <a:pPr lvl="2"/>
+            <a:r>
+              <a:rPr lang="en-US" sz="2400" dirty="0"/>
+              <a:t>Personal Access Token (easiest)</a:t>
+            </a:r>
+          </a:p>
+          <a:p>
+            <a:pPr lvl="2"/>
+            <a:r>
+              <a:rPr lang="en-US" sz="2400" dirty="0"/>
+              <a:t>SSH Key</a:t>
+            </a:r>
+          </a:p>
+          <a:p>
+            <a:pPr lvl="2"/>
+            <a:r>
+              <a:rPr lang="en-US" sz="2400" dirty="0"/>
+              <a:t>Fine-Grained Token (Beta)</a:t>
+            </a:r>
+          </a:p>
+          <a:p>
+            <a:pPr lvl="2"/>
+            <a:r>
+              <a:rPr lang="en-US" sz="2400" dirty="0"/>
+              <a:t>(demo?)</a:t>
+            </a:r>
+          </a:p>
+          <a:p>
+            <a:pPr lvl="2"/>
+            <a:endParaRPr lang="en-US" sz="2400" dirty="0"/>
+          </a:p>
+        </p:txBody>
+      </p:sp>
+    </p:spTree>
+    <p:extLst>
+      <p:ext uri="{BB962C8B-B14F-4D97-AF65-F5344CB8AC3E}">
+        <p14:creationId xmlns:p14="http://schemas.microsoft.com/office/powerpoint/2010/main" val="2688223134"/>
+      </p:ext>
+    </p:extLst>
+  </p:cSld>
+  <p:clrMapOvr>
+    <a:masterClrMapping/>
+  </p:clrMapOvr>
+</p:sld>
+</file>
+
+<file path=ppt/slides/slide2.xml><?xml version="1.0" encoding="utf-8"?>
+<p:sld xmlns:a="http://schemas.openxmlformats.org/drawingml/2006/main" xmlns:r="http://schemas.openxmlformats.org/officeDocument/2006/relationships" xmlns:p="http://schemas.openxmlformats.org/presentationml/2006/main">
+  <p:cSld>
+    <p:spTree>
+      <p:nvGrpSpPr>
+        <p:cNvPr id="1" name=""/>
+        <p:cNvGrpSpPr/>
+        <p:nvPr/>
+      </p:nvGrpSpPr>
+      <p:grpSpPr>
+        <a:xfrm>
+          <a:off x="0" y="0"/>
+          <a:ext cx="0" cy="0"/>
+          <a:chOff x="0" y="0"/>
+          <a:chExt cx="0" cy="0"/>
+        </a:xfrm>
+      </p:grpSpPr>
+      <p:sp>
+        <p:nvSpPr>
+          <p:cNvPr id="2" name="Title 1">
+            <a:extLst>
+              <a:ext uri="{FF2B5EF4-FFF2-40B4-BE49-F238E27FC236}">
+                <a16:creationId xmlns:a16="http://schemas.microsoft.com/office/drawing/2014/main" id="{FA23BE6F-4618-6198-6571-76BE141EEE92}"/>
+              </a:ext>
+            </a:extLst>
+          </p:cNvPr>
+          <p:cNvSpPr>
+            <a:spLocks noGrp="1"/>
+          </p:cNvSpPr>
+          <p:nvPr>
+            <p:ph type="title"/>
+          </p:nvPr>
+        </p:nvSpPr>
+        <p:spPr/>
+        <p:txBody>
+          <a:bodyPr/>
+          <a:lstStyle/>
+          <a:p>
+            <a:r>
+              <a:rPr lang="en-US" dirty="0"/>
+              <a:t>Starting with: a True story</a:t>
+            </a:r>
+          </a:p>
+        </p:txBody>
+      </p:sp>
+      <p:pic>
+        <p:nvPicPr>
+          <p:cNvPr id="8" name="Content Placeholder 7" descr="Cartoon of a person in a suit and tie&#10;&#10;Description automatically generated">
+            <a:extLst>
+              <a:ext uri="{FF2B5EF4-FFF2-40B4-BE49-F238E27FC236}">
+                <a16:creationId xmlns:a16="http://schemas.microsoft.com/office/drawing/2014/main" id="{5F701E78-084B-C453-D0FD-A86DEA42AA1B}"/>
+              </a:ext>
+            </a:extLst>
+          </p:cNvPr>
+          <p:cNvPicPr>
+            <a:picLocks noGrp="1" noChangeAspect="1"/>
+          </p:cNvPicPr>
+          <p:nvPr>
+            <p:ph sz="half" idx="1"/>
+          </p:nvPr>
+        </p:nvPicPr>
+        <p:blipFill>
+          <a:blip r:embed="rId2">
+            <a:extLst>
+              <a:ext uri="{837473B0-CC2E-450A-ABE3-18F120FF3D39}">
+                <a1611:picAttrSrcUrl xmlns:a1611="http://schemas.microsoft.com/office/drawing/2016/11/main" r:id="rId3"/>
+              </a:ext>
+            </a:extLst>
+          </a:blip>
+          <a:stretch>
+            <a:fillRect/>
+          </a:stretch>
+        </p:blipFill>
+        <p:spPr>
+          <a:xfrm>
+            <a:off x="983342" y="2141538"/>
+            <a:ext cx="4400779" cy="3649662"/>
+          </a:xfrm>
+        </p:spPr>
+      </p:pic>
+      <p:sp>
+        <p:nvSpPr>
+          <p:cNvPr id="4" name="Content Placeholder 3">
+            <a:extLst>
+              <a:ext uri="{FF2B5EF4-FFF2-40B4-BE49-F238E27FC236}">
+                <a16:creationId xmlns:a16="http://schemas.microsoft.com/office/drawing/2014/main" id="{D8D3EF9E-06F3-4831-6DD8-9320E64A0200}"/>
+              </a:ext>
+            </a:extLst>
+          </p:cNvPr>
+          <p:cNvSpPr>
+            <a:spLocks noGrp="1"/>
+          </p:cNvSpPr>
+          <p:nvPr>
+            <p:ph sz="half" idx="2"/>
+          </p:nvPr>
+        </p:nvSpPr>
+        <p:spPr>
+          <a:xfrm>
+            <a:off x="5821895" y="2142067"/>
+            <a:ext cx="5674780" cy="3649133"/>
+          </a:xfrm>
+        </p:spPr>
+        <p:txBody>
+          <a:bodyPr>
+            <a:normAutofit/>
+          </a:bodyPr>
+          <a:lstStyle/>
+          <a:p>
+            <a:r>
+              <a:rPr lang="en-US" sz="2400" dirty="0"/>
+              <a:t>Coding on work laptop ready to teach a class in an hour</a:t>
+            </a:r>
+          </a:p>
+          <a:p>
+            <a:r>
+              <a:rPr lang="en-US" sz="2400" dirty="0"/>
+              <a:t>Working just fine!</a:t>
+            </a:r>
+          </a:p>
+        </p:txBody>
+      </p:sp>
+      <p:sp>
+        <p:nvSpPr>
+          <p:cNvPr id="9" name="TextBox 8">
+            <a:extLst>
+              <a:ext uri="{FF2B5EF4-FFF2-40B4-BE49-F238E27FC236}">
+                <a16:creationId xmlns:a16="http://schemas.microsoft.com/office/drawing/2014/main" id="{89A07D97-62E7-54D9-C75C-E1BC87F5C2D6}"/>
+              </a:ext>
+            </a:extLst>
+          </p:cNvPr>
+          <p:cNvSpPr txBox="1"/>
+          <p:nvPr/>
+        </p:nvSpPr>
+        <p:spPr>
+          <a:xfrm>
+            <a:off x="983342" y="5791200"/>
+            <a:ext cx="4400779" cy="230832"/>
+          </a:xfrm>
+          <a:prstGeom prst="rect">
+            <a:avLst/>
+          </a:prstGeom>
+          <a:noFill/>
+        </p:spPr>
+        <p:txBody>
+          <a:bodyPr wrap="square" rtlCol="0">
+            <a:spAutoFit/>
+          </a:bodyPr>
+          <a:lstStyle/>
+          <a:p>
+            <a:r>
+              <a:rPr lang="en-US" sz="900">
+                <a:hlinkClick r:id="rId3" tooltip="https://freepngimg.com/png/31738-coder-clipart"/>
+              </a:rPr>
+              <a:t>This Photo</a:t>
+            </a:r>
+            <a:r>
+              <a:rPr lang="en-US" sz="900"/>
+              <a:t> by Unknown Author is licensed under </a:t>
+            </a:r>
+            <a:r>
+              <a:rPr lang="en-US" sz="900">
+                <a:hlinkClick r:id="rId4" tooltip="https://creativecommons.org/licenses/by-nc/3.0/"/>
+              </a:rPr>
+              <a:t>CC BY-NC</a:t>
+            </a:r>
+            <a:endParaRPr lang="en-US" sz="900"/>
+          </a:p>
+        </p:txBody>
+      </p:sp>
+    </p:spTree>
+    <p:extLst>
+      <p:ext uri="{BB962C8B-B14F-4D97-AF65-F5344CB8AC3E}">
+        <p14:creationId xmlns:p14="http://schemas.microsoft.com/office/powerpoint/2010/main" val="1638533772"/>
+      </p:ext>
+    </p:extLst>
+  </p:cSld>
+  <p:clrMapOvr>
+    <a:masterClrMapping/>
+  </p:clrMapOvr>
+</p:sld>
+</file>
+
+<file path=ppt/slides/slide20.xml><?xml version="1.0" encoding="utf-8"?>
+<p:sld xmlns:a="http://schemas.openxmlformats.org/drawingml/2006/main" xmlns:r="http://schemas.openxmlformats.org/officeDocument/2006/relationships" xmlns:p="http://schemas.openxmlformats.org/presentationml/2006/main">
+  <p:cSld>
+    <p:spTree>
+      <p:nvGrpSpPr>
+        <p:cNvPr id="1" name=""/>
+        <p:cNvGrpSpPr/>
+        <p:nvPr/>
+      </p:nvGrpSpPr>
+      <p:grpSpPr>
+        <a:xfrm>
+          <a:off x="0" y="0"/>
+          <a:ext cx="0" cy="0"/>
+          <a:chOff x="0" y="0"/>
+          <a:chExt cx="0" cy="0"/>
+        </a:xfrm>
+      </p:grpSpPr>
+      <p:sp>
+        <p:nvSpPr>
+          <p:cNvPr id="2" name="Title 1">
+            <a:extLst>
+              <a:ext uri="{FF2B5EF4-FFF2-40B4-BE49-F238E27FC236}">
+                <a16:creationId xmlns:a16="http://schemas.microsoft.com/office/drawing/2014/main" id="{7F72B42D-97A1-DD68-BB84-922809072E3D}"/>
+              </a:ext>
+            </a:extLst>
+          </p:cNvPr>
+          <p:cNvSpPr>
+            <a:spLocks noGrp="1"/>
+          </p:cNvSpPr>
+          <p:nvPr>
+            <p:ph type="title"/>
+          </p:nvPr>
+        </p:nvSpPr>
+        <p:spPr/>
+        <p:txBody>
+          <a:bodyPr/>
+          <a:lstStyle/>
+          <a:p>
+            <a:r>
+              <a:rPr lang="en-US" dirty="0"/>
+              <a:t>Git</a:t>
+            </a:r>
+          </a:p>
+        </p:txBody>
+      </p:sp>
+      <p:sp>
+        <p:nvSpPr>
+          <p:cNvPr id="3" name="Content Placeholder 2">
+            <a:extLst>
+              <a:ext uri="{FF2B5EF4-FFF2-40B4-BE49-F238E27FC236}">
+                <a16:creationId xmlns:a16="http://schemas.microsoft.com/office/drawing/2014/main" id="{A42E5E1F-3887-E842-4B67-E5C7715B8384}"/>
+              </a:ext>
+            </a:extLst>
+          </p:cNvPr>
+          <p:cNvSpPr>
+            <a:spLocks noGrp="1"/>
+          </p:cNvSpPr>
+          <p:nvPr>
+            <p:ph idx="1"/>
+          </p:nvPr>
+        </p:nvSpPr>
+        <p:spPr/>
+        <p:txBody>
+          <a:bodyPr>
+            <a:noAutofit/>
+          </a:bodyPr>
+          <a:lstStyle/>
+          <a:p>
+            <a:r>
+              <a:rPr lang="en-US" sz="2800" dirty="0"/>
+              <a:t>Personal Access Token:</a:t>
+            </a:r>
+          </a:p>
+          <a:p>
+            <a:pPr lvl="1"/>
+            <a:r>
+              <a:rPr lang="en-US" sz="2200" dirty="0"/>
+              <a:t>Go to </a:t>
+            </a:r>
+            <a:r>
+              <a:rPr lang="en-US" sz="2200" dirty="0" err="1"/>
+              <a:t>GitHub.com</a:t>
+            </a:r>
+            <a:r>
+              <a:rPr lang="en-US" sz="2200" dirty="0"/>
+              <a:t> and click your avatar &gt; settings</a:t>
+            </a:r>
+          </a:p>
+          <a:p>
+            <a:pPr lvl="1"/>
+            <a:r>
+              <a:rPr lang="en-US" sz="2200" dirty="0"/>
+              <a:t>On the left, go to Developer Settings</a:t>
+            </a:r>
+          </a:p>
+          <a:p>
+            <a:pPr lvl="1"/>
+            <a:r>
+              <a:rPr lang="en-US" sz="2200" dirty="0"/>
+              <a:t>Click Personal access tokens &gt; Tokens (classic) &gt; Generate new token</a:t>
+            </a:r>
+          </a:p>
+          <a:p>
+            <a:pPr lvl="1"/>
+            <a:r>
+              <a:rPr lang="en-US" sz="2200" dirty="0"/>
+              <a:t>Make a note, set an expiration, and select repo under Scopes</a:t>
+            </a:r>
+          </a:p>
+          <a:p>
+            <a:pPr lvl="1"/>
+            <a:r>
+              <a:rPr lang="en-US" sz="2200" dirty="0"/>
+              <a:t>At the bottom: Generate token</a:t>
+            </a:r>
+          </a:p>
+          <a:p>
+            <a:pPr lvl="1"/>
+            <a:r>
+              <a:rPr lang="en-US" sz="2200" dirty="0"/>
+              <a:t>Copy the token and use as your password when prompted</a:t>
+            </a:r>
+          </a:p>
+          <a:p>
+            <a:pPr lvl="2"/>
+            <a:r>
+              <a:rPr lang="en-US" sz="2000" dirty="0"/>
+              <a:t>Vault the token (put it in a safe place)…i.e. NOT your public GitHub repo </a:t>
+            </a:r>
+            <a:r>
+              <a:rPr lang="en-US" sz="2000" dirty="0">
+                <a:sym typeface="Wingdings" pitchFamily="2" charset="2"/>
+              </a:rPr>
+              <a:t></a:t>
+            </a:r>
+          </a:p>
+          <a:p>
+            <a:pPr lvl="1"/>
+            <a:r>
+              <a:rPr lang="en-US" sz="2200" dirty="0">
+                <a:sym typeface="Wingdings" pitchFamily="2" charset="2"/>
+              </a:rPr>
+              <a:t>Demo?</a:t>
+            </a:r>
+            <a:endParaRPr lang="en-US" sz="2200" dirty="0"/>
+          </a:p>
+          <a:p>
+            <a:pPr lvl="2"/>
+            <a:endParaRPr lang="en-US" sz="2400" dirty="0"/>
+          </a:p>
+        </p:txBody>
+      </p:sp>
+    </p:spTree>
+    <p:extLst>
+      <p:ext uri="{BB962C8B-B14F-4D97-AF65-F5344CB8AC3E}">
+        <p14:creationId xmlns:p14="http://schemas.microsoft.com/office/powerpoint/2010/main" val="2299118245"/>
+      </p:ext>
+    </p:extLst>
+  </p:cSld>
+  <p:clrMapOvr>
+    <a:masterClrMapping/>
+  </p:clrMapOvr>
+</p:sld>
+</file>
+
+<file path=ppt/slides/slide21.xml><?xml version="1.0" encoding="utf-8"?>
 <p:sld xmlns:a="http://schemas.openxmlformats.org/drawingml/2006/main" xmlns:r="http://schemas.openxmlformats.org/officeDocument/2006/relationships" xmlns:p="http://schemas.openxmlformats.org/presentationml/2006/main">
   <p:cSld>
     <p:bg>
@@ -7327,7 +10898,7 @@
 </p:sld>
 </file>
 
-<file path=ppt/slides/slide14.xml><?xml version="1.0" encoding="utf-8"?>
+<file path=ppt/slides/slide22.xml><?xml version="1.0" encoding="utf-8"?>
 <p:sld xmlns:a="http://schemas.openxmlformats.org/drawingml/2006/main" xmlns:r="http://schemas.openxmlformats.org/officeDocument/2006/relationships" xmlns:p="http://schemas.openxmlformats.org/presentationml/2006/main">
   <p:cSld>
     <p:spTree>
@@ -7622,7 +11193,7 @@
 </p:sld>
 </file>
 
-<file path=ppt/slides/slide15.xml><?xml version="1.0" encoding="utf-8"?>
+<file path=ppt/slides/slide23.xml><?xml version="1.0" encoding="utf-8"?>
 <p:sld xmlns:a="http://schemas.openxmlformats.org/drawingml/2006/main" xmlns:r="http://schemas.openxmlformats.org/officeDocument/2006/relationships" xmlns:p="http://schemas.openxmlformats.org/presentationml/2006/main">
   <p:cSld>
     <p:spTree>
@@ -7976,7 +11547,7 @@
 </p:sld>
 </file>
 
-<file path=ppt/slides/slide16.xml><?xml version="1.0" encoding="utf-8"?>
+<file path=ppt/slides/slide24.xml><?xml version="1.0" encoding="utf-8"?>
 <p:sld xmlns:a="http://schemas.openxmlformats.org/drawingml/2006/main" xmlns:r="http://schemas.openxmlformats.org/officeDocument/2006/relationships" xmlns:p="http://schemas.openxmlformats.org/presentationml/2006/main">
   <p:cSld>
     <p:bg>
@@ -8086,7 +11657,7 @@
 </p:sld>
 </file>
 
-<file path=ppt/slides/slide17.xml><?xml version="1.0" encoding="utf-8"?>
+<file path=ppt/slides/slide25.xml><?xml version="1.0" encoding="utf-8"?>
 <p:sld xmlns:a="http://schemas.openxmlformats.org/drawingml/2006/main" xmlns:r="http://schemas.openxmlformats.org/officeDocument/2006/relationships" xmlns:p="http://schemas.openxmlformats.org/presentationml/2006/main">
   <p:cSld>
     <p:spTree>
@@ -8203,7 +11774,7 @@
 </p:sld>
 </file>
 
-<file path=ppt/slides/slide18.xml><?xml version="1.0" encoding="utf-8"?>
+<file path=ppt/slides/slide26.xml><?xml version="1.0" encoding="utf-8"?>
 <p:sld xmlns:a="http://schemas.openxmlformats.org/drawingml/2006/main" xmlns:r="http://schemas.openxmlformats.org/officeDocument/2006/relationships" xmlns:p="http://schemas.openxmlformats.org/presentationml/2006/main">
   <p:cSld>
     <p:bg>
@@ -8285,7 +11856,7 @@
 </p:sld>
 </file>
 
-<file path=ppt/slides/slide19.xml><?xml version="1.0" encoding="utf-8"?>
+<file path=ppt/slides/slide27.xml><?xml version="1.0" encoding="utf-8"?>
 <p:sld xmlns:a="http://schemas.openxmlformats.org/drawingml/2006/main" xmlns:r="http://schemas.openxmlformats.org/officeDocument/2006/relationships" xmlns:p="http://schemas.openxmlformats.org/presentationml/2006/main">
   <p:cSld>
     <p:spTree>
@@ -8697,14 +12268,8 @@
             </a:pPr>
             <a:r>
               <a:rPr lang="en-US" sz="2000" dirty="0"/>
-              <a:t>Learn the basics of Git branching so that you can diverge from the main code base.</a:t>
-            </a:r>
-          </a:p>
-          <a:p>
-            <a:pPr marL="0" indent="0" algn="ctr">
-              <a:buFont typeface="Arial" charset="0"/>
-              <a:buNone/>
-            </a:pPr>
+              <a:t>Learn the basics of Git branching </a:t>
+            </a:r>
             <a:r>
               <a:rPr lang="en-US" sz="2670" dirty="0"/>
               <a:t>https://</a:t>
@@ -8788,7 +12353,7 @@
           </a:ln>
           <a:extLst>
             <a:ext uri="{C572A759-6A51-4108-AA02-DFA0A04FC94B}">
-              <ma14:wrappingTextBoxFlag xmlns="" xmlns:m="http://schemas.openxmlformats.org/officeDocument/2006/math" xmlns:a14="http://schemas.microsoft.com/office/drawing/2010/main" xmlns:ma14="http://schemas.microsoft.com/office/mac/drawingml/2011/main" val="1"/>
+              <ma14:wrappingTextBoxFlag xmlns:ma14="http://schemas.microsoft.com/office/mac/drawingml/2011/main" xmlns:a14="http://schemas.microsoft.com/office/drawing/2010/main" xmlns:m="http://schemas.openxmlformats.org/officeDocument/2006/math" xmlns="" val="1"/>
             </a:ext>
           </a:extLst>
         </p:spPr>
@@ -8845,189 +12410,7 @@
 </p:sld>
 </file>
 
-<file path=ppt/slides/slide2.xml><?xml version="1.0" encoding="utf-8"?>
-<p:sld xmlns:a="http://schemas.openxmlformats.org/drawingml/2006/main" xmlns:r="http://schemas.openxmlformats.org/officeDocument/2006/relationships" xmlns:p="http://schemas.openxmlformats.org/presentationml/2006/main">
-  <p:cSld>
-    <p:spTree>
-      <p:nvGrpSpPr>
-        <p:cNvPr id="1" name=""/>
-        <p:cNvGrpSpPr/>
-        <p:nvPr/>
-      </p:nvGrpSpPr>
-      <p:grpSpPr>
-        <a:xfrm>
-          <a:off x="0" y="0"/>
-          <a:ext cx="0" cy="0"/>
-          <a:chOff x="0" y="0"/>
-          <a:chExt cx="0" cy="0"/>
-        </a:xfrm>
-      </p:grpSpPr>
-      <p:sp>
-        <p:nvSpPr>
-          <p:cNvPr id="2" name="Title 1">
-            <a:extLst>
-              <a:ext uri="{FF2B5EF4-FFF2-40B4-BE49-F238E27FC236}">
-                <a16:creationId xmlns:a16="http://schemas.microsoft.com/office/drawing/2014/main" id="{FA23BE6F-4618-6198-6571-76BE141EEE92}"/>
-              </a:ext>
-            </a:extLst>
-          </p:cNvPr>
-          <p:cNvSpPr>
-            <a:spLocks noGrp="1"/>
-          </p:cNvSpPr>
-          <p:nvPr>
-            <p:ph type="title"/>
-          </p:nvPr>
-        </p:nvSpPr>
-        <p:spPr/>
-        <p:txBody>
-          <a:bodyPr/>
-          <a:lstStyle/>
-          <a:p>
-            <a:r>
-              <a:rPr lang="en-US" dirty="0"/>
-              <a:t>Starting with: a True story</a:t>
-            </a:r>
-          </a:p>
-        </p:txBody>
-      </p:sp>
-      <p:pic>
-        <p:nvPicPr>
-          <p:cNvPr id="8" name="Content Placeholder 7" descr="Cartoon of a person in a suit and tie&#10;&#10;Description automatically generated">
-            <a:extLst>
-              <a:ext uri="{FF2B5EF4-FFF2-40B4-BE49-F238E27FC236}">
-                <a16:creationId xmlns:a16="http://schemas.microsoft.com/office/drawing/2014/main" id="{5F701E78-084B-C453-D0FD-A86DEA42AA1B}"/>
-              </a:ext>
-            </a:extLst>
-          </p:cNvPr>
-          <p:cNvPicPr>
-            <a:picLocks noGrp="1" noChangeAspect="1"/>
-          </p:cNvPicPr>
-          <p:nvPr>
-            <p:ph sz="half" idx="1"/>
-          </p:nvPr>
-        </p:nvPicPr>
-        <p:blipFill>
-          <a:blip r:embed="rId2">
-            <a:extLst>
-              <a:ext uri="{837473B0-CC2E-450A-ABE3-18F120FF3D39}">
-                <a1611:picAttrSrcUrl xmlns:a1611="http://schemas.microsoft.com/office/drawing/2016/11/main" r:id="rId3"/>
-              </a:ext>
-            </a:extLst>
-          </a:blip>
-          <a:stretch>
-            <a:fillRect/>
-          </a:stretch>
-        </p:blipFill>
-        <p:spPr>
-          <a:xfrm>
-            <a:off x="983342" y="2141538"/>
-            <a:ext cx="4400779" cy="3649662"/>
-          </a:xfrm>
-        </p:spPr>
-      </p:pic>
-      <p:sp>
-        <p:nvSpPr>
-          <p:cNvPr id="4" name="Content Placeholder 3">
-            <a:extLst>
-              <a:ext uri="{FF2B5EF4-FFF2-40B4-BE49-F238E27FC236}">
-                <a16:creationId xmlns:a16="http://schemas.microsoft.com/office/drawing/2014/main" id="{D8D3EF9E-06F3-4831-6DD8-9320E64A0200}"/>
-              </a:ext>
-            </a:extLst>
-          </p:cNvPr>
-          <p:cNvSpPr>
-            <a:spLocks noGrp="1"/>
-          </p:cNvSpPr>
-          <p:nvPr>
-            <p:ph sz="half" idx="2"/>
-          </p:nvPr>
-        </p:nvSpPr>
-        <p:spPr>
-          <a:xfrm>
-            <a:off x="5821895" y="2142067"/>
-            <a:ext cx="5674780" cy="3649133"/>
-          </a:xfrm>
-        </p:spPr>
-        <p:txBody>
-          <a:bodyPr>
-            <a:normAutofit/>
-          </a:bodyPr>
-          <a:lstStyle/>
-          <a:p>
-            <a:r>
-              <a:rPr lang="en-US" sz="2400" dirty="0"/>
-              <a:t>Coding on work laptop ready to teach a class in an hour</a:t>
-            </a:r>
-          </a:p>
-          <a:p>
-            <a:r>
-              <a:rPr lang="en-US" sz="2400" dirty="0"/>
-              <a:t>Working just fine!</a:t>
-            </a:r>
-          </a:p>
-        </p:txBody>
-      </p:sp>
-      <p:sp>
-        <p:nvSpPr>
-          <p:cNvPr id="9" name="TextBox 8">
-            <a:extLst>
-              <a:ext uri="{FF2B5EF4-FFF2-40B4-BE49-F238E27FC236}">
-                <a16:creationId xmlns:a16="http://schemas.microsoft.com/office/drawing/2014/main" id="{89A07D97-62E7-54D9-C75C-E1BC87F5C2D6}"/>
-              </a:ext>
-            </a:extLst>
-          </p:cNvPr>
-          <p:cNvSpPr txBox="1"/>
-          <p:nvPr/>
-        </p:nvSpPr>
-        <p:spPr>
-          <a:xfrm>
-            <a:off x="983342" y="5791200"/>
-            <a:ext cx="4400779" cy="230832"/>
-          </a:xfrm>
-          <a:prstGeom prst="rect">
-            <a:avLst/>
-          </a:prstGeom>
-          <a:noFill/>
-        </p:spPr>
-        <p:txBody>
-          <a:bodyPr wrap="square" rtlCol="0">
-            <a:spAutoFit/>
-          </a:bodyPr>
-          <a:lstStyle/>
-          <a:p>
-            <a:r>
-              <a:rPr lang="en-US" sz="900">
-                <a:hlinkClick r:id="rId3" tooltip="https://freepngimg.com/png/31738-coder-clipart"/>
-              </a:rPr>
-              <a:t>This Photo</a:t>
-            </a:r>
-            <a:r>
-              <a:rPr lang="en-US" sz="900"/>
-              <a:t> by Unknown Author is licensed under </a:t>
-            </a:r>
-            <a:r>
-              <a:rPr lang="en-US" sz="900">
-                <a:hlinkClick r:id="rId4" tooltip="https://creativecommons.org/licenses/by-nc/3.0/"/>
-              </a:rPr>
-              <a:t>CC BY-NC</a:t>
-            </a:r>
-            <a:endParaRPr lang="en-US" sz="900"/>
-          </a:p>
-        </p:txBody>
-      </p:sp>
-    </p:spTree>
-    <p:extLst>
-      <p:ext uri="{BB962C8B-B14F-4D97-AF65-F5344CB8AC3E}">
-        <p14:creationId xmlns:p14="http://schemas.microsoft.com/office/powerpoint/2010/main" val="1638533772"/>
-      </p:ext>
-    </p:extLst>
-  </p:cSld>
-  <p:clrMapOvr>
-    <a:masterClrMapping/>
-  </p:clrMapOvr>
-</p:sld>
-</file>
-
-<file path=ppt/slides/slide20.xml><?xml version="1.0" encoding="utf-8"?>
+<file path=ppt/slides/slide28.xml><?xml version="1.0" encoding="utf-8"?>
 <p:sld xmlns:a="http://schemas.openxmlformats.org/drawingml/2006/main" xmlns:r="http://schemas.openxmlformats.org/officeDocument/2006/relationships" xmlns:p="http://schemas.openxmlformats.org/presentationml/2006/main">
   <p:cSld>
     <p:spTree>

--- a/1-Monday/Intro-to-Git/WASTC2024-vFDW-Intro-to-Git.pptx
+++ b/1-Monday/Intro-to-Git/WASTC2024-vFDW-Intro-to-Git.pptx
@@ -6905,7 +6905,29 @@
           <a:p>
             <a:r>
               <a:rPr lang="en-US" dirty="0"/>
-              <a:t>Dr. </a:t>
+              <a:t>Presenting: Dr. </a:t>
+            </a:r>
+            <a:r>
+              <a:rPr lang="en-US" dirty="0" err="1"/>
+              <a:t>aaron</a:t>
+            </a:r>
+            <a:r>
+              <a:rPr lang="en-US" dirty="0"/>
+              <a:t> Hamachi</a:t>
+            </a:r>
+          </a:p>
+          <a:p>
+            <a:r>
+              <a:rPr lang="en-US" dirty="0"/>
+              <a:t>Lab: Alexander Stevenson, Adrian </a:t>
+            </a:r>
+            <a:r>
+              <a:rPr lang="en-US" dirty="0" err="1"/>
+              <a:t>Iliesiu</a:t>
+            </a:r>
+            <a:r>
+              <a:rPr lang="en-US" dirty="0"/>
+              <a:t>, </a:t>
             </a:r>
             <a:r>
               <a:rPr lang="en-US" dirty="0" err="1"/>
@@ -12400,7 +12422,7 @@
           </a:ln>
           <a:extLst>
             <a:ext uri="{C572A759-6A51-4108-AA02-DFA0A04FC94B}">
-              <ma14:wrappingTextBoxFlag xmlns="" xmlns:m="http://schemas.openxmlformats.org/officeDocument/2006/math" xmlns:a14="http://schemas.microsoft.com/office/drawing/2010/main" xmlns:ma14="http://schemas.microsoft.com/office/mac/drawingml/2011/main" val="1"/>
+              <ma14:wrappingTextBoxFlag xmlns:ma14="http://schemas.microsoft.com/office/mac/drawingml/2011/main" xmlns:a14="http://schemas.microsoft.com/office/drawing/2010/main" xmlns:m="http://schemas.openxmlformats.org/officeDocument/2006/math" xmlns="" val="1"/>
             </a:ext>
           </a:extLst>
         </p:spPr>

--- a/1-Monday/Intro-to-Git/WASTC2024-vFDW-Intro-to-Git.pptx
+++ b/1-Monday/Intro-to-Git/WASTC2024-vFDW-Intro-to-Git.pptx
@@ -22,9 +22,9 @@
     <p:sldId id="282" r:id="rId10"/>
     <p:sldId id="257" r:id="rId11"/>
     <p:sldId id="284" r:id="rId12"/>
-    <p:sldId id="289" r:id="rId13"/>
-    <p:sldId id="292" r:id="rId14"/>
-    <p:sldId id="290" r:id="rId15"/>
+    <p:sldId id="292" r:id="rId13"/>
+    <p:sldId id="290" r:id="rId14"/>
+    <p:sldId id="289" r:id="rId15"/>
     <p:sldId id="293" r:id="rId16"/>
     <p:sldId id="296" r:id="rId17"/>
     <p:sldId id="297" r:id="rId18"/>
@@ -242,7 +242,7 @@
           <a:p>
             <a:fld id="{98E1B244-5E4C-0348-8382-0755ACCC0FC2}" type="datetimeFigureOut">
               <a:rPr lang="en-US" smtClean="0"/>
-              <a:t>6/11/24</a:t>
+              <a:t>6/18/24</a:t>
             </a:fld>
             <a:endParaRPr lang="en-US"/>
           </a:p>
@@ -419,7 +419,7 @@
           <a:p>
             <a:fld id="{FC95F858-0C5D-344D-90AD-DBEE19136069}" type="datetimeFigureOut">
               <a:rPr lang="en-US" smtClean="0"/>
-              <a:t>6/11/24</a:t>
+              <a:t>6/18/24</a:t>
             </a:fld>
             <a:endParaRPr lang="en-US"/>
           </a:p>
@@ -1247,7 +1247,7 @@
             <a:fld id="{B61BEF0D-F0BB-DE4B-95CE-6DB70DBA9567}" type="datetimeFigureOut">
               <a:rPr lang="en-US" dirty="0"/>
               <a:pPr/>
-              <a:t>6/11/24</a:t>
+              <a:t>6/18/24</a:t>
             </a:fld>
             <a:endParaRPr lang="en-US" dirty="0"/>
           </a:p>
@@ -1578,7 +1578,7 @@
             <a:fld id="{B61BEF0D-F0BB-DE4B-95CE-6DB70DBA9567}" type="datetimeFigureOut">
               <a:rPr lang="en-US" dirty="0"/>
               <a:pPr/>
-              <a:t>6/11/24</a:t>
+              <a:t>6/18/24</a:t>
             </a:fld>
             <a:endParaRPr lang="en-US" dirty="0"/>
           </a:p>
@@ -1853,7 +1853,7 @@
             <a:fld id="{B61BEF0D-F0BB-DE4B-95CE-6DB70DBA9567}" type="datetimeFigureOut">
               <a:rPr lang="en-US" dirty="0"/>
               <a:pPr/>
-              <a:t>6/11/24</a:t>
+              <a:t>6/18/24</a:t>
             </a:fld>
             <a:endParaRPr lang="en-US" dirty="0"/>
           </a:p>
@@ -2418,7 +2418,7 @@
             <a:fld id="{B61BEF0D-F0BB-DE4B-95CE-6DB70DBA9567}" type="datetimeFigureOut">
               <a:rPr lang="en-US" dirty="0"/>
               <a:pPr/>
-              <a:t>6/11/24</a:t>
+              <a:t>6/18/24</a:t>
             </a:fld>
             <a:endParaRPr lang="en-US" dirty="0"/>
           </a:p>
@@ -2693,7 +2693,7 @@
             <a:fld id="{B61BEF0D-F0BB-DE4B-95CE-6DB70DBA9567}" type="datetimeFigureOut">
               <a:rPr lang="en-US" dirty="0"/>
               <a:pPr/>
-              <a:t>6/11/24</a:t>
+              <a:t>6/18/24</a:t>
             </a:fld>
             <a:endParaRPr lang="en-US" dirty="0"/>
           </a:p>
@@ -3252,7 +3252,7 @@
             <a:fld id="{B61BEF0D-F0BB-DE4B-95CE-6DB70DBA9567}" type="datetimeFigureOut">
               <a:rPr lang="en-US" dirty="0"/>
               <a:pPr/>
-              <a:t>6/11/24</a:t>
+              <a:t>6/18/24</a:t>
             </a:fld>
             <a:endParaRPr lang="en-US" dirty="0"/>
           </a:p>
@@ -3576,7 +3576,7 @@
             <a:fld id="{B61BEF0D-F0BB-DE4B-95CE-6DB70DBA9567}" type="datetimeFigureOut">
               <a:rPr lang="en-US" dirty="0"/>
               <a:pPr/>
-              <a:t>6/11/24</a:t>
+              <a:t>6/18/24</a:t>
             </a:fld>
             <a:endParaRPr lang="en-US" dirty="0"/>
           </a:p>
@@ -3750,7 +3750,7 @@
             <a:fld id="{B61BEF0D-F0BB-DE4B-95CE-6DB70DBA9567}" type="datetimeFigureOut">
               <a:rPr lang="en-US" dirty="0"/>
               <a:pPr/>
-              <a:t>6/11/24</a:t>
+              <a:t>6/18/24</a:t>
             </a:fld>
             <a:endParaRPr lang="en-US" dirty="0"/>
           </a:p>
@@ -3985,7 +3985,7 @@
             <a:fld id="{B61BEF0D-F0BB-DE4B-95CE-6DB70DBA9567}" type="datetimeFigureOut">
               <a:rPr lang="en-US" dirty="0"/>
               <a:pPr/>
-              <a:t>6/11/24</a:t>
+              <a:t>6/18/24</a:t>
             </a:fld>
             <a:endParaRPr lang="en-US" dirty="0"/>
           </a:p>
@@ -4152,7 +4152,7 @@
             <a:fld id="{B61BEF0D-F0BB-DE4B-95CE-6DB70DBA9567}" type="datetimeFigureOut">
               <a:rPr lang="en-US" dirty="0"/>
               <a:pPr/>
-              <a:t>6/11/24</a:t>
+              <a:t>6/18/24</a:t>
             </a:fld>
             <a:endParaRPr lang="en-US" dirty="0"/>
           </a:p>
@@ -4425,7 +4425,7 @@
             <a:fld id="{B61BEF0D-F0BB-DE4B-95CE-6DB70DBA9567}" type="datetimeFigureOut">
               <a:rPr lang="en-US" dirty="0"/>
               <a:pPr/>
-              <a:t>6/11/24</a:t>
+              <a:t>6/18/24</a:t>
             </a:fld>
             <a:endParaRPr lang="en-US" dirty="0"/>
           </a:p>
@@ -4688,7 +4688,7 @@
             <a:fld id="{B61BEF0D-F0BB-DE4B-95CE-6DB70DBA9567}" type="datetimeFigureOut">
               <a:rPr lang="en-US" dirty="0"/>
               <a:pPr/>
-              <a:t>6/11/24</a:t>
+              <a:t>6/18/24</a:t>
             </a:fld>
             <a:endParaRPr lang="en-US" dirty="0"/>
           </a:p>
@@ -5059,7 +5059,7 @@
             <a:fld id="{B61BEF0D-F0BB-DE4B-95CE-6DB70DBA9567}" type="datetimeFigureOut">
               <a:rPr lang="en-US" dirty="0"/>
               <a:pPr/>
-              <a:t>6/11/24</a:t>
+              <a:t>6/18/24</a:t>
             </a:fld>
             <a:endParaRPr lang="en-US" dirty="0"/>
           </a:p>
@@ -5204,7 +5204,7 @@
             <a:fld id="{B61BEF0D-F0BB-DE4B-95CE-6DB70DBA9567}" type="datetimeFigureOut">
               <a:rPr lang="en-US" dirty="0"/>
               <a:pPr/>
-              <a:t>6/11/24</a:t>
+              <a:t>6/18/24</a:t>
             </a:fld>
             <a:endParaRPr lang="en-US" dirty="0"/>
           </a:p>
@@ -5326,7 +5326,7 @@
             <a:fld id="{B61BEF0D-F0BB-DE4B-95CE-6DB70DBA9567}" type="datetimeFigureOut">
               <a:rPr lang="en-US" dirty="0"/>
               <a:pPr/>
-              <a:t>6/11/24</a:t>
+              <a:t>6/18/24</a:t>
             </a:fld>
             <a:endParaRPr lang="en-US" dirty="0"/>
           </a:p>
@@ -5608,7 +5608,7 @@
             <a:fld id="{B61BEF0D-F0BB-DE4B-95CE-6DB70DBA9567}" type="datetimeFigureOut">
               <a:rPr lang="en-US" dirty="0"/>
               <a:pPr/>
-              <a:t>6/11/24</a:t>
+              <a:t>6/18/24</a:t>
             </a:fld>
             <a:endParaRPr lang="en-US" dirty="0"/>
           </a:p>
@@ -5929,7 +5929,7 @@
             <a:fld id="{B61BEF0D-F0BB-DE4B-95CE-6DB70DBA9567}" type="datetimeFigureOut">
               <a:rPr lang="en-US" dirty="0"/>
               <a:pPr/>
-              <a:t>6/11/24</a:t>
+              <a:t>6/18/24</a:t>
             </a:fld>
             <a:endParaRPr lang="en-US" dirty="0"/>
           </a:p>
@@ -6150,7 +6150,7 @@
             <a:fld id="{B61BEF0D-F0BB-DE4B-95CE-6DB70DBA9567}" type="datetimeFigureOut">
               <a:rPr lang="en-US" dirty="0"/>
               <a:pPr/>
-              <a:t>6/11/24</a:t>
+              <a:t>6/18/24</a:t>
             </a:fld>
             <a:endParaRPr lang="en-US" dirty="0"/>
           </a:p>
@@ -7027,8 +7027,12 @@
           <a:lstStyle/>
           <a:p>
             <a:r>
+              <a:rPr lang="en-US" sz="2800" b="1" dirty="0"/>
+              <a:t>Git</a:t>
+            </a:r>
+            <a:r>
               <a:rPr lang="en-US" sz="2800" dirty="0"/>
-              <a:t>Git manages files on your computer so that when you make changes, you can </a:t>
+              <a:t> manages files on your computer so that when you make changes, you can </a:t>
             </a:r>
             <a:r>
               <a:rPr lang="en-US" sz="2800" dirty="0">
@@ -7056,12 +7060,13 @@
             </a:r>
           </a:p>
           <a:p>
-            <a:endParaRPr lang="en-US" sz="2800" dirty="0"/>
-          </a:p>
-          <a:p>
+            <a:r>
+              <a:rPr lang="en-US" sz="2800" b="1" dirty="0"/>
+              <a:t>GitHub</a:t>
+            </a:r>
             <a:r>
               <a:rPr lang="en-US" sz="2800" dirty="0"/>
-              <a:t>GitHub also enables you to </a:t>
+              <a:t> also enables you to </a:t>
             </a:r>
             <a:r>
               <a:rPr lang="en-US" sz="2800" dirty="0">
@@ -7075,6 +7080,25 @@
               <a:rPr lang="en-US" sz="2800" dirty="0"/>
               <a:t> on new versions of files.</a:t>
             </a:r>
+          </a:p>
+          <a:p>
+            <a:r>
+              <a:rPr lang="en-US" sz="2800" dirty="0"/>
+              <a:t>Now would be a good time to login or create your </a:t>
+            </a:r>
+            <a:r>
+              <a:rPr lang="en-US" sz="2800" dirty="0" err="1"/>
+              <a:t>github.com</a:t>
+            </a:r>
+            <a:r>
+              <a:rPr lang="en-US" sz="2800" dirty="0"/>
+              <a:t> account (</a:t>
+            </a:r>
+            <a:r>
+              <a:rPr lang="en-US" sz="2800"/>
+              <a:t>it’s free).</a:t>
+            </a:r>
+            <a:endParaRPr lang="en-US" sz="2800" dirty="0"/>
           </a:p>
         </p:txBody>
       </p:sp>
@@ -7227,6 +7251,354 @@
 </file>
 
 <file path=ppt/slides/slide12.xml><?xml version="1.0" encoding="utf-8"?>
+<p:sld xmlns:a="http://schemas.openxmlformats.org/drawingml/2006/main" xmlns:r="http://schemas.openxmlformats.org/officeDocument/2006/relationships" xmlns:p="http://schemas.openxmlformats.org/presentationml/2006/main">
+  <p:cSld>
+    <p:spTree>
+      <p:nvGrpSpPr>
+        <p:cNvPr id="1" name=""/>
+        <p:cNvGrpSpPr/>
+        <p:nvPr/>
+      </p:nvGrpSpPr>
+      <p:grpSpPr>
+        <a:xfrm>
+          <a:off x="0" y="0"/>
+          <a:ext cx="0" cy="0"/>
+          <a:chOff x="0" y="0"/>
+          <a:chExt cx="0" cy="0"/>
+        </a:xfrm>
+      </p:grpSpPr>
+      <p:sp>
+        <p:nvSpPr>
+          <p:cNvPr id="2" name="Title 1">
+            <a:extLst>
+              <a:ext uri="{FF2B5EF4-FFF2-40B4-BE49-F238E27FC236}">
+                <a16:creationId xmlns:a16="http://schemas.microsoft.com/office/drawing/2014/main" id="{7F72B42D-97A1-DD68-BB84-922809072E3D}"/>
+              </a:ext>
+            </a:extLst>
+          </p:cNvPr>
+          <p:cNvSpPr>
+            <a:spLocks noGrp="1"/>
+          </p:cNvSpPr>
+          <p:nvPr>
+            <p:ph type="title"/>
+          </p:nvPr>
+        </p:nvSpPr>
+        <p:spPr>
+          <a:xfrm>
+            <a:off x="685801" y="609601"/>
+            <a:ext cx="10131425" cy="795454"/>
+          </a:xfrm>
+        </p:spPr>
+        <p:txBody>
+          <a:bodyPr/>
+          <a:lstStyle/>
+          <a:p>
+            <a:r>
+              <a:rPr lang="en-US" dirty="0"/>
+              <a:t>Git</a:t>
+            </a:r>
+          </a:p>
+        </p:txBody>
+      </p:sp>
+      <p:sp>
+        <p:nvSpPr>
+          <p:cNvPr id="3" name="Content Placeholder 2">
+            <a:extLst>
+              <a:ext uri="{FF2B5EF4-FFF2-40B4-BE49-F238E27FC236}">
+                <a16:creationId xmlns:a16="http://schemas.microsoft.com/office/drawing/2014/main" id="{A42E5E1F-3887-E842-4B67-E5C7715B8384}"/>
+              </a:ext>
+            </a:extLst>
+          </p:cNvPr>
+          <p:cNvSpPr>
+            <a:spLocks noGrp="1"/>
+          </p:cNvSpPr>
+          <p:nvPr>
+            <p:ph idx="1"/>
+          </p:nvPr>
+        </p:nvSpPr>
+        <p:spPr>
+          <a:xfrm>
+            <a:off x="685801" y="1906859"/>
+            <a:ext cx="10131425" cy="3884341"/>
+          </a:xfrm>
+        </p:spPr>
+        <p:txBody>
+          <a:bodyPr>
+            <a:noAutofit/>
+          </a:bodyPr>
+          <a:lstStyle/>
+          <a:p>
+            <a:r>
+              <a:rPr lang="en-US" sz="2800" dirty="0"/>
+              <a:t>Git is organized by 3 </a:t>
+            </a:r>
+            <a:r>
+              <a:rPr lang="en-US" sz="2800" dirty="0">
+                <a:highlight>
+                  <a:srgbClr val="00FF00"/>
+                </a:highlight>
+              </a:rPr>
+              <a:t>states</a:t>
+            </a:r>
+            <a:r>
+              <a:rPr lang="en-US" sz="2800" dirty="0"/>
+              <a:t> and 3 </a:t>
+            </a:r>
+            <a:r>
+              <a:rPr lang="en-US" sz="2800" dirty="0">
+                <a:highlight>
+                  <a:srgbClr val="00FF00"/>
+                </a:highlight>
+              </a:rPr>
+              <a:t>stages</a:t>
+            </a:r>
+          </a:p>
+          <a:p>
+            <a:r>
+              <a:rPr lang="en-US" sz="2800" dirty="0"/>
+              <a:t>The three </a:t>
+            </a:r>
+            <a:r>
+              <a:rPr lang="en-US" sz="2800" dirty="0">
+                <a:highlight>
+                  <a:srgbClr val="00FF00"/>
+                </a:highlight>
+              </a:rPr>
+              <a:t>stages</a:t>
+            </a:r>
+            <a:r>
+              <a:rPr lang="en-US" sz="2800" dirty="0"/>
+              <a:t> are:</a:t>
+            </a:r>
+          </a:p>
+          <a:p>
+            <a:pPr lvl="1"/>
+            <a:r>
+              <a:rPr lang="en-US" sz="2600" dirty="0"/>
+              <a:t>Repository (the .git directory)</a:t>
+            </a:r>
+          </a:p>
+          <a:p>
+            <a:pPr lvl="1"/>
+            <a:r>
+              <a:rPr lang="en-US" sz="2600" dirty="0"/>
+              <a:t>Working directory</a:t>
+            </a:r>
+          </a:p>
+          <a:p>
+            <a:pPr lvl="1"/>
+            <a:r>
+              <a:rPr lang="en-US" sz="2600" dirty="0"/>
+              <a:t>Staging area</a:t>
+            </a:r>
+          </a:p>
+          <a:p>
+            <a:r>
+              <a:rPr lang="en-US" sz="2800" dirty="0"/>
+              <a:t>The three </a:t>
+            </a:r>
+            <a:r>
+              <a:rPr lang="en-US" sz="2800" dirty="0">
+                <a:highlight>
+                  <a:srgbClr val="00FF00"/>
+                </a:highlight>
+              </a:rPr>
+              <a:t>states</a:t>
+            </a:r>
+            <a:r>
+              <a:rPr lang="en-US" sz="2800" dirty="0"/>
+              <a:t> are:</a:t>
+            </a:r>
+          </a:p>
+          <a:p>
+            <a:pPr lvl="1"/>
+            <a:r>
+              <a:rPr lang="en-US" sz="2600" dirty="0"/>
+              <a:t>Committed</a:t>
+            </a:r>
+          </a:p>
+          <a:p>
+            <a:pPr lvl="1"/>
+            <a:r>
+              <a:rPr lang="en-US" sz="2600" dirty="0"/>
+              <a:t>Modified</a:t>
+            </a:r>
+          </a:p>
+          <a:p>
+            <a:pPr lvl="1"/>
+            <a:r>
+              <a:rPr lang="en-US" sz="2600" dirty="0"/>
+              <a:t>Staged</a:t>
+            </a:r>
+          </a:p>
+        </p:txBody>
+      </p:sp>
+      <p:pic>
+        <p:nvPicPr>
+          <p:cNvPr id="8" name="Picture 2">
+            <a:extLst>
+              <a:ext uri="{FF2B5EF4-FFF2-40B4-BE49-F238E27FC236}">
+                <a16:creationId xmlns:a16="http://schemas.microsoft.com/office/drawing/2014/main" id="{83A32623-2EC5-A102-5334-58CB1DCE4CBF}"/>
+              </a:ext>
+            </a:extLst>
+          </p:cNvPr>
+          <p:cNvPicPr>
+            <a:picLocks noChangeAspect="1" noChangeArrowheads="1"/>
+          </p:cNvPicPr>
+          <p:nvPr/>
+        </p:nvPicPr>
+        <p:blipFill>
+          <a:blip r:embed="rId2"/>
+          <a:srcRect/>
+          <a:stretch>
+            <a:fillRect/>
+          </a:stretch>
+        </p:blipFill>
+        <p:spPr bwMode="auto">
+          <a:xfrm>
+            <a:off x="5537785" y="2065867"/>
+            <a:ext cx="6567537" cy="4323782"/>
+          </a:xfrm>
+          <a:prstGeom prst="rect">
+            <a:avLst/>
+          </a:prstGeom>
+          <a:noFill/>
+          <a:ln w="9525">
+            <a:noFill/>
+            <a:miter lim="800000"/>
+            <a:headEnd/>
+            <a:tailEnd/>
+          </a:ln>
+        </p:spPr>
+      </p:pic>
+    </p:spTree>
+    <p:extLst>
+      <p:ext uri="{BB962C8B-B14F-4D97-AF65-F5344CB8AC3E}">
+        <p14:creationId xmlns:p14="http://schemas.microsoft.com/office/powerpoint/2010/main" val="1467606254"/>
+      </p:ext>
+    </p:extLst>
+  </p:cSld>
+  <p:clrMapOvr>
+    <a:masterClrMapping/>
+  </p:clrMapOvr>
+</p:sld>
+</file>
+
+<file path=ppt/slides/slide13.xml><?xml version="1.0" encoding="utf-8"?>
+<p:sld xmlns:a="http://schemas.openxmlformats.org/drawingml/2006/main" xmlns:r="http://schemas.openxmlformats.org/officeDocument/2006/relationships" xmlns:p="http://schemas.openxmlformats.org/presentationml/2006/main">
+  <p:cSld>
+    <p:spTree>
+      <p:nvGrpSpPr>
+        <p:cNvPr id="1" name=""/>
+        <p:cNvGrpSpPr/>
+        <p:nvPr/>
+      </p:nvGrpSpPr>
+      <p:grpSpPr>
+        <a:xfrm>
+          <a:off x="0" y="0"/>
+          <a:ext cx="0" cy="0"/>
+          <a:chOff x="0" y="0"/>
+          <a:chExt cx="0" cy="0"/>
+        </a:xfrm>
+      </p:grpSpPr>
+      <p:sp>
+        <p:nvSpPr>
+          <p:cNvPr id="2" name="Title 1">
+            <a:extLst>
+              <a:ext uri="{FF2B5EF4-FFF2-40B4-BE49-F238E27FC236}">
+                <a16:creationId xmlns:a16="http://schemas.microsoft.com/office/drawing/2014/main" id="{7F72B42D-97A1-DD68-BB84-922809072E3D}"/>
+              </a:ext>
+            </a:extLst>
+          </p:cNvPr>
+          <p:cNvSpPr>
+            <a:spLocks noGrp="1"/>
+          </p:cNvSpPr>
+          <p:nvPr>
+            <p:ph type="title"/>
+          </p:nvPr>
+        </p:nvSpPr>
+        <p:spPr/>
+        <p:txBody>
+          <a:bodyPr/>
+          <a:lstStyle/>
+          <a:p>
+            <a:r>
+              <a:rPr lang="en-US" dirty="0"/>
+              <a:t>Git</a:t>
+            </a:r>
+          </a:p>
+        </p:txBody>
+      </p:sp>
+      <p:sp>
+        <p:nvSpPr>
+          <p:cNvPr id="3" name="Content Placeholder 2">
+            <a:extLst>
+              <a:ext uri="{FF2B5EF4-FFF2-40B4-BE49-F238E27FC236}">
+                <a16:creationId xmlns:a16="http://schemas.microsoft.com/office/drawing/2014/main" id="{A42E5E1F-3887-E842-4B67-E5C7715B8384}"/>
+              </a:ext>
+            </a:extLst>
+          </p:cNvPr>
+          <p:cNvSpPr>
+            <a:spLocks noGrp="1"/>
+          </p:cNvSpPr>
+          <p:nvPr>
+            <p:ph idx="1"/>
+          </p:nvPr>
+        </p:nvSpPr>
+        <p:spPr/>
+        <p:txBody>
+          <a:bodyPr>
+            <a:noAutofit/>
+          </a:bodyPr>
+          <a:lstStyle/>
+          <a:p>
+            <a:r>
+              <a:rPr lang="en-US" sz="2400" dirty="0"/>
+              <a:t>Git has two types of repositories: local and remote.</a:t>
+            </a:r>
+          </a:p>
+          <a:p>
+            <a:r>
+              <a:rPr lang="en-US" sz="2400" dirty="0"/>
+              <a:t>A local repository is stored on the file system of a client machine, which is the same one on which the git commands are being executed.</a:t>
+            </a:r>
+          </a:p>
+          <a:p>
+            <a:r>
+              <a:rPr lang="en-US" sz="2400" dirty="0"/>
+              <a:t>A remote repository is stored somewhere other than the client machine, usually a server or repository hosting service (</a:t>
+            </a:r>
+            <a:r>
+              <a:rPr lang="en-US" sz="2400" dirty="0" err="1"/>
+              <a:t>github</a:t>
+            </a:r>
+            <a:r>
+              <a:rPr lang="en-US" sz="2400" dirty="0"/>
+              <a:t>). </a:t>
+            </a:r>
+          </a:p>
+          <a:p>
+            <a:r>
+              <a:rPr lang="en-US" sz="2400" dirty="0"/>
+              <a:t>After the local repository is cloned from the remote repository or the remote repository is created from the local repository, the two repositories are independent of each other until the content changes are applied to the other branch through a manual Git command execution.</a:t>
+            </a:r>
+          </a:p>
+        </p:txBody>
+      </p:sp>
+    </p:spTree>
+    <p:extLst>
+      <p:ext uri="{BB962C8B-B14F-4D97-AF65-F5344CB8AC3E}">
+        <p14:creationId xmlns:p14="http://schemas.microsoft.com/office/powerpoint/2010/main" val="44416786"/>
+      </p:ext>
+    </p:extLst>
+  </p:cSld>
+  <p:clrMapOvr>
+    <a:masterClrMapping/>
+  </p:clrMapOvr>
+</p:sld>
+</file>
+
+<file path=ppt/slides/slide14.xml><?xml version="1.0" encoding="utf-8"?>
 <p:sld xmlns:a="http://schemas.openxmlformats.org/drawingml/2006/main" xmlns:r="http://schemas.openxmlformats.org/officeDocument/2006/relationships" xmlns:p="http://schemas.openxmlformats.org/presentationml/2006/main">
   <p:cSld>
     <p:spTree>
@@ -9073,354 +9445,6 @@
 </p:sld>
 </file>
 
-<file path=ppt/slides/slide13.xml><?xml version="1.0" encoding="utf-8"?>
-<p:sld xmlns:a="http://schemas.openxmlformats.org/drawingml/2006/main" xmlns:r="http://schemas.openxmlformats.org/officeDocument/2006/relationships" xmlns:p="http://schemas.openxmlformats.org/presentationml/2006/main">
-  <p:cSld>
-    <p:spTree>
-      <p:nvGrpSpPr>
-        <p:cNvPr id="1" name=""/>
-        <p:cNvGrpSpPr/>
-        <p:nvPr/>
-      </p:nvGrpSpPr>
-      <p:grpSpPr>
-        <a:xfrm>
-          <a:off x="0" y="0"/>
-          <a:ext cx="0" cy="0"/>
-          <a:chOff x="0" y="0"/>
-          <a:chExt cx="0" cy="0"/>
-        </a:xfrm>
-      </p:grpSpPr>
-      <p:sp>
-        <p:nvSpPr>
-          <p:cNvPr id="2" name="Title 1">
-            <a:extLst>
-              <a:ext uri="{FF2B5EF4-FFF2-40B4-BE49-F238E27FC236}">
-                <a16:creationId xmlns:a16="http://schemas.microsoft.com/office/drawing/2014/main" id="{7F72B42D-97A1-DD68-BB84-922809072E3D}"/>
-              </a:ext>
-            </a:extLst>
-          </p:cNvPr>
-          <p:cNvSpPr>
-            <a:spLocks noGrp="1"/>
-          </p:cNvSpPr>
-          <p:nvPr>
-            <p:ph type="title"/>
-          </p:nvPr>
-        </p:nvSpPr>
-        <p:spPr>
-          <a:xfrm>
-            <a:off x="685801" y="609601"/>
-            <a:ext cx="10131425" cy="795454"/>
-          </a:xfrm>
-        </p:spPr>
-        <p:txBody>
-          <a:bodyPr/>
-          <a:lstStyle/>
-          <a:p>
-            <a:r>
-              <a:rPr lang="en-US" dirty="0"/>
-              <a:t>Git</a:t>
-            </a:r>
-          </a:p>
-        </p:txBody>
-      </p:sp>
-      <p:sp>
-        <p:nvSpPr>
-          <p:cNvPr id="3" name="Content Placeholder 2">
-            <a:extLst>
-              <a:ext uri="{FF2B5EF4-FFF2-40B4-BE49-F238E27FC236}">
-                <a16:creationId xmlns:a16="http://schemas.microsoft.com/office/drawing/2014/main" id="{A42E5E1F-3887-E842-4B67-E5C7715B8384}"/>
-              </a:ext>
-            </a:extLst>
-          </p:cNvPr>
-          <p:cNvSpPr>
-            <a:spLocks noGrp="1"/>
-          </p:cNvSpPr>
-          <p:nvPr>
-            <p:ph idx="1"/>
-          </p:nvPr>
-        </p:nvSpPr>
-        <p:spPr>
-          <a:xfrm>
-            <a:off x="685801" y="1906859"/>
-            <a:ext cx="10131425" cy="3884341"/>
-          </a:xfrm>
-        </p:spPr>
-        <p:txBody>
-          <a:bodyPr>
-            <a:noAutofit/>
-          </a:bodyPr>
-          <a:lstStyle/>
-          <a:p>
-            <a:r>
-              <a:rPr lang="en-US" sz="2800" dirty="0"/>
-              <a:t>Git is organized by 3 </a:t>
-            </a:r>
-            <a:r>
-              <a:rPr lang="en-US" sz="2800" dirty="0">
-                <a:highlight>
-                  <a:srgbClr val="00FF00"/>
-                </a:highlight>
-              </a:rPr>
-              <a:t>states</a:t>
-            </a:r>
-            <a:r>
-              <a:rPr lang="en-US" sz="2800" dirty="0"/>
-              <a:t> and 3 </a:t>
-            </a:r>
-            <a:r>
-              <a:rPr lang="en-US" sz="2800" dirty="0">
-                <a:highlight>
-                  <a:srgbClr val="00FF00"/>
-                </a:highlight>
-              </a:rPr>
-              <a:t>stages</a:t>
-            </a:r>
-          </a:p>
-          <a:p>
-            <a:r>
-              <a:rPr lang="en-US" sz="2800" dirty="0"/>
-              <a:t>The three </a:t>
-            </a:r>
-            <a:r>
-              <a:rPr lang="en-US" sz="2800" dirty="0">
-                <a:highlight>
-                  <a:srgbClr val="00FF00"/>
-                </a:highlight>
-              </a:rPr>
-              <a:t>stages</a:t>
-            </a:r>
-            <a:r>
-              <a:rPr lang="en-US" sz="2800" dirty="0"/>
-              <a:t> are:</a:t>
-            </a:r>
-          </a:p>
-          <a:p>
-            <a:pPr lvl="1"/>
-            <a:r>
-              <a:rPr lang="en-US" sz="2600" dirty="0"/>
-              <a:t>Repository (the .git directory)</a:t>
-            </a:r>
-          </a:p>
-          <a:p>
-            <a:pPr lvl="1"/>
-            <a:r>
-              <a:rPr lang="en-US" sz="2600" dirty="0"/>
-              <a:t>Working directory</a:t>
-            </a:r>
-          </a:p>
-          <a:p>
-            <a:pPr lvl="1"/>
-            <a:r>
-              <a:rPr lang="en-US" sz="2600" dirty="0"/>
-              <a:t>Staging area</a:t>
-            </a:r>
-          </a:p>
-          <a:p>
-            <a:r>
-              <a:rPr lang="en-US" sz="2800" dirty="0"/>
-              <a:t>The three </a:t>
-            </a:r>
-            <a:r>
-              <a:rPr lang="en-US" sz="2800" dirty="0">
-                <a:highlight>
-                  <a:srgbClr val="00FF00"/>
-                </a:highlight>
-              </a:rPr>
-              <a:t>states</a:t>
-            </a:r>
-            <a:r>
-              <a:rPr lang="en-US" sz="2800" dirty="0"/>
-              <a:t> are:</a:t>
-            </a:r>
-          </a:p>
-          <a:p>
-            <a:pPr lvl="1"/>
-            <a:r>
-              <a:rPr lang="en-US" sz="2600" dirty="0"/>
-              <a:t>Committed</a:t>
-            </a:r>
-          </a:p>
-          <a:p>
-            <a:pPr lvl="1"/>
-            <a:r>
-              <a:rPr lang="en-US" sz="2600" dirty="0"/>
-              <a:t>Modified</a:t>
-            </a:r>
-          </a:p>
-          <a:p>
-            <a:pPr lvl="1"/>
-            <a:r>
-              <a:rPr lang="en-US" sz="2600" dirty="0"/>
-              <a:t>Staged</a:t>
-            </a:r>
-          </a:p>
-        </p:txBody>
-      </p:sp>
-      <p:pic>
-        <p:nvPicPr>
-          <p:cNvPr id="8" name="Picture 2">
-            <a:extLst>
-              <a:ext uri="{FF2B5EF4-FFF2-40B4-BE49-F238E27FC236}">
-                <a16:creationId xmlns:a16="http://schemas.microsoft.com/office/drawing/2014/main" id="{83A32623-2EC5-A102-5334-58CB1DCE4CBF}"/>
-              </a:ext>
-            </a:extLst>
-          </p:cNvPr>
-          <p:cNvPicPr>
-            <a:picLocks noChangeAspect="1" noChangeArrowheads="1"/>
-          </p:cNvPicPr>
-          <p:nvPr/>
-        </p:nvPicPr>
-        <p:blipFill>
-          <a:blip r:embed="rId2"/>
-          <a:srcRect/>
-          <a:stretch>
-            <a:fillRect/>
-          </a:stretch>
-        </p:blipFill>
-        <p:spPr bwMode="auto">
-          <a:xfrm>
-            <a:off x="5537785" y="2065867"/>
-            <a:ext cx="6567537" cy="4323782"/>
-          </a:xfrm>
-          <a:prstGeom prst="rect">
-            <a:avLst/>
-          </a:prstGeom>
-          <a:noFill/>
-          <a:ln w="9525">
-            <a:noFill/>
-            <a:miter lim="800000"/>
-            <a:headEnd/>
-            <a:tailEnd/>
-          </a:ln>
-        </p:spPr>
-      </p:pic>
-    </p:spTree>
-    <p:extLst>
-      <p:ext uri="{BB962C8B-B14F-4D97-AF65-F5344CB8AC3E}">
-        <p14:creationId xmlns:p14="http://schemas.microsoft.com/office/powerpoint/2010/main" val="1467606254"/>
-      </p:ext>
-    </p:extLst>
-  </p:cSld>
-  <p:clrMapOvr>
-    <a:masterClrMapping/>
-  </p:clrMapOvr>
-</p:sld>
-</file>
-
-<file path=ppt/slides/slide14.xml><?xml version="1.0" encoding="utf-8"?>
-<p:sld xmlns:a="http://schemas.openxmlformats.org/drawingml/2006/main" xmlns:r="http://schemas.openxmlformats.org/officeDocument/2006/relationships" xmlns:p="http://schemas.openxmlformats.org/presentationml/2006/main">
-  <p:cSld>
-    <p:spTree>
-      <p:nvGrpSpPr>
-        <p:cNvPr id="1" name=""/>
-        <p:cNvGrpSpPr/>
-        <p:nvPr/>
-      </p:nvGrpSpPr>
-      <p:grpSpPr>
-        <a:xfrm>
-          <a:off x="0" y="0"/>
-          <a:ext cx="0" cy="0"/>
-          <a:chOff x="0" y="0"/>
-          <a:chExt cx="0" cy="0"/>
-        </a:xfrm>
-      </p:grpSpPr>
-      <p:sp>
-        <p:nvSpPr>
-          <p:cNvPr id="2" name="Title 1">
-            <a:extLst>
-              <a:ext uri="{FF2B5EF4-FFF2-40B4-BE49-F238E27FC236}">
-                <a16:creationId xmlns:a16="http://schemas.microsoft.com/office/drawing/2014/main" id="{7F72B42D-97A1-DD68-BB84-922809072E3D}"/>
-              </a:ext>
-            </a:extLst>
-          </p:cNvPr>
-          <p:cNvSpPr>
-            <a:spLocks noGrp="1"/>
-          </p:cNvSpPr>
-          <p:nvPr>
-            <p:ph type="title"/>
-          </p:nvPr>
-        </p:nvSpPr>
-        <p:spPr/>
-        <p:txBody>
-          <a:bodyPr/>
-          <a:lstStyle/>
-          <a:p>
-            <a:r>
-              <a:rPr lang="en-US" dirty="0"/>
-              <a:t>Git</a:t>
-            </a:r>
-          </a:p>
-        </p:txBody>
-      </p:sp>
-      <p:sp>
-        <p:nvSpPr>
-          <p:cNvPr id="3" name="Content Placeholder 2">
-            <a:extLst>
-              <a:ext uri="{FF2B5EF4-FFF2-40B4-BE49-F238E27FC236}">
-                <a16:creationId xmlns:a16="http://schemas.microsoft.com/office/drawing/2014/main" id="{A42E5E1F-3887-E842-4B67-E5C7715B8384}"/>
-              </a:ext>
-            </a:extLst>
-          </p:cNvPr>
-          <p:cNvSpPr>
-            <a:spLocks noGrp="1"/>
-          </p:cNvSpPr>
-          <p:nvPr>
-            <p:ph idx="1"/>
-          </p:nvPr>
-        </p:nvSpPr>
-        <p:spPr/>
-        <p:txBody>
-          <a:bodyPr>
-            <a:noAutofit/>
-          </a:bodyPr>
-          <a:lstStyle/>
-          <a:p>
-            <a:r>
-              <a:rPr lang="en-US" sz="2400" dirty="0"/>
-              <a:t>Git has two types of repositories: local and remote.</a:t>
-            </a:r>
-          </a:p>
-          <a:p>
-            <a:r>
-              <a:rPr lang="en-US" sz="2400" dirty="0"/>
-              <a:t>A local repository is stored on the file system of a client machine, which is the same one on which the git commands are being executed.</a:t>
-            </a:r>
-          </a:p>
-          <a:p>
-            <a:r>
-              <a:rPr lang="en-US" sz="2400" dirty="0"/>
-              <a:t>A remote repository is stored somewhere other than the client machine, usually a server or repository hosting service (</a:t>
-            </a:r>
-            <a:r>
-              <a:rPr lang="en-US" sz="2400" dirty="0" err="1"/>
-              <a:t>github</a:t>
-            </a:r>
-            <a:r>
-              <a:rPr lang="en-US" sz="2400" dirty="0"/>
-              <a:t>). </a:t>
-            </a:r>
-          </a:p>
-          <a:p>
-            <a:r>
-              <a:rPr lang="en-US" sz="2400" dirty="0"/>
-              <a:t>After the local repository is cloned from the remote repository or the remote repository is created from the local repository, the two repositories are independent of each other until the content changes are applied to the other branch through a manual Git command execution.</a:t>
-            </a:r>
-          </a:p>
-        </p:txBody>
-      </p:sp>
-    </p:spTree>
-    <p:extLst>
-      <p:ext uri="{BB962C8B-B14F-4D97-AF65-F5344CB8AC3E}">
-        <p14:creationId xmlns:p14="http://schemas.microsoft.com/office/powerpoint/2010/main" val="44416786"/>
-      </p:ext>
-    </p:extLst>
-  </p:cSld>
-  <p:clrMapOvr>
-    <a:masterClrMapping/>
-  </p:clrMapOvr>
-</p:sld>
-</file>
-
 <file path=ppt/slides/slide15.xml><?xml version="1.0" encoding="utf-8"?>
 <p:sld xmlns:a="http://schemas.openxmlformats.org/drawingml/2006/main" xmlns:r="http://schemas.openxmlformats.org/officeDocument/2006/relationships" xmlns:p="http://schemas.openxmlformats.org/presentationml/2006/main">
   <p:cSld>
@@ -10302,7 +10326,7 @@
                 <a:ea typeface="Microsoft YaHei"/>
                 <a:cs typeface="Arial"/>
               </a:rPr>
-              <a:t>Or manually fix -- example: </a:t>
+              <a:t>Or manually fix if the “Accept” buttons are not available -- example: </a:t>
             </a:r>
           </a:p>
           <a:p>
